--- a/autoHotkey.pptx
+++ b/autoHotkey.pptx
@@ -14,11 +14,11 @@
     <p:sldId id="258" r:id="rId8"/>
     <p:sldId id="302" r:id="rId9"/>
     <p:sldId id="301" r:id="rId10"/>
-    <p:sldId id="303" r:id="rId11"/>
-    <p:sldId id="274" r:id="rId12"/>
-    <p:sldId id="259" r:id="rId13"/>
-    <p:sldId id="297" r:id="rId14"/>
-    <p:sldId id="277" r:id="rId15"/>
+    <p:sldId id="304" r:id="rId11"/>
+    <p:sldId id="303" r:id="rId12"/>
+    <p:sldId id="305" r:id="rId13"/>
+    <p:sldId id="306" r:id="rId14"/>
+    <p:sldId id="274" r:id="rId15"/>
     <p:sldId id="271" r:id="rId16"/>
     <p:sldId id="269" r:id="rId17"/>
     <p:sldId id="276" r:id="rId18"/>
@@ -1880,6 +1880,13 @@
         </dgm:presLayoutVars>
       </dgm:prSet>
       <dgm:spPr/>
+      <dgm:t>
+        <a:bodyPr/>
+        <a:lstStyle/>
+        <a:p>
+          <a:endParaRPr kumimoji="1" lang="ja-JP" altLang="en-US"/>
+        </a:p>
+      </dgm:t>
     </dgm:pt>
     <dgm:pt modelId="{569159E6-6865-46DC-AC9E-CEB1E79B7F96}" type="pres">
       <dgm:prSet presAssocID="{332A3D20-53F5-47E7-B45A-C1D4EA6FCD50}" presName="node" presStyleLbl="node1" presStyleIdx="0" presStyleCnt="6" custScaleX="30241" custScaleY="13316" custLinFactNeighborX="-13144" custLinFactNeighborY="-12494">
@@ -1888,6 +1895,13 @@
         </dgm:presLayoutVars>
       </dgm:prSet>
       <dgm:spPr/>
+      <dgm:t>
+        <a:bodyPr/>
+        <a:lstStyle/>
+        <a:p>
+          <a:endParaRPr kumimoji="1" lang="ja-JP" altLang="en-US"/>
+        </a:p>
+      </dgm:t>
     </dgm:pt>
     <dgm:pt modelId="{1B9F6F61-FD95-40DD-984C-B6F4F167C024}" type="pres">
       <dgm:prSet presAssocID="{EEF3DFC1-C5B8-4CBE-844C-64131F6E3D6F}" presName="sibTrans" presStyleCnt="0"/>
@@ -1900,6 +1914,13 @@
         </dgm:presLayoutVars>
       </dgm:prSet>
       <dgm:spPr/>
+      <dgm:t>
+        <a:bodyPr/>
+        <a:lstStyle/>
+        <a:p>
+          <a:endParaRPr kumimoji="1" lang="ja-JP" altLang="en-US"/>
+        </a:p>
+      </dgm:t>
     </dgm:pt>
     <dgm:pt modelId="{F5B42181-6427-4056-A41B-916B3AFED469}" type="pres">
       <dgm:prSet presAssocID="{2AA7AC45-FB59-4DD6-8AE7-5D5F73A0E5BD}" presName="sibTrans" presStyleCnt="0"/>
@@ -1912,6 +1933,13 @@
         </dgm:presLayoutVars>
       </dgm:prSet>
       <dgm:spPr/>
+      <dgm:t>
+        <a:bodyPr/>
+        <a:lstStyle/>
+        <a:p>
+          <a:endParaRPr kumimoji="1" lang="ja-JP" altLang="en-US"/>
+        </a:p>
+      </dgm:t>
     </dgm:pt>
     <dgm:pt modelId="{87BEA475-0EA1-4657-B6EF-4CFFA1A3ED6B}" type="pres">
       <dgm:prSet presAssocID="{BE76B871-E58A-4F1E-AC29-91C9FB2E685C}" presName="sibTrans" presStyleCnt="0"/>
@@ -1973,18 +2001,18 @@
   </dgm:ptLst>
   <dgm:cxnLst>
     <dgm:cxn modelId="{182C110C-9EC2-448F-8D02-593019CF0CEA}" type="presOf" srcId="{0419C7F4-EE13-4B90-AF2D-A2438A2373B3}" destId="{9A06AC85-75D5-4C14-B2E6-1FF9766F9788}" srcOrd="0" destOrd="0" presId="urn:microsoft.com/office/officeart/2005/8/layout/default"/>
+    <dgm:cxn modelId="{BA0C495E-5937-4D9C-A885-A9EF87D532CE}" srcId="{26EBCE89-C7DA-46C4-9ACD-932AFC2B9B35}" destId="{DAD502B9-CC5C-48B0-B6B8-01C393987F36}" srcOrd="3" destOrd="0" parTransId="{E5E8128F-F2E4-47E2-A9C1-219DF57DA5B2}" sibTransId="{61548206-7D46-4D2D-810A-4CBDE59FA9F5}"/>
+    <dgm:cxn modelId="{0AD9CB14-F63B-4D2B-9A7A-43825891655B}" srcId="{26EBCE89-C7DA-46C4-9ACD-932AFC2B9B35}" destId="{0419C7F4-EE13-4B90-AF2D-A2438A2373B3}" srcOrd="5" destOrd="0" parTransId="{70A62047-1DE6-4F77-B06F-24134EB88767}" sibTransId="{50AA7583-70C8-432C-AD3B-637506CB6112}"/>
+    <dgm:cxn modelId="{5D619011-4ACE-45FE-9CF0-48F7D05FF4F8}" srcId="{26EBCE89-C7DA-46C4-9ACD-932AFC2B9B35}" destId="{A8D2BFEF-1CB6-465B-A455-C5A54B0B9453}" srcOrd="1" destOrd="0" parTransId="{88A9C403-1DFB-47D3-B972-2E9B8B26D29C}" sibTransId="{2AA7AC45-FB59-4DD6-8AE7-5D5F73A0E5BD}"/>
     <dgm:cxn modelId="{D4945C66-1341-43F4-9E53-0794BA9FAB7D}" type="presOf" srcId="{A8D2BFEF-1CB6-465B-A455-C5A54B0B9453}" destId="{54C2CAD0-4704-45EA-A49D-10663C534442}" srcOrd="0" destOrd="0" presId="urn:microsoft.com/office/officeart/2005/8/layout/default"/>
     <dgm:cxn modelId="{5518B4C3-3073-42C9-BFB3-E97EC6B16415}" type="presOf" srcId="{26EBCE89-C7DA-46C4-9ACD-932AFC2B9B35}" destId="{423E058E-605D-4152-ACC3-0088518F79B4}" srcOrd="0" destOrd="0" presId="urn:microsoft.com/office/officeart/2005/8/layout/default"/>
-    <dgm:cxn modelId="{0AD9CB14-F63B-4D2B-9A7A-43825891655B}" srcId="{26EBCE89-C7DA-46C4-9ACD-932AFC2B9B35}" destId="{0419C7F4-EE13-4B90-AF2D-A2438A2373B3}" srcOrd="5" destOrd="0" parTransId="{70A62047-1DE6-4F77-B06F-24134EB88767}" sibTransId="{50AA7583-70C8-432C-AD3B-637506CB6112}"/>
+    <dgm:cxn modelId="{0B670B6F-8343-4D31-ABBE-707B3CAF8F4F}" type="presOf" srcId="{DAD502B9-CC5C-48B0-B6B8-01C393987F36}" destId="{60AFDEC3-53A7-48BF-8D9E-38366B341C6F}" srcOrd="0" destOrd="0" presId="urn:microsoft.com/office/officeart/2005/8/layout/default"/>
+    <dgm:cxn modelId="{C7E2136C-9D5A-4D34-86C1-DBB555E292D6}" srcId="{26EBCE89-C7DA-46C4-9ACD-932AFC2B9B35}" destId="{D92FC7A7-FCE7-4B2B-8FC1-B89454ED25CF}" srcOrd="2" destOrd="0" parTransId="{EE22F4F2-B447-4A43-8B26-753FC59B93C3}" sibTransId="{BE76B871-E58A-4F1E-AC29-91C9FB2E685C}"/>
+    <dgm:cxn modelId="{4382244A-B7FB-4AB6-9569-37E1FF336B3D}" type="presOf" srcId="{D92FC7A7-FCE7-4B2B-8FC1-B89454ED25CF}" destId="{706EB3F7-2706-4EEA-B1BF-9FA449638523}" srcOrd="0" destOrd="0" presId="urn:microsoft.com/office/officeart/2005/8/layout/default"/>
     <dgm:cxn modelId="{838A6F40-44EF-4AEC-B029-20F97A3551F0}" srcId="{26EBCE89-C7DA-46C4-9ACD-932AFC2B9B35}" destId="{C77962EE-B851-4B59-BF90-DF30AB91F011}" srcOrd="4" destOrd="0" parTransId="{0B7C7A48-CB4E-4295-A0DA-BA8472BA5DEB}" sibTransId="{3F58EFAF-05C2-4C57-944C-1ADEDCA3E65A}"/>
+    <dgm:cxn modelId="{41DA84A3-5447-48E9-9153-C0C0E0D9369E}" srcId="{26EBCE89-C7DA-46C4-9ACD-932AFC2B9B35}" destId="{332A3D20-53F5-47E7-B45A-C1D4EA6FCD50}" srcOrd="0" destOrd="0" parTransId="{219F94A4-7A85-45AA-9ACA-FF3A68268E49}" sibTransId="{EEF3DFC1-C5B8-4CBE-844C-64131F6E3D6F}"/>
+    <dgm:cxn modelId="{EAD0C6BC-4220-43D7-9046-573E97B2FB33}" type="presOf" srcId="{332A3D20-53F5-47E7-B45A-C1D4EA6FCD50}" destId="{569159E6-6865-46DC-AC9E-CEB1E79B7F96}" srcOrd="0" destOrd="0" presId="urn:microsoft.com/office/officeart/2005/8/layout/default"/>
     <dgm:cxn modelId="{9DC58889-EEFB-4132-983E-1577953325E4}" type="presOf" srcId="{C77962EE-B851-4B59-BF90-DF30AB91F011}" destId="{F251A602-959C-4BD7-AE16-F4BCC64B7182}" srcOrd="0" destOrd="0" presId="urn:microsoft.com/office/officeart/2005/8/layout/default"/>
-    <dgm:cxn modelId="{EAD0C6BC-4220-43D7-9046-573E97B2FB33}" type="presOf" srcId="{332A3D20-53F5-47E7-B45A-C1D4EA6FCD50}" destId="{569159E6-6865-46DC-AC9E-CEB1E79B7F96}" srcOrd="0" destOrd="0" presId="urn:microsoft.com/office/officeart/2005/8/layout/default"/>
-    <dgm:cxn modelId="{BA0C495E-5937-4D9C-A885-A9EF87D532CE}" srcId="{26EBCE89-C7DA-46C4-9ACD-932AFC2B9B35}" destId="{DAD502B9-CC5C-48B0-B6B8-01C393987F36}" srcOrd="3" destOrd="0" parTransId="{E5E8128F-F2E4-47E2-A9C1-219DF57DA5B2}" sibTransId="{61548206-7D46-4D2D-810A-4CBDE59FA9F5}"/>
-    <dgm:cxn modelId="{4382244A-B7FB-4AB6-9569-37E1FF336B3D}" type="presOf" srcId="{D92FC7A7-FCE7-4B2B-8FC1-B89454ED25CF}" destId="{706EB3F7-2706-4EEA-B1BF-9FA449638523}" srcOrd="0" destOrd="0" presId="urn:microsoft.com/office/officeart/2005/8/layout/default"/>
-    <dgm:cxn modelId="{C7E2136C-9D5A-4D34-86C1-DBB555E292D6}" srcId="{26EBCE89-C7DA-46C4-9ACD-932AFC2B9B35}" destId="{D92FC7A7-FCE7-4B2B-8FC1-B89454ED25CF}" srcOrd="2" destOrd="0" parTransId="{EE22F4F2-B447-4A43-8B26-753FC59B93C3}" sibTransId="{BE76B871-E58A-4F1E-AC29-91C9FB2E685C}"/>
-    <dgm:cxn modelId="{0B670B6F-8343-4D31-ABBE-707B3CAF8F4F}" type="presOf" srcId="{DAD502B9-CC5C-48B0-B6B8-01C393987F36}" destId="{60AFDEC3-53A7-48BF-8D9E-38366B341C6F}" srcOrd="0" destOrd="0" presId="urn:microsoft.com/office/officeart/2005/8/layout/default"/>
-    <dgm:cxn modelId="{41DA84A3-5447-48E9-9153-C0C0E0D9369E}" srcId="{26EBCE89-C7DA-46C4-9ACD-932AFC2B9B35}" destId="{332A3D20-53F5-47E7-B45A-C1D4EA6FCD50}" srcOrd="0" destOrd="0" parTransId="{219F94A4-7A85-45AA-9ACA-FF3A68268E49}" sibTransId="{EEF3DFC1-C5B8-4CBE-844C-64131F6E3D6F}"/>
-    <dgm:cxn modelId="{5D619011-4ACE-45FE-9CF0-48F7D05FF4F8}" srcId="{26EBCE89-C7DA-46C4-9ACD-932AFC2B9B35}" destId="{A8D2BFEF-1CB6-465B-A455-C5A54B0B9453}" srcOrd="1" destOrd="0" parTransId="{88A9C403-1DFB-47D3-B972-2E9B8B26D29C}" sibTransId="{2AA7AC45-FB59-4DD6-8AE7-5D5F73A0E5BD}"/>
     <dgm:cxn modelId="{44807DD8-84F2-4B84-83EB-8D91C16FF071}" type="presParOf" srcId="{423E058E-605D-4152-ACC3-0088518F79B4}" destId="{569159E6-6865-46DC-AC9E-CEB1E79B7F96}" srcOrd="0" destOrd="0" presId="urn:microsoft.com/office/officeart/2005/8/layout/default"/>
     <dgm:cxn modelId="{8DDC83F7-EE53-45B4-A4DA-5C5E40C408F5}" type="presParOf" srcId="{423E058E-605D-4152-ACC3-0088518F79B4}" destId="{1B9F6F61-FD95-40DD-984C-B6F4F167C024}" srcOrd="1" destOrd="0" presId="urn:microsoft.com/office/officeart/2005/8/layout/default"/>
     <dgm:cxn modelId="{B038E8A1-8001-4D94-B238-72C59768DB28}" type="presParOf" srcId="{423E058E-605D-4152-ACC3-0088518F79B4}" destId="{54C2CAD0-4704-45EA-A49D-10663C534442}" srcOrd="2" destOrd="0" presId="urn:microsoft.com/office/officeart/2005/8/layout/default"/>
@@ -2270,6 +2298,13 @@
         </dgm:presLayoutVars>
       </dgm:prSet>
       <dgm:spPr/>
+      <dgm:t>
+        <a:bodyPr/>
+        <a:lstStyle/>
+        <a:p>
+          <a:endParaRPr kumimoji="1" lang="ja-JP" altLang="en-US"/>
+        </a:p>
+      </dgm:t>
     </dgm:pt>
     <dgm:pt modelId="{569159E6-6865-46DC-AC9E-CEB1E79B7F96}" type="pres">
       <dgm:prSet presAssocID="{332A3D20-53F5-47E7-B45A-C1D4EA6FCD50}" presName="node" presStyleLbl="node1" presStyleIdx="0" presStyleCnt="6" custScaleX="29861" custScaleY="13316" custLinFactNeighborX="-13144" custLinFactNeighborY="-12494">
@@ -2278,6 +2313,13 @@
         </dgm:presLayoutVars>
       </dgm:prSet>
       <dgm:spPr/>
+      <dgm:t>
+        <a:bodyPr/>
+        <a:lstStyle/>
+        <a:p>
+          <a:endParaRPr kumimoji="1" lang="ja-JP" altLang="en-US"/>
+        </a:p>
+      </dgm:t>
     </dgm:pt>
     <dgm:pt modelId="{1B9F6F61-FD95-40DD-984C-B6F4F167C024}" type="pres">
       <dgm:prSet presAssocID="{EEF3DFC1-C5B8-4CBE-844C-64131F6E3D6F}" presName="sibTrans" presStyleCnt="0"/>
@@ -2290,6 +2332,13 @@
         </dgm:presLayoutVars>
       </dgm:prSet>
       <dgm:spPr/>
+      <dgm:t>
+        <a:bodyPr/>
+        <a:lstStyle/>
+        <a:p>
+          <a:endParaRPr kumimoji="1" lang="ja-JP" altLang="en-US"/>
+        </a:p>
+      </dgm:t>
     </dgm:pt>
     <dgm:pt modelId="{F5B42181-6427-4056-A41B-916B3AFED469}" type="pres">
       <dgm:prSet presAssocID="{2AA7AC45-FB59-4DD6-8AE7-5D5F73A0E5BD}" presName="sibTrans" presStyleCnt="0"/>
@@ -2302,6 +2351,13 @@
         </dgm:presLayoutVars>
       </dgm:prSet>
       <dgm:spPr/>
+      <dgm:t>
+        <a:bodyPr/>
+        <a:lstStyle/>
+        <a:p>
+          <a:endParaRPr kumimoji="1" lang="ja-JP" altLang="en-US"/>
+        </a:p>
+      </dgm:t>
     </dgm:pt>
     <dgm:pt modelId="{87BEA475-0EA1-4657-B6EF-4CFFA1A3ED6B}" type="pres">
       <dgm:prSet presAssocID="{BE76B871-E58A-4F1E-AC29-91C9FB2E685C}" presName="sibTrans" presStyleCnt="0"/>
@@ -2333,6 +2389,13 @@
         </dgm:presLayoutVars>
       </dgm:prSet>
       <dgm:spPr/>
+      <dgm:t>
+        <a:bodyPr/>
+        <a:lstStyle/>
+        <a:p>
+          <a:endParaRPr kumimoji="1" lang="ja-JP" altLang="en-US"/>
+        </a:p>
+      </dgm:t>
     </dgm:pt>
     <dgm:pt modelId="{D430E9D7-6C80-4415-A41B-B8525910CD89}" type="pres">
       <dgm:prSet presAssocID="{3F58EFAF-05C2-4C57-944C-1ADEDCA3E65A}" presName="sibTrans" presStyleCnt="0"/>
@@ -2355,19 +2418,19 @@
     </dgm:pt>
   </dgm:ptLst>
   <dgm:cxnLst>
-    <dgm:cxn modelId="{0AD9CB14-F63B-4D2B-9A7A-43825891655B}" srcId="{26EBCE89-C7DA-46C4-9ACD-932AFC2B9B35}" destId="{0419C7F4-EE13-4B90-AF2D-A2438A2373B3}" srcOrd="5" destOrd="0" parTransId="{70A62047-1DE6-4F77-B06F-24134EB88767}" sibTransId="{50AA7583-70C8-432C-AD3B-637506CB6112}"/>
-    <dgm:cxn modelId="{C7E2136C-9D5A-4D34-86C1-DBB555E292D6}" srcId="{26EBCE89-C7DA-46C4-9ACD-932AFC2B9B35}" destId="{D92FC7A7-FCE7-4B2B-8FC1-B89454ED25CF}" srcOrd="2" destOrd="0" parTransId="{EE22F4F2-B447-4A43-8B26-753FC59B93C3}" sibTransId="{BE76B871-E58A-4F1E-AC29-91C9FB2E685C}"/>
-    <dgm:cxn modelId="{B001050A-4D9B-4F2E-84AB-56197243980C}" type="presOf" srcId="{DAD502B9-CC5C-48B0-B6B8-01C393987F36}" destId="{60AFDEC3-53A7-48BF-8D9E-38366B341C6F}" srcOrd="0" destOrd="0" presId="urn:microsoft.com/office/officeart/2005/8/layout/default"/>
+    <dgm:cxn modelId="{8FE941D6-B0F6-4114-A53D-8DBF17BFE24B}" type="presOf" srcId="{332A3D20-53F5-47E7-B45A-C1D4EA6FCD50}" destId="{569159E6-6865-46DC-AC9E-CEB1E79B7F96}" srcOrd="0" destOrd="0" presId="urn:microsoft.com/office/officeart/2005/8/layout/default"/>
     <dgm:cxn modelId="{A58C7762-541D-4396-9966-AAB3EB71ADAE}" type="presOf" srcId="{26EBCE89-C7DA-46C4-9ACD-932AFC2B9B35}" destId="{423E058E-605D-4152-ACC3-0088518F79B4}" srcOrd="0" destOrd="0" presId="urn:microsoft.com/office/officeart/2005/8/layout/default"/>
-    <dgm:cxn modelId="{A53AC54D-242A-459E-AC0B-28D18B2BEDA2}" type="presOf" srcId="{A8D2BFEF-1CB6-465B-A455-C5A54B0B9453}" destId="{54C2CAD0-4704-45EA-A49D-10663C534442}" srcOrd="0" destOrd="0" presId="urn:microsoft.com/office/officeart/2005/8/layout/default"/>
-    <dgm:cxn modelId="{8FE941D6-B0F6-4114-A53D-8DBF17BFE24B}" type="presOf" srcId="{332A3D20-53F5-47E7-B45A-C1D4EA6FCD50}" destId="{569159E6-6865-46DC-AC9E-CEB1E79B7F96}" srcOrd="0" destOrd="0" presId="urn:microsoft.com/office/officeart/2005/8/layout/default"/>
     <dgm:cxn modelId="{6FBF53AA-B92A-4A20-8663-8A5029C6FBD6}" type="presOf" srcId="{C77962EE-B851-4B59-BF90-DF30AB91F011}" destId="{F251A602-959C-4BD7-AE16-F4BCC64B7182}" srcOrd="0" destOrd="0" presId="urn:microsoft.com/office/officeart/2005/8/layout/default"/>
     <dgm:cxn modelId="{BA0C495E-5937-4D9C-A885-A9EF87D532CE}" srcId="{26EBCE89-C7DA-46C4-9ACD-932AFC2B9B35}" destId="{DAD502B9-CC5C-48B0-B6B8-01C393987F36}" srcOrd="3" destOrd="0" parTransId="{E5E8128F-F2E4-47E2-A9C1-219DF57DA5B2}" sibTransId="{61548206-7D46-4D2D-810A-4CBDE59FA9F5}"/>
+    <dgm:cxn modelId="{A53AC54D-242A-459E-AC0B-28D18B2BEDA2}" type="presOf" srcId="{A8D2BFEF-1CB6-465B-A455-C5A54B0B9453}" destId="{54C2CAD0-4704-45EA-A49D-10663C534442}" srcOrd="0" destOrd="0" presId="urn:microsoft.com/office/officeart/2005/8/layout/default"/>
+    <dgm:cxn modelId="{0AD9CB14-F63B-4D2B-9A7A-43825891655B}" srcId="{26EBCE89-C7DA-46C4-9ACD-932AFC2B9B35}" destId="{0419C7F4-EE13-4B90-AF2D-A2438A2373B3}" srcOrd="5" destOrd="0" parTransId="{70A62047-1DE6-4F77-B06F-24134EB88767}" sibTransId="{50AA7583-70C8-432C-AD3B-637506CB6112}"/>
+    <dgm:cxn modelId="{B001050A-4D9B-4F2E-84AB-56197243980C}" type="presOf" srcId="{DAD502B9-CC5C-48B0-B6B8-01C393987F36}" destId="{60AFDEC3-53A7-48BF-8D9E-38366B341C6F}" srcOrd="0" destOrd="0" presId="urn:microsoft.com/office/officeart/2005/8/layout/default"/>
+    <dgm:cxn modelId="{5D619011-4ACE-45FE-9CF0-48F7D05FF4F8}" srcId="{26EBCE89-C7DA-46C4-9ACD-932AFC2B9B35}" destId="{A8D2BFEF-1CB6-465B-A455-C5A54B0B9453}" srcOrd="1" destOrd="0" parTransId="{88A9C403-1DFB-47D3-B972-2E9B8B26D29C}" sibTransId="{2AA7AC45-FB59-4DD6-8AE7-5D5F73A0E5BD}"/>
+    <dgm:cxn modelId="{C7E2136C-9D5A-4D34-86C1-DBB555E292D6}" srcId="{26EBCE89-C7DA-46C4-9ACD-932AFC2B9B35}" destId="{D92FC7A7-FCE7-4B2B-8FC1-B89454ED25CF}" srcOrd="2" destOrd="0" parTransId="{EE22F4F2-B447-4A43-8B26-753FC59B93C3}" sibTransId="{BE76B871-E58A-4F1E-AC29-91C9FB2E685C}"/>
+    <dgm:cxn modelId="{02279613-9D5B-437E-93D4-3F657EBAB330}" type="presOf" srcId="{D92FC7A7-FCE7-4B2B-8FC1-B89454ED25CF}" destId="{706EB3F7-2706-4EEA-B1BF-9FA449638523}" srcOrd="0" destOrd="0" presId="urn:microsoft.com/office/officeart/2005/8/layout/default"/>
     <dgm:cxn modelId="{838A6F40-44EF-4AEC-B029-20F97A3551F0}" srcId="{26EBCE89-C7DA-46C4-9ACD-932AFC2B9B35}" destId="{C77962EE-B851-4B59-BF90-DF30AB91F011}" srcOrd="4" destOrd="0" parTransId="{0B7C7A48-CB4E-4295-A0DA-BA8472BA5DEB}" sibTransId="{3F58EFAF-05C2-4C57-944C-1ADEDCA3E65A}"/>
+    <dgm:cxn modelId="{41DA84A3-5447-48E9-9153-C0C0E0D9369E}" srcId="{26EBCE89-C7DA-46C4-9ACD-932AFC2B9B35}" destId="{332A3D20-53F5-47E7-B45A-C1D4EA6FCD50}" srcOrd="0" destOrd="0" parTransId="{219F94A4-7A85-45AA-9ACA-FF3A68268E49}" sibTransId="{EEF3DFC1-C5B8-4CBE-844C-64131F6E3D6F}"/>
     <dgm:cxn modelId="{388D7BA9-C9EF-481B-B51E-CB2F8DC1048E}" type="presOf" srcId="{0419C7F4-EE13-4B90-AF2D-A2438A2373B3}" destId="{9A06AC85-75D5-4C14-B2E6-1FF9766F9788}" srcOrd="0" destOrd="0" presId="urn:microsoft.com/office/officeart/2005/8/layout/default"/>
-    <dgm:cxn modelId="{41DA84A3-5447-48E9-9153-C0C0E0D9369E}" srcId="{26EBCE89-C7DA-46C4-9ACD-932AFC2B9B35}" destId="{332A3D20-53F5-47E7-B45A-C1D4EA6FCD50}" srcOrd="0" destOrd="0" parTransId="{219F94A4-7A85-45AA-9ACA-FF3A68268E49}" sibTransId="{EEF3DFC1-C5B8-4CBE-844C-64131F6E3D6F}"/>
-    <dgm:cxn modelId="{5D619011-4ACE-45FE-9CF0-48F7D05FF4F8}" srcId="{26EBCE89-C7DA-46C4-9ACD-932AFC2B9B35}" destId="{A8D2BFEF-1CB6-465B-A455-C5A54B0B9453}" srcOrd="1" destOrd="0" parTransId="{88A9C403-1DFB-47D3-B972-2E9B8B26D29C}" sibTransId="{2AA7AC45-FB59-4DD6-8AE7-5D5F73A0E5BD}"/>
-    <dgm:cxn modelId="{02279613-9D5B-437E-93D4-3F657EBAB330}" type="presOf" srcId="{D92FC7A7-FCE7-4B2B-8FC1-B89454ED25CF}" destId="{706EB3F7-2706-4EEA-B1BF-9FA449638523}" srcOrd="0" destOrd="0" presId="urn:microsoft.com/office/officeart/2005/8/layout/default"/>
     <dgm:cxn modelId="{99E4B50F-1A23-4451-B2B7-78869EEA044B}" type="presParOf" srcId="{423E058E-605D-4152-ACC3-0088518F79B4}" destId="{569159E6-6865-46DC-AC9E-CEB1E79B7F96}" srcOrd="0" destOrd="0" presId="urn:microsoft.com/office/officeart/2005/8/layout/default"/>
     <dgm:cxn modelId="{E604466E-28E5-4AEB-AD53-623E8CE611E5}" type="presParOf" srcId="{423E058E-605D-4152-ACC3-0088518F79B4}" destId="{1B9F6F61-FD95-40DD-984C-B6F4F167C024}" srcOrd="1" destOrd="0" presId="urn:microsoft.com/office/officeart/2005/8/layout/default"/>
     <dgm:cxn modelId="{00F278D5-579B-44F2-900A-CB8607D4033A}" type="presParOf" srcId="{423E058E-605D-4152-ACC3-0088518F79B4}" destId="{54C2CAD0-4704-45EA-A49D-10663C534442}" srcOrd="2" destOrd="0" presId="urn:microsoft.com/office/officeart/2005/8/layout/default"/>
@@ -5858,7 +5921,7 @@
           <a:p>
             <a:fld id="{39378AC4-C49C-4159-B332-7738B007311C}" type="datetimeFigureOut">
               <a:rPr kumimoji="1" lang="ja-JP" altLang="en-US" smtClean="0"/>
-              <a:t>2014/3/27</a:t>
+              <a:t>2014/3/31</a:t>
             </a:fld>
             <a:endParaRPr kumimoji="1" lang="ja-JP" altLang="en-US"/>
           </a:p>
@@ -6203,7 +6266,7 @@
           <a:p>
             <a:fld id="{39378AC4-C49C-4159-B332-7738B007311C}" type="datetimeFigureOut">
               <a:rPr kumimoji="1" lang="ja-JP" altLang="en-US" smtClean="0"/>
-              <a:t>2014/3/27</a:t>
+              <a:t>2014/3/31</a:t>
             </a:fld>
             <a:endParaRPr kumimoji="1" lang="ja-JP" altLang="en-US"/>
           </a:p>
@@ -6420,7 +6483,7 @@
           <a:p>
             <a:fld id="{39378AC4-C49C-4159-B332-7738B007311C}" type="datetimeFigureOut">
               <a:rPr kumimoji="1" lang="ja-JP" altLang="en-US" smtClean="0"/>
-              <a:t>2014/3/27</a:t>
+              <a:t>2014/3/31</a:t>
             </a:fld>
             <a:endParaRPr kumimoji="1" lang="ja-JP" altLang="en-US"/>
           </a:p>
@@ -6627,7 +6690,7 @@
           <a:p>
             <a:fld id="{39378AC4-C49C-4159-B332-7738B007311C}" type="datetimeFigureOut">
               <a:rPr kumimoji="1" lang="ja-JP" altLang="en-US" smtClean="0"/>
-              <a:t>2014/3/27</a:t>
+              <a:t>2014/3/31</a:t>
             </a:fld>
             <a:endParaRPr kumimoji="1" lang="ja-JP" altLang="en-US"/>
           </a:p>
@@ -6895,7 +6958,7 @@
           <a:p>
             <a:fld id="{39378AC4-C49C-4159-B332-7738B007311C}" type="datetimeFigureOut">
               <a:rPr kumimoji="1" lang="ja-JP" altLang="en-US" smtClean="0"/>
-              <a:t>2014/3/27</a:t>
+              <a:t>2014/3/31</a:t>
             </a:fld>
             <a:endParaRPr kumimoji="1" lang="ja-JP" altLang="en-US"/>
           </a:p>
@@ -7427,7 +7490,7 @@
           <a:p>
             <a:fld id="{39378AC4-C49C-4159-B332-7738B007311C}" type="datetimeFigureOut">
               <a:rPr kumimoji="1" lang="ja-JP" altLang="en-US" smtClean="0"/>
-              <a:t>2014/3/27</a:t>
+              <a:t>2014/3/31</a:t>
             </a:fld>
             <a:endParaRPr kumimoji="1" lang="ja-JP" altLang="en-US"/>
           </a:p>
@@ -7980,7 +8043,7 @@
           <a:p>
             <a:fld id="{39378AC4-C49C-4159-B332-7738B007311C}" type="datetimeFigureOut">
               <a:rPr kumimoji="1" lang="ja-JP" altLang="en-US" smtClean="0"/>
-              <a:t>2014/3/27</a:t>
+              <a:t>2014/3/31</a:t>
             </a:fld>
             <a:endParaRPr kumimoji="1" lang="ja-JP" altLang="en-US"/>
           </a:p>
@@ -8106,7 +8169,7 @@
           <a:p>
             <a:fld id="{39378AC4-C49C-4159-B332-7738B007311C}" type="datetimeFigureOut">
               <a:rPr kumimoji="1" lang="ja-JP" altLang="en-US" smtClean="0"/>
-              <a:t>2014/3/27</a:t>
+              <a:t>2014/3/31</a:t>
             </a:fld>
             <a:endParaRPr kumimoji="1" lang="ja-JP" altLang="en-US"/>
           </a:p>
@@ -8250,7 +8313,7 @@
           <a:p>
             <a:fld id="{39378AC4-C49C-4159-B332-7738B007311C}" type="datetimeFigureOut">
               <a:rPr kumimoji="1" lang="ja-JP" altLang="en-US" smtClean="0"/>
-              <a:t>2014/3/27</a:t>
+              <a:t>2014/3/31</a:t>
             </a:fld>
             <a:endParaRPr kumimoji="1" lang="ja-JP" altLang="en-US"/>
           </a:p>
@@ -8604,7 +8667,7 @@
           <a:p>
             <a:fld id="{39378AC4-C49C-4159-B332-7738B007311C}" type="datetimeFigureOut">
               <a:rPr kumimoji="1" lang="ja-JP" altLang="en-US" smtClean="0"/>
-              <a:t>2014/3/27</a:t>
+              <a:t>2014/3/31</a:t>
             </a:fld>
             <a:endParaRPr kumimoji="1" lang="ja-JP" altLang="en-US"/>
           </a:p>
@@ -8738,7 +8801,7 @@
           <a:p>
             <a:fld id="{39378AC4-C49C-4159-B332-7738B007311C}" type="datetimeFigureOut">
               <a:rPr kumimoji="1" lang="ja-JP" altLang="en-US" smtClean="0"/>
-              <a:t>2014/3/27</a:t>
+              <a:t>2014/3/31</a:t>
             </a:fld>
             <a:endParaRPr kumimoji="1" lang="ja-JP" altLang="en-US"/>
           </a:p>
@@ -9551,7 +9614,7 @@
           <a:p>
             <a:fld id="{39378AC4-C49C-4159-B332-7738B007311C}" type="datetimeFigureOut">
               <a:rPr kumimoji="1" lang="ja-JP" altLang="en-US" smtClean="0"/>
-              <a:t>2014/3/27</a:t>
+              <a:t>2014/3/31</a:t>
             </a:fld>
             <a:endParaRPr kumimoji="1" lang="ja-JP" altLang="en-US"/>
           </a:p>
@@ -10075,11 +10138,7 @@
             </a:r>
             <a:r>
               <a:rPr lang="ja-JP" altLang="en-US" dirty="0" smtClean="0"/>
-              <a:t>で</a:t>
-            </a:r>
-            <a:r>
-              <a:rPr lang="ja-JP" altLang="en-US" dirty="0" smtClean="0"/>
-              <a:t>遊ぼう</a:t>
+              <a:t>で遊ぼう</a:t>
             </a:r>
             <a:endParaRPr kumimoji="1" lang="ja-JP" altLang="en-US" dirty="0"/>
           </a:p>
@@ -10109,7 +10168,6 @@
               <a:rPr kumimoji="1" lang="en-US" altLang="ja-JP" dirty="0" smtClean="0"/>
               <a:t>2014/4/1</a:t>
             </a:r>
-            <a:endParaRPr kumimoji="1" lang="en-US" altLang="ja-JP" dirty="0" smtClean="0"/>
           </a:p>
           <a:p>
             <a:r>
@@ -10174,7 +10232,7 @@
           <a:p>
             <a:r>
               <a:rPr kumimoji="1" lang="ja-JP" altLang="en-US" dirty="0" smtClean="0"/>
-              <a:t>まず使ってみる</a:t>
+              <a:t>ホットキー</a:t>
             </a:r>
             <a:endParaRPr kumimoji="1" lang="ja-JP" altLang="en-US" dirty="0"/>
           </a:p>
@@ -10192,13 +10250,13 @@
         </p:nvSpPr>
         <p:spPr>
           <a:xfrm>
-            <a:off x="899592" y="1447800"/>
-            <a:ext cx="8136904" cy="4069432"/>
+            <a:off x="899592" y="1340768"/>
+            <a:ext cx="8136904" cy="5517232"/>
           </a:xfrm>
         </p:spPr>
         <p:txBody>
           <a:bodyPr>
-            <a:normAutofit/>
+            <a:normAutofit lnSpcReduction="10000"/>
           </a:bodyPr>
           <a:lstStyle/>
           <a:p>
@@ -10206,26 +10264,89 @@
               <a:buNone/>
             </a:pPr>
             <a:r>
-              <a:rPr kumimoji="1" lang="ja-JP" altLang="en-US" dirty="0" smtClean="0"/>
-              <a:t>とりあえず記録→再生するだけでも</a:t>
-            </a:r>
-            <a:endParaRPr kumimoji="1" lang="en-US" altLang="ja-JP" dirty="0" smtClean="0"/>
+              <a:rPr lang="ja-JP" altLang="en-US" dirty="0"/>
+              <a:t>指定した</a:t>
+            </a:r>
+            <a:r>
+              <a:rPr lang="ja-JP" altLang="en-US" dirty="0" smtClean="0"/>
+              <a:t>ホットキーを入力すると特定の処理を行う。</a:t>
+            </a:r>
+            <a:endParaRPr lang="en-US" altLang="ja-JP" dirty="0" smtClean="0"/>
           </a:p>
           <a:p>
             <a:pPr marL="82296" indent="0">
               <a:buNone/>
             </a:pPr>
             <a:r>
-              <a:rPr kumimoji="1" lang="ja-JP" altLang="en-US" dirty="0" smtClean="0"/>
-              <a:t>結構それらしくなります。</a:t>
-            </a:r>
-            <a:endParaRPr kumimoji="1" lang="en-US" altLang="ja-JP" dirty="0" smtClean="0"/>
+              <a:rPr lang="ja-JP" altLang="en-US" dirty="0" smtClean="0">
+                <a:solidFill>
+                  <a:schemeClr val="accent5">
+                    <a:lumMod val="60000"/>
+                    <a:lumOff val="40000"/>
+                  </a:schemeClr>
+                </a:solidFill>
+              </a:rPr>
+              <a:t>ホットキー</a:t>
+            </a:r>
+            <a:r>
+              <a:rPr lang="en-US" altLang="ja-JP" i="1" dirty="0" smtClean="0">
+                <a:solidFill>
+                  <a:schemeClr val="accent5">
+                    <a:lumMod val="60000"/>
+                    <a:lumOff val="40000"/>
+                  </a:schemeClr>
+                </a:solidFill>
+              </a:rPr>
+              <a:t>::</a:t>
+            </a:r>
           </a:p>
           <a:p>
             <a:pPr marL="82296" indent="0">
               <a:buNone/>
             </a:pPr>
-            <a:endParaRPr lang="en-US" altLang="ja-JP" dirty="0"/>
+            <a:r>
+              <a:rPr lang="ja-JP" altLang="en-US" i="1" dirty="0" smtClean="0">
+                <a:solidFill>
+                  <a:schemeClr val="accent5">
+                    <a:lumMod val="60000"/>
+                    <a:lumOff val="40000"/>
+                  </a:schemeClr>
+                </a:solidFill>
+              </a:rPr>
+              <a:t>  処理</a:t>
+            </a:r>
+            <a:endParaRPr lang="en-US" altLang="ja-JP" i="1" dirty="0" smtClean="0">
+              <a:solidFill>
+                <a:schemeClr val="accent5">
+                  <a:lumMod val="60000"/>
+                  <a:lumOff val="40000"/>
+                </a:schemeClr>
+              </a:solidFill>
+            </a:endParaRPr>
+          </a:p>
+          <a:p>
+            <a:pPr marL="82296" indent="0">
+              <a:buNone/>
+            </a:pPr>
+            <a:r>
+              <a:rPr lang="en-US" altLang="ja-JP" i="1" dirty="0" smtClean="0">
+                <a:solidFill>
+                  <a:schemeClr val="accent5">
+                    <a:lumMod val="60000"/>
+                    <a:lumOff val="40000"/>
+                  </a:schemeClr>
+                </a:solidFill>
+              </a:rPr>
+              <a:t>  return</a:t>
+            </a:r>
+            <a:endParaRPr lang="en-US" altLang="ja-JP" i="1" dirty="0">
+              <a:solidFill>
+                <a:schemeClr val="accent5">
+                  <a:lumMod val="60000"/>
+                  <a:lumOff val="40000"/>
+                </a:schemeClr>
+              </a:solidFill>
+            </a:endParaRPr>
           </a:p>
           <a:p>
             <a:pPr marL="82296" indent="0">
@@ -10238,71 +10359,54 @@
               <a:buNone/>
             </a:pPr>
             <a:r>
-              <a:rPr kumimoji="1" lang="ja-JP" altLang="en-US" dirty="0" smtClean="0"/>
-              <a:t>記録してできたスクリプトの中身を読んで</a:t>
-            </a:r>
-            <a:endParaRPr kumimoji="1" lang="en-US" altLang="ja-JP" dirty="0" smtClean="0"/>
+              <a:rPr lang="ja-JP" altLang="en-US" dirty="0" smtClean="0"/>
+              <a:t>例）</a:t>
+            </a:r>
+            <a:endParaRPr lang="en-US" altLang="ja-JP" dirty="0" smtClean="0"/>
           </a:p>
           <a:p>
             <a:pPr marL="82296" indent="0">
               <a:buNone/>
             </a:pPr>
             <a:r>
-              <a:rPr lang="ja-JP" altLang="en-US" dirty="0"/>
-              <a:t>いじくってみる</a:t>
-            </a:r>
-            <a:r>
-              <a:rPr lang="ja-JP" altLang="en-US" dirty="0" smtClean="0"/>
-              <a:t>と面白い感じに。</a:t>
+              <a:rPr lang="en-US" altLang="ja-JP" dirty="0" smtClean="0"/>
+              <a:t>Tab::</a:t>
+            </a:r>
+          </a:p>
+          <a:p>
+            <a:pPr marL="82296" indent="0">
+              <a:buNone/>
+            </a:pPr>
+            <a:r>
+              <a:rPr lang="en-US" altLang="ja-JP" dirty="0"/>
+              <a:t> </a:t>
+            </a:r>
+            <a:r>
+              <a:rPr lang="en-US" altLang="ja-JP" dirty="0" smtClean="0"/>
+              <a:t> Run, notepad.exe</a:t>
             </a:r>
             <a:endParaRPr kumimoji="1" lang="en-US" altLang="ja-JP" dirty="0" smtClean="0"/>
           </a:p>
-        </p:txBody>
-      </p:sp>
-      <p:sp>
-        <p:nvSpPr>
-          <p:cNvPr id="6" name="下矢印 5"/>
-          <p:cNvSpPr/>
-          <p:nvPr/>
-        </p:nvSpPr>
-        <p:spPr>
-          <a:xfrm>
-            <a:off x="4211960" y="2827106"/>
-            <a:ext cx="936104" cy="720080"/>
-          </a:xfrm>
-          <a:prstGeom prst="downArrow">
-            <a:avLst/>
-          </a:prstGeom>
-        </p:spPr>
-        <p:style>
-          <a:lnRef idx="2">
-            <a:schemeClr val="accent1">
-              <a:shade val="50000"/>
-            </a:schemeClr>
-          </a:lnRef>
-          <a:fillRef idx="1">
-            <a:schemeClr val="accent1"/>
-          </a:fillRef>
-          <a:effectRef idx="0">
-            <a:schemeClr val="accent1"/>
-          </a:effectRef>
-          <a:fontRef idx="minor">
-            <a:schemeClr val="lt1"/>
-          </a:fontRef>
-        </p:style>
-        <p:txBody>
-          <a:bodyPr rtlCol="0" anchor="ctr"/>
-          <a:lstStyle/>
-          <a:p>
-            <a:pPr algn="ctr"/>
-            <a:endParaRPr kumimoji="1" lang="ja-JP" altLang="en-US"/>
+          <a:p>
+            <a:pPr marL="82296" indent="0">
+              <a:buNone/>
+            </a:pPr>
+            <a:r>
+              <a:rPr lang="en-US" altLang="ja-JP" dirty="0"/>
+              <a:t> </a:t>
+            </a:r>
+            <a:r>
+              <a:rPr lang="en-US" altLang="ja-JP" dirty="0" smtClean="0"/>
+              <a:t> return</a:t>
+            </a:r>
+            <a:endParaRPr kumimoji="1" lang="en-US" altLang="ja-JP" dirty="0" smtClean="0"/>
           </a:p>
         </p:txBody>
       </p:sp>
     </p:spTree>
     <p:extLst>
       <p:ext uri="{BB962C8B-B14F-4D97-AF65-F5344CB8AC3E}">
-        <p14:creationId xmlns:p14="http://schemas.microsoft.com/office/powerpoint/2010/main" val="2791043851"/>
+        <p14:creationId xmlns:p14="http://schemas.microsoft.com/office/powerpoint/2010/main" val="1751243345"/>
       </p:ext>
     </p:extLst>
   </p:cSld>
@@ -10348,14 +10452,12 @@
         </p:nvSpPr>
         <p:spPr/>
         <p:txBody>
-          <a:bodyPr>
-            <a:normAutofit/>
-          </a:bodyPr>
+          <a:bodyPr/>
           <a:lstStyle/>
           <a:p>
             <a:r>
               <a:rPr kumimoji="1" lang="ja-JP" altLang="en-US" dirty="0" smtClean="0"/>
-              <a:t>スクリプトを組もう</a:t>
+              <a:t>リマップ</a:t>
             </a:r>
             <a:endParaRPr kumimoji="1" lang="ja-JP" altLang="en-US" dirty="0"/>
           </a:p>
@@ -10374,7 +10476,7 @@
         <p:spPr>
           <a:xfrm>
             <a:off x="899592" y="1447800"/>
-            <a:ext cx="8136904" cy="4800600"/>
+            <a:ext cx="8136904" cy="4645496"/>
           </a:xfrm>
         </p:spPr>
         <p:txBody>
@@ -10387,45 +10489,119 @@
               <a:buNone/>
             </a:pPr>
             <a:r>
-              <a:rPr kumimoji="1" lang="ja-JP" altLang="en-US" dirty="0" smtClean="0"/>
-              <a:t>公式のヘルプやサンプルに色々あります。</a:t>
-            </a:r>
-            <a:endParaRPr kumimoji="1" lang="en-US" altLang="ja-JP" dirty="0" smtClean="0"/>
+              <a:rPr lang="ja-JP" altLang="en-US" dirty="0" smtClean="0"/>
+              <a:t>キーの置き換え。実際はホットキーをより簡略化したもの</a:t>
+            </a:r>
+            <a:endParaRPr lang="en-US" altLang="ja-JP" dirty="0" smtClean="0"/>
+          </a:p>
+          <a:p>
+            <a:pPr marL="82296" indent="0">
+              <a:buNone/>
+            </a:pPr>
+            <a:r>
+              <a:rPr lang="ja-JP" altLang="en-US" i="1" dirty="0" smtClean="0">
+                <a:solidFill>
+                  <a:schemeClr val="accent5">
+                    <a:lumMod val="60000"/>
+                    <a:lumOff val="40000"/>
+                  </a:schemeClr>
+                </a:solidFill>
+              </a:rPr>
+              <a:t>置換元キー</a:t>
+            </a:r>
+            <a:r>
+              <a:rPr lang="en-US" altLang="ja-JP" i="1" dirty="0" smtClean="0">
+                <a:solidFill>
+                  <a:schemeClr val="accent5">
+                    <a:lumMod val="60000"/>
+                    <a:lumOff val="40000"/>
+                  </a:schemeClr>
+                </a:solidFill>
+              </a:rPr>
+              <a:t>::</a:t>
+            </a:r>
+            <a:r>
+              <a:rPr lang="ja-JP" altLang="en-US" i="1" dirty="0" smtClean="0">
+                <a:solidFill>
+                  <a:schemeClr val="accent5">
+                    <a:lumMod val="60000"/>
+                    <a:lumOff val="40000"/>
+                  </a:schemeClr>
+                </a:solidFill>
+              </a:rPr>
+              <a:t>置換先キー</a:t>
+            </a:r>
+            <a:endParaRPr lang="en-US" altLang="ja-JP" i="1" dirty="0" smtClean="0">
+              <a:solidFill>
+                <a:schemeClr val="accent5">
+                  <a:lumMod val="60000"/>
+                  <a:lumOff val="40000"/>
+                </a:schemeClr>
+              </a:solidFill>
+            </a:endParaRPr>
+          </a:p>
+          <a:p>
+            <a:pPr marL="82296" indent="0">
+              <a:buNone/>
+            </a:pPr>
+            <a:endParaRPr lang="en-US" altLang="ja-JP" dirty="0" smtClean="0"/>
+          </a:p>
+          <a:p>
+            <a:pPr marL="82296" indent="0">
+              <a:buNone/>
+            </a:pPr>
+            <a:r>
+              <a:rPr lang="ja-JP" altLang="en-US" dirty="0" smtClean="0"/>
+              <a:t>例）</a:t>
+            </a:r>
+            <a:r>
+              <a:rPr lang="en-US" altLang="ja-JP" dirty="0" smtClean="0"/>
+              <a:t>  a::b</a:t>
+            </a:r>
+          </a:p>
+          <a:p>
+            <a:pPr marL="82296" indent="0">
+              <a:buNone/>
+            </a:pPr>
+            <a:r>
+              <a:rPr lang="en-US" altLang="ja-JP" dirty="0" smtClean="0"/>
+              <a:t>        </a:t>
+            </a:r>
+            <a:r>
+              <a:rPr lang="en-US" altLang="ja-JP" dirty="0"/>
+              <a:t>a</a:t>
+            </a:r>
+            <a:r>
+              <a:rPr lang="en-US" altLang="ja-JP" dirty="0" smtClean="0"/>
+              <a:t>::B</a:t>
+            </a:r>
+          </a:p>
+          <a:p>
+            <a:pPr marL="82296" indent="0">
+              <a:buNone/>
+            </a:pPr>
+            <a:r>
+              <a:rPr lang="en-US" altLang="ja-JP" dirty="0" smtClean="0"/>
+              <a:t>        F1::</a:t>
+            </a:r>
+            <a:r>
+              <a:rPr lang="en-US" altLang="ja-JP" dirty="0" err="1" smtClean="0"/>
+              <a:t>BackSpace</a:t>
+            </a:r>
+            <a:endParaRPr lang="en-US" altLang="ja-JP" dirty="0" smtClean="0"/>
           </a:p>
           <a:p>
             <a:pPr marL="82296" indent="0">
               <a:buNone/>
             </a:pPr>
             <a:endParaRPr lang="en-US" altLang="ja-JP" dirty="0"/>
-          </a:p>
-          <a:p>
-            <a:pPr marL="82296" indent="0">
-              <a:buNone/>
-            </a:pPr>
-            <a:r>
-              <a:rPr kumimoji="1" lang="ja-JP" altLang="en-US" dirty="0" smtClean="0"/>
-              <a:t>ググ</a:t>
-            </a:r>
-            <a:r>
-              <a:rPr kumimoji="1" lang="ja-JP" altLang="en-US" dirty="0" err="1" smtClean="0"/>
-              <a:t>ると</a:t>
-            </a:r>
-            <a:r>
-              <a:rPr kumimoji="1" lang="ja-JP" altLang="en-US" dirty="0" smtClean="0"/>
-              <a:t>結構参考になるスクリプトを公開している人</a:t>
-            </a:r>
-            <a:r>
-              <a:rPr kumimoji="1" lang="ja-JP" altLang="en-US" smtClean="0"/>
-              <a:t>も。</a:t>
-            </a:r>
-            <a:endParaRPr kumimoji="1" lang="en-US" altLang="ja-JP" dirty="0" smtClean="0"/>
           </a:p>
         </p:txBody>
       </p:sp>
     </p:spTree>
     <p:extLst>
       <p:ext uri="{BB962C8B-B14F-4D97-AF65-F5344CB8AC3E}">
-        <p14:creationId xmlns:p14="http://schemas.microsoft.com/office/powerpoint/2010/main" val="9406206"/>
+        <p14:creationId xmlns:p14="http://schemas.microsoft.com/office/powerpoint/2010/main" val="2791043851"/>
       </p:ext>
     </p:extLst>
   </p:cSld>
@@ -10469,21 +10645,14 @@
             <p:ph type="title"/>
           </p:nvPr>
         </p:nvSpPr>
-        <p:spPr>
-          <a:xfrm>
-            <a:off x="1043608" y="274638"/>
-            <a:ext cx="7890080" cy="1143000"/>
-          </a:xfrm>
-        </p:spPr>
+        <p:spPr/>
         <p:txBody>
-          <a:bodyPr>
-            <a:normAutofit fontScale="90000"/>
-          </a:bodyPr>
+          <a:bodyPr/>
           <a:lstStyle/>
           <a:p>
             <a:r>
               <a:rPr kumimoji="1" lang="ja-JP" altLang="en-US" dirty="0" smtClean="0"/>
-              <a:t>スケジュール機能を使ってみよう</a:t>
+              <a:t>ホットストリング</a:t>
             </a:r>
             <a:endParaRPr kumimoji="1" lang="ja-JP" altLang="en-US" dirty="0"/>
           </a:p>
@@ -10499,138 +10668,160 @@
             <p:ph idx="1"/>
           </p:nvPr>
         </p:nvSpPr>
-        <p:spPr/>
+        <p:spPr>
+          <a:xfrm>
+            <a:off x="899592" y="1447800"/>
+            <a:ext cx="8136904" cy="4069432"/>
+          </a:xfrm>
+        </p:spPr>
         <p:txBody>
-          <a:bodyPr/>
+          <a:bodyPr>
+            <a:normAutofit/>
+          </a:bodyPr>
           <a:lstStyle/>
           <a:p>
             <a:pPr marL="82296" indent="0">
               <a:buNone/>
             </a:pPr>
             <a:r>
-              <a:rPr kumimoji="1" lang="ja-JP" altLang="en-US" dirty="0" smtClean="0"/>
-              <a:t>　共有フォルダとかのパスを毎日</a:t>
-            </a:r>
-            <a:endParaRPr kumimoji="1" lang="en-US" altLang="ja-JP" dirty="0" smtClean="0"/>
+              <a:rPr lang="ja-JP" altLang="en-US" dirty="0"/>
+              <a:t>特定の</a:t>
+            </a:r>
+            <a:r>
+              <a:rPr lang="ja-JP" altLang="en-US" dirty="0" smtClean="0"/>
+              <a:t>文字列がタイプされたときにアクションを発生させる</a:t>
+            </a:r>
+            <a:r>
+              <a:rPr lang="ja-JP" altLang="en-US" dirty="0" smtClean="0"/>
+              <a:t>。</a:t>
+            </a:r>
+            <a:endParaRPr lang="en-US" altLang="ja-JP" dirty="0" smtClean="0"/>
           </a:p>
           <a:p>
             <a:pPr marL="82296" indent="0">
               <a:buNone/>
             </a:pPr>
             <a:r>
-              <a:rPr lang="ja-JP" altLang="en-US" dirty="0"/>
-              <a:t>　</a:t>
-            </a:r>
-            <a:r>
               <a:rPr lang="ja-JP" altLang="en-US" dirty="0" smtClean="0"/>
-              <a:t>　</a:t>
-            </a:r>
-            <a:r>
-              <a:rPr lang="ja-JP" altLang="en-US" dirty="0" err="1" smtClean="0"/>
-              <a:t>入れるのめん</a:t>
-            </a:r>
-            <a:r>
-              <a:rPr lang="ja-JP" altLang="en-US" dirty="0" smtClean="0"/>
-              <a:t>どい・・・</a:t>
-            </a:r>
-            <a:endParaRPr kumimoji="1" lang="ja-JP" altLang="en-US" dirty="0"/>
-          </a:p>
-        </p:txBody>
-      </p:sp>
-      <p:pic>
-        <p:nvPicPr>
-          <p:cNvPr id="1026" name="Picture 2" descr="C:\Users\Owner\AppData\Local\Microsoft\Windows\Temporary Internet Files\Content.IE5\1HM80ABI\MC900223408[1].wmf"/>
-          <p:cNvPicPr>
-            <a:picLocks noChangeAspect="1" noChangeArrowheads="1"/>
-          </p:cNvPicPr>
-          <p:nvPr/>
-        </p:nvPicPr>
-        <p:blipFill>
-          <a:blip r:embed="rId2" cstate="print">
-            <a:extLst>
-              <a:ext uri="{28A0092B-C50C-407E-A947-70E740481C1C}">
-                <a14:useLocalDpi xmlns:a14="http://schemas.microsoft.com/office/drawing/2010/main" val="0"/>
-              </a:ext>
-            </a:extLst>
-          </a:blip>
-          <a:srcRect/>
-          <a:stretch>
-            <a:fillRect/>
-          </a:stretch>
-        </p:blipFill>
-        <p:spPr bwMode="auto">
-          <a:xfrm>
-            <a:off x="1043608" y="2780928"/>
-            <a:ext cx="1489558" cy="1729130"/>
-          </a:xfrm>
-          <a:prstGeom prst="rect">
-            <a:avLst/>
-          </a:prstGeom>
-          <a:noFill/>
-          <a:extLst>
-            <a:ext uri="{909E8E84-426E-40DD-AFC4-6F175D3DCCD1}">
-              <a14:hiddenFill xmlns:a14="http://schemas.microsoft.com/office/drawing/2010/main">
+              <a:t>①自動置換型</a:t>
+            </a:r>
+            <a:endParaRPr lang="en-US" altLang="ja-JP" dirty="0" smtClean="0"/>
+          </a:p>
+          <a:p>
+            <a:pPr marL="82296" indent="0">
+              <a:buNone/>
+            </a:pPr>
+            <a:r>
+              <a:rPr lang="en-US" altLang="ja-JP" dirty="0" smtClean="0">
                 <a:solidFill>
-                  <a:srgbClr val="FFFFFF"/>
+                  <a:schemeClr val="accent5">
+                    <a:lumMod val="60000"/>
+                    <a:lumOff val="40000"/>
+                  </a:schemeClr>
                 </a:solidFill>
-              </a14:hiddenFill>
-            </a:ext>
-          </a:extLst>
-        </p:spPr>
-      </p:pic>
-      <p:sp>
-        <p:nvSpPr>
-          <p:cNvPr id="4" name="雲形吹き出し 3"/>
-          <p:cNvSpPr/>
-          <p:nvPr/>
-        </p:nvSpPr>
-        <p:spPr>
-          <a:xfrm>
-            <a:off x="1187624" y="1124744"/>
-            <a:ext cx="7488832" cy="1656184"/>
-          </a:xfrm>
-          <a:prstGeom prst="cloudCallout">
-            <a:avLst>
-              <a:gd name="adj1" fmla="val -25844"/>
-              <a:gd name="adj2" fmla="val 65659"/>
-            </a:avLst>
-          </a:prstGeom>
-          <a:noFill/>
-          <a:ln>
-            <a:solidFill>
-              <a:schemeClr val="tx1"/>
-            </a:solidFill>
-          </a:ln>
-        </p:spPr>
-        <p:style>
-          <a:lnRef idx="2">
-            <a:schemeClr val="accent1">
-              <a:shade val="50000"/>
-            </a:schemeClr>
-          </a:lnRef>
-          <a:fillRef idx="1">
-            <a:schemeClr val="accent1"/>
-          </a:fillRef>
-          <a:effectRef idx="0">
-            <a:schemeClr val="accent1"/>
-          </a:effectRef>
-          <a:fontRef idx="minor">
-            <a:schemeClr val="lt1"/>
-          </a:fontRef>
-        </p:style>
-        <p:txBody>
-          <a:bodyPr rtlCol="0" anchor="ctr"/>
-          <a:lstStyle/>
-          <a:p>
-            <a:pPr algn="ctr"/>
-            <a:endParaRPr kumimoji="1" lang="ja-JP" altLang="en-US"/>
+              </a:rPr>
+              <a:t>::</a:t>
+            </a:r>
+            <a:r>
+              <a:rPr lang="ja-JP" altLang="en-US" dirty="0" smtClean="0">
+                <a:solidFill>
+                  <a:schemeClr val="accent5">
+                    <a:lumMod val="60000"/>
+                    <a:lumOff val="40000"/>
+                  </a:schemeClr>
+                </a:solidFill>
+              </a:rPr>
+              <a:t>特定文字列</a:t>
+            </a:r>
+            <a:r>
+              <a:rPr lang="en-US" altLang="ja-JP" i="1" dirty="0" smtClean="0">
+                <a:solidFill>
+                  <a:schemeClr val="accent5">
+                    <a:lumMod val="60000"/>
+                    <a:lumOff val="40000"/>
+                  </a:schemeClr>
+                </a:solidFill>
+              </a:rPr>
+              <a:t>::</a:t>
+            </a:r>
+            <a:r>
+              <a:rPr lang="ja-JP" altLang="en-US" i="1" dirty="0" smtClean="0">
+                <a:solidFill>
+                  <a:schemeClr val="accent5">
+                    <a:lumMod val="60000"/>
+                    <a:lumOff val="40000"/>
+                  </a:schemeClr>
+                </a:solidFill>
+              </a:rPr>
+              <a:t>置換後の文字列</a:t>
+            </a:r>
+            <a:endParaRPr lang="en-US" altLang="ja-JP" i="1" dirty="0" smtClean="0">
+              <a:solidFill>
+                <a:schemeClr val="accent5">
+                  <a:lumMod val="60000"/>
+                  <a:lumOff val="40000"/>
+                </a:schemeClr>
+              </a:solidFill>
+            </a:endParaRPr>
+          </a:p>
+          <a:p>
+            <a:pPr marL="82296" indent="0">
+              <a:buNone/>
+            </a:pPr>
+            <a:endParaRPr lang="en-US" altLang="ja-JP" dirty="0"/>
+          </a:p>
+          <a:p>
+            <a:pPr marL="82296" indent="0">
+              <a:buNone/>
+            </a:pPr>
+            <a:r>
+              <a:rPr kumimoji="1" lang="ja-JP" altLang="en-US" dirty="0" smtClean="0"/>
+              <a:t>例）</a:t>
+            </a:r>
+            <a:endParaRPr kumimoji="1" lang="en-US" altLang="ja-JP" dirty="0" smtClean="0"/>
+          </a:p>
+          <a:p>
+            <a:pPr marL="82296" indent="0">
+              <a:buNone/>
+            </a:pPr>
+            <a:r>
+              <a:rPr lang="en-US" altLang="ja-JP" dirty="0" smtClean="0"/>
+              <a:t>::</a:t>
+            </a:r>
+            <a:r>
+              <a:rPr lang="en-US" altLang="ja-JP" dirty="0"/>
+              <a:t>main</a:t>
+            </a:r>
+            <a:r>
+              <a:rPr lang="en-US" altLang="ja-JP" dirty="0" smtClean="0"/>
+              <a:t>::public </a:t>
+            </a:r>
+            <a:r>
+              <a:rPr lang="en-US" altLang="ja-JP" dirty="0"/>
+              <a:t>static void main(String[] </a:t>
+            </a:r>
+            <a:r>
+              <a:rPr lang="en-US" altLang="ja-JP" dirty="0" err="1"/>
+              <a:t>args</a:t>
+            </a:r>
+            <a:r>
+              <a:rPr lang="en-US" altLang="ja-JP" dirty="0"/>
+              <a:t>)</a:t>
+            </a:r>
+            <a:endParaRPr kumimoji="1" lang="en-US" altLang="ja-JP" dirty="0" smtClean="0"/>
+          </a:p>
+          <a:p>
+            <a:pPr marL="82296" indent="0">
+              <a:buNone/>
+            </a:pPr>
+            <a:endParaRPr kumimoji="1" lang="en-US" altLang="ja-JP" dirty="0" smtClean="0"/>
           </a:p>
         </p:txBody>
       </p:sp>
     </p:spTree>
     <p:extLst>
       <p:ext uri="{BB962C8B-B14F-4D97-AF65-F5344CB8AC3E}">
-        <p14:creationId xmlns:p14="http://schemas.microsoft.com/office/powerpoint/2010/main" val="3925623356"/>
+        <p14:creationId xmlns:p14="http://schemas.microsoft.com/office/powerpoint/2010/main" val="1751243345"/>
       </p:ext>
     </p:extLst>
   </p:cSld>
@@ -10674,21 +10865,14 @@
             <p:ph type="title"/>
           </p:nvPr>
         </p:nvSpPr>
-        <p:spPr>
-          <a:xfrm>
-            <a:off x="1043608" y="274638"/>
-            <a:ext cx="7890080" cy="1143000"/>
-          </a:xfrm>
-        </p:spPr>
+        <p:spPr/>
         <p:txBody>
-          <a:bodyPr>
-            <a:normAutofit fontScale="90000"/>
-          </a:bodyPr>
+          <a:bodyPr/>
           <a:lstStyle/>
           <a:p>
             <a:r>
               <a:rPr kumimoji="1" lang="ja-JP" altLang="en-US" dirty="0" smtClean="0"/>
-              <a:t>スケジュール機能を使ってみよう</a:t>
+              <a:t>ホットストリング</a:t>
             </a:r>
             <a:endParaRPr kumimoji="1" lang="ja-JP" altLang="en-US" dirty="0"/>
           </a:p>
@@ -10704,41 +10888,112 @@
             <p:ph idx="1"/>
           </p:nvPr>
         </p:nvSpPr>
-        <p:spPr/>
+        <p:spPr>
+          <a:xfrm>
+            <a:off x="899592" y="1447800"/>
+            <a:ext cx="8136904" cy="5149552"/>
+          </a:xfrm>
+        </p:spPr>
         <p:txBody>
-          <a:bodyPr/>
+          <a:bodyPr>
+            <a:normAutofit/>
+          </a:bodyPr>
           <a:lstStyle/>
           <a:p>
             <a:pPr marL="82296" indent="0">
               <a:buNone/>
             </a:pPr>
             <a:r>
-              <a:rPr kumimoji="1" lang="ja-JP" altLang="en-US" dirty="0" smtClean="0"/>
-              <a:t>　共有フォルダとかのパスを毎日</a:t>
-            </a:r>
-            <a:endParaRPr kumimoji="1" lang="en-US" altLang="ja-JP" dirty="0" smtClean="0"/>
+              <a:rPr lang="ja-JP" altLang="en-US" dirty="0" smtClean="0"/>
+              <a:t>②スクリプト実行型</a:t>
+            </a:r>
+            <a:endParaRPr lang="en-US" altLang="ja-JP" dirty="0" smtClean="0"/>
           </a:p>
           <a:p>
             <a:pPr marL="82296" indent="0">
               <a:buNone/>
             </a:pPr>
             <a:r>
-              <a:rPr lang="ja-JP" altLang="en-US" dirty="0"/>
-              <a:t>　</a:t>
-            </a:r>
-            <a:r>
-              <a:rPr lang="ja-JP" altLang="en-US" dirty="0" smtClean="0"/>
-              <a:t>　</a:t>
-            </a:r>
-            <a:r>
-              <a:rPr lang="ja-JP" altLang="en-US" dirty="0" err="1" smtClean="0"/>
-              <a:t>入れるのめん</a:t>
-            </a:r>
-            <a:r>
-              <a:rPr lang="ja-JP" altLang="en-US" dirty="0" smtClean="0"/>
-              <a:t>どい・・・</a:t>
-            </a:r>
-            <a:endParaRPr lang="en-US" altLang="ja-JP" dirty="0"/>
+              <a:rPr lang="en-US" altLang="ja-JP" dirty="0" smtClean="0">
+                <a:solidFill>
+                  <a:schemeClr val="accent5">
+                    <a:lumMod val="60000"/>
+                    <a:lumOff val="40000"/>
+                  </a:schemeClr>
+                </a:solidFill>
+              </a:rPr>
+              <a:t>::</a:t>
+            </a:r>
+            <a:r>
+              <a:rPr lang="ja-JP" altLang="en-US" dirty="0" smtClean="0">
+                <a:solidFill>
+                  <a:schemeClr val="accent5">
+                    <a:lumMod val="60000"/>
+                    <a:lumOff val="40000"/>
+                  </a:schemeClr>
+                </a:solidFill>
+              </a:rPr>
+              <a:t>特定文字列</a:t>
+            </a:r>
+            <a:r>
+              <a:rPr lang="en-US" altLang="ja-JP" i="1" dirty="0" smtClean="0">
+                <a:solidFill>
+                  <a:schemeClr val="accent5">
+                    <a:lumMod val="60000"/>
+                    <a:lumOff val="40000"/>
+                  </a:schemeClr>
+                </a:solidFill>
+              </a:rPr>
+              <a:t>::</a:t>
+            </a:r>
+          </a:p>
+          <a:p>
+            <a:pPr marL="82296" indent="0">
+              <a:buNone/>
+            </a:pPr>
+            <a:r>
+              <a:rPr lang="ja-JP" altLang="en-US" i="1" dirty="0" smtClean="0">
+                <a:solidFill>
+                  <a:schemeClr val="accent5">
+                    <a:lumMod val="60000"/>
+                    <a:lumOff val="40000"/>
+                  </a:schemeClr>
+                </a:solidFill>
+              </a:rPr>
+              <a:t>処理</a:t>
+            </a:r>
+            <a:endParaRPr lang="en-US" altLang="ja-JP" i="1" dirty="0" smtClean="0">
+              <a:solidFill>
+                <a:schemeClr val="accent5">
+                  <a:lumMod val="60000"/>
+                  <a:lumOff val="40000"/>
+                </a:schemeClr>
+              </a:solidFill>
+            </a:endParaRPr>
+          </a:p>
+          <a:p>
+            <a:pPr marL="82296" indent="0">
+              <a:buNone/>
+            </a:pPr>
+            <a:r>
+              <a:rPr lang="en-US" altLang="ja-JP" i="1" dirty="0" smtClean="0">
+                <a:solidFill>
+                  <a:schemeClr val="accent5">
+                    <a:lumMod val="60000"/>
+                    <a:lumOff val="40000"/>
+                  </a:schemeClr>
+                </a:solidFill>
+              </a:rPr>
+              <a:t>return</a:t>
+            </a:r>
+            <a:endParaRPr lang="en-US" altLang="ja-JP" i="1" dirty="0" smtClean="0">
+              <a:solidFill>
+                <a:schemeClr val="accent5">
+                  <a:lumMod val="60000"/>
+                  <a:lumOff val="40000"/>
+                </a:schemeClr>
+              </a:solidFill>
+            </a:endParaRPr>
           </a:p>
           <a:p>
             <a:pPr marL="82296" indent="0">
@@ -10750,185 +11005,60 @@
             <a:pPr marL="82296" indent="0">
               <a:buNone/>
             </a:pPr>
-            <a:endParaRPr lang="en-US" altLang="ja-JP" dirty="0"/>
+            <a:r>
+              <a:rPr kumimoji="1" lang="ja-JP" altLang="en-US" dirty="0" smtClean="0"/>
+              <a:t>例）</a:t>
+            </a:r>
+            <a:endParaRPr kumimoji="1" lang="en-US" altLang="ja-JP" dirty="0" smtClean="0"/>
           </a:p>
           <a:p>
             <a:pPr marL="82296" indent="0">
               <a:buNone/>
             </a:pPr>
-            <a:endParaRPr lang="en-US" altLang="ja-JP" dirty="0"/>
+            <a:r>
+              <a:rPr lang="en-US" altLang="ja-JP" dirty="0" smtClean="0"/>
+              <a:t>::memo::</a:t>
+            </a:r>
           </a:p>
           <a:p>
             <a:pPr marL="82296" indent="0">
               <a:buNone/>
             </a:pPr>
             <a:r>
-              <a:rPr lang="ja-JP" altLang="en-US" dirty="0"/>
-              <a:t>　　　　パス入力画面が出たら</a:t>
-            </a:r>
-            <a:endParaRPr lang="en-US" altLang="ja-JP" dirty="0"/>
+              <a:rPr lang="en-US" altLang="ja-JP" dirty="0"/>
+              <a:t> </a:t>
+            </a:r>
+            <a:r>
+              <a:rPr lang="en-US" altLang="ja-JP" dirty="0" smtClean="0"/>
+              <a:t> Run,notepad.exe</a:t>
+            </a:r>
           </a:p>
           <a:p>
             <a:pPr marL="82296" indent="0">
               <a:buNone/>
             </a:pPr>
             <a:r>
-              <a:rPr lang="ja-JP" altLang="en-US" dirty="0"/>
-              <a:t>　　　　勝手に文字を入れてくれる</a:t>
-            </a:r>
-            <a:endParaRPr lang="en-US" altLang="ja-JP" dirty="0"/>
+              <a:rPr kumimoji="1" lang="en-US" altLang="ja-JP" dirty="0"/>
+              <a:t> </a:t>
+            </a:r>
+            <a:r>
+              <a:rPr kumimoji="1" lang="en-US" altLang="ja-JP" dirty="0" smtClean="0"/>
+              <a:t> return</a:t>
+            </a:r>
+            <a:endParaRPr kumimoji="1" lang="en-US" altLang="ja-JP" dirty="0" smtClean="0"/>
           </a:p>
           <a:p>
             <a:pPr marL="82296" indent="0">
               <a:buNone/>
             </a:pPr>
-            <a:r>
-              <a:rPr lang="ja-JP" altLang="en-US" dirty="0"/>
-              <a:t>　　　　ようにしよう</a:t>
-            </a:r>
-          </a:p>
-          <a:p>
-            <a:pPr marL="82296" indent="0">
-              <a:buNone/>
-            </a:pPr>
-            <a:endParaRPr kumimoji="1" lang="ja-JP" altLang="en-US" dirty="0"/>
-          </a:p>
-        </p:txBody>
-      </p:sp>
-      <p:pic>
-        <p:nvPicPr>
-          <p:cNvPr id="1026" name="Picture 2" descr="C:\Users\Owner\AppData\Local\Microsoft\Windows\Temporary Internet Files\Content.IE5\1HM80ABI\MC900223408[1].wmf"/>
-          <p:cNvPicPr>
-            <a:picLocks noChangeAspect="1" noChangeArrowheads="1"/>
-          </p:cNvPicPr>
-          <p:nvPr/>
-        </p:nvPicPr>
-        <p:blipFill>
-          <a:blip r:embed="rId2" cstate="print">
-            <a:extLst>
-              <a:ext uri="{28A0092B-C50C-407E-A947-70E740481C1C}">
-                <a14:useLocalDpi xmlns:a14="http://schemas.microsoft.com/office/drawing/2010/main" val="0"/>
-              </a:ext>
-            </a:extLst>
-          </a:blip>
-          <a:srcRect/>
-          <a:stretch>
-            <a:fillRect/>
-          </a:stretch>
-        </p:blipFill>
-        <p:spPr bwMode="auto">
-          <a:xfrm>
-            <a:off x="1043608" y="2780928"/>
-            <a:ext cx="1489558" cy="1729130"/>
-          </a:xfrm>
-          <a:prstGeom prst="rect">
-            <a:avLst/>
-          </a:prstGeom>
-          <a:noFill/>
-          <a:extLst>
-            <a:ext uri="{909E8E84-426E-40DD-AFC4-6F175D3DCCD1}">
-              <a14:hiddenFill xmlns:a14="http://schemas.microsoft.com/office/drawing/2010/main">
-                <a:solidFill>
-                  <a:srgbClr val="FFFFFF"/>
-                </a:solidFill>
-              </a14:hiddenFill>
-            </a:ext>
-          </a:extLst>
-        </p:spPr>
-      </p:pic>
-      <p:sp>
-        <p:nvSpPr>
-          <p:cNvPr id="4" name="雲形吹き出し 3"/>
-          <p:cNvSpPr/>
-          <p:nvPr/>
-        </p:nvSpPr>
-        <p:spPr>
-          <a:xfrm>
-            <a:off x="1187624" y="1124744"/>
-            <a:ext cx="7488832" cy="1656184"/>
-          </a:xfrm>
-          <a:prstGeom prst="cloudCallout">
-            <a:avLst>
-              <a:gd name="adj1" fmla="val -25844"/>
-              <a:gd name="adj2" fmla="val 65659"/>
-            </a:avLst>
-          </a:prstGeom>
-          <a:noFill/>
-          <a:ln>
-            <a:solidFill>
-              <a:schemeClr val="tx1"/>
-            </a:solidFill>
-          </a:ln>
-        </p:spPr>
-        <p:style>
-          <a:lnRef idx="2">
-            <a:schemeClr val="accent1">
-              <a:shade val="50000"/>
-            </a:schemeClr>
-          </a:lnRef>
-          <a:fillRef idx="1">
-            <a:schemeClr val="accent1"/>
-          </a:fillRef>
-          <a:effectRef idx="0">
-            <a:schemeClr val="accent1"/>
-          </a:effectRef>
-          <a:fontRef idx="minor">
-            <a:schemeClr val="lt1"/>
-          </a:fontRef>
-        </p:style>
-        <p:txBody>
-          <a:bodyPr rtlCol="0" anchor="ctr"/>
-          <a:lstStyle/>
-          <a:p>
-            <a:pPr algn="ctr"/>
-            <a:endParaRPr kumimoji="1" lang="ja-JP" altLang="en-US"/>
-          </a:p>
-        </p:txBody>
-      </p:sp>
-      <p:sp>
-        <p:nvSpPr>
-          <p:cNvPr id="6" name="下矢印 5"/>
-          <p:cNvSpPr/>
-          <p:nvPr/>
-        </p:nvSpPr>
-        <p:spPr>
-          <a:xfrm>
-            <a:off x="4211960" y="3325997"/>
-            <a:ext cx="936104" cy="720080"/>
-          </a:xfrm>
-          <a:prstGeom prst="downArrow">
-            <a:avLst/>
-          </a:prstGeom>
-        </p:spPr>
-        <p:style>
-          <a:lnRef idx="2">
-            <a:schemeClr val="accent1">
-              <a:shade val="50000"/>
-            </a:schemeClr>
-          </a:lnRef>
-          <a:fillRef idx="1">
-            <a:schemeClr val="accent1"/>
-          </a:fillRef>
-          <a:effectRef idx="0">
-            <a:schemeClr val="accent1"/>
-          </a:effectRef>
-          <a:fontRef idx="minor">
-            <a:schemeClr val="lt1"/>
-          </a:fontRef>
-        </p:style>
-        <p:txBody>
-          <a:bodyPr rtlCol="0" anchor="ctr"/>
-          <a:lstStyle/>
-          <a:p>
-            <a:pPr algn="ctr"/>
-            <a:endParaRPr kumimoji="1" lang="ja-JP" altLang="en-US"/>
+            <a:endParaRPr kumimoji="1" lang="en-US" altLang="ja-JP" dirty="0" smtClean="0"/>
           </a:p>
         </p:txBody>
       </p:sp>
     </p:spTree>
     <p:extLst>
       <p:ext uri="{BB962C8B-B14F-4D97-AF65-F5344CB8AC3E}">
-        <p14:creationId xmlns:p14="http://schemas.microsoft.com/office/powerpoint/2010/main" val="4008001964"/>
+        <p14:creationId xmlns:p14="http://schemas.microsoft.com/office/powerpoint/2010/main" val="1335860216"/>
       </p:ext>
     </p:extLst>
   </p:cSld>
@@ -10964,111 +11094,7 @@
       </p:grpSpPr>
       <p:sp>
         <p:nvSpPr>
-          <p:cNvPr id="3" name="コンテンツ プレースホルダー 2"/>
-          <p:cNvSpPr>
-            <a:spLocks noGrp="1"/>
-          </p:cNvSpPr>
-          <p:nvPr>
-            <p:ph idx="1"/>
-          </p:nvPr>
-        </p:nvSpPr>
-        <p:spPr/>
-        <p:txBody>
-          <a:bodyPr>
-            <a:normAutofit/>
-          </a:bodyPr>
-          <a:lstStyle/>
-          <a:p>
-            <a:pPr marL="82296" indent="0">
-              <a:buNone/>
-            </a:pPr>
-            <a:r>
-              <a:rPr lang="en-US" altLang="ja-JP" dirty="0"/>
-              <a:t>UWSC</a:t>
-            </a:r>
-            <a:r>
-              <a:rPr lang="ja-JP" altLang="en-US" dirty="0"/>
-              <a:t>　</a:t>
-            </a:r>
-            <a:r>
-              <a:rPr lang="en-US" altLang="ja-JP" dirty="0"/>
-              <a:t>/A</a:t>
-            </a:r>
-            <a:r>
-              <a:rPr lang="ja-JP" altLang="en-US" dirty="0"/>
-              <a:t>　</a:t>
-            </a:r>
-            <a:r>
-              <a:rPr lang="en-US" altLang="ja-JP" dirty="0" err="1"/>
-              <a:t>ORIGINAL.uws</a:t>
-            </a:r>
-            <a:r>
-              <a:rPr lang="ja-JP" altLang="en-US" dirty="0"/>
-              <a:t>　</a:t>
-            </a:r>
-            <a:r>
-              <a:rPr lang="en-US" altLang="ja-JP" dirty="0" err="1" smtClean="0"/>
-              <a:t>SCRAMBLED.uws</a:t>
-            </a:r>
-            <a:endParaRPr lang="en-US" altLang="ja-JP" dirty="0" smtClean="0"/>
-          </a:p>
-          <a:p>
-            <a:pPr marL="82296" indent="0">
-              <a:buNone/>
-            </a:pPr>
-            <a:endParaRPr kumimoji="1" lang="en-US" altLang="ja-JP" dirty="0"/>
-          </a:p>
-          <a:p>
-            <a:pPr marL="82296" indent="0">
-              <a:buNone/>
-            </a:pPr>
-            <a:endParaRPr lang="en-US" altLang="ja-JP" dirty="0" smtClean="0"/>
-          </a:p>
-          <a:p>
-            <a:pPr marL="82296" indent="0">
-              <a:buNone/>
-            </a:pPr>
-            <a:endParaRPr lang="en-US" altLang="ja-JP" dirty="0"/>
-          </a:p>
-          <a:p>
-            <a:pPr marL="82296" indent="0">
-              <a:buNone/>
-            </a:pPr>
-            <a:endParaRPr lang="en-US" altLang="ja-JP" dirty="0" smtClean="0"/>
-          </a:p>
-          <a:p>
-            <a:pPr marL="82296" indent="0">
-              <a:buNone/>
-            </a:pPr>
-            <a:r>
-              <a:rPr lang="en-US" altLang="ja-JP" sz="1200" dirty="0" smtClean="0"/>
-              <a:t>CUI</a:t>
-            </a:r>
-            <a:r>
-              <a:rPr lang="ja-JP" altLang="en-US" sz="1200" dirty="0" smtClean="0"/>
-              <a:t>で動かせるのって大事ですよね。</a:t>
-            </a:r>
-            <a:endParaRPr lang="en-US" altLang="ja-JP" sz="1200" dirty="0" smtClean="0"/>
-          </a:p>
-          <a:p>
-            <a:pPr marL="82296" indent="0">
-              <a:buNone/>
-            </a:pPr>
-            <a:r>
-              <a:rPr kumimoji="1" lang="ja-JP" altLang="en-US" sz="800" dirty="0"/>
-              <a:t>というかそれ</a:t>
-            </a:r>
-            <a:r>
-              <a:rPr kumimoji="1" lang="ja-JP" altLang="en-US" sz="800" dirty="0" smtClean="0"/>
-              <a:t>が普通・・・？</a:t>
-            </a:r>
-            <a:endParaRPr kumimoji="1" lang="en-US" altLang="ja-JP" sz="800" dirty="0" smtClean="0"/>
-          </a:p>
-        </p:txBody>
-      </p:sp>
-      <p:sp>
-        <p:nvSpPr>
-          <p:cNvPr id="4" name="タイトル 3"/>
+          <p:cNvPr id="2" name="タイトル 1"/>
           <p:cNvSpPr>
             <a:spLocks noGrp="1"/>
           </p:cNvSpPr>
@@ -11079,22 +11105,83 @@
         <p:spPr/>
         <p:txBody>
           <a:bodyPr>
-            <a:normAutofit fontScale="90000"/>
+            <a:normAutofit/>
           </a:bodyPr>
           <a:lstStyle/>
           <a:p>
             <a:r>
               <a:rPr kumimoji="1" lang="ja-JP" altLang="en-US" dirty="0" smtClean="0"/>
-              <a:t>可読できないようにもできます</a:t>
+              <a:t>スクリプトを組もう</a:t>
             </a:r>
             <a:endParaRPr kumimoji="1" lang="ja-JP" altLang="en-US" dirty="0"/>
+          </a:p>
+        </p:txBody>
+      </p:sp>
+      <p:sp>
+        <p:nvSpPr>
+          <p:cNvPr id="3" name="コンテンツ プレースホルダー 2"/>
+          <p:cNvSpPr>
+            <a:spLocks noGrp="1"/>
+          </p:cNvSpPr>
+          <p:nvPr>
+            <p:ph idx="1"/>
+          </p:nvPr>
+        </p:nvSpPr>
+        <p:spPr>
+          <a:xfrm>
+            <a:off x="899592" y="1447800"/>
+            <a:ext cx="8136904" cy="4800600"/>
+          </a:xfrm>
+        </p:spPr>
+        <p:txBody>
+          <a:bodyPr>
+            <a:normAutofit/>
+          </a:bodyPr>
+          <a:lstStyle/>
+          <a:p>
+            <a:pPr marL="82296" indent="0">
+              <a:buNone/>
+            </a:pPr>
+            <a:r>
+              <a:rPr kumimoji="1" lang="ja-JP" altLang="en-US" dirty="0" smtClean="0"/>
+              <a:t>公式のヘルプやサンプルに色々あります。</a:t>
+            </a:r>
+            <a:endParaRPr kumimoji="1" lang="en-US" altLang="ja-JP" dirty="0" smtClean="0"/>
+          </a:p>
+          <a:p>
+            <a:pPr marL="82296" indent="0">
+              <a:buNone/>
+            </a:pPr>
+            <a:endParaRPr lang="en-US" altLang="ja-JP" dirty="0"/>
+          </a:p>
+          <a:p>
+            <a:pPr marL="82296" indent="0">
+              <a:buNone/>
+            </a:pPr>
+            <a:r>
+              <a:rPr kumimoji="1" lang="ja-JP" altLang="en-US" dirty="0" smtClean="0"/>
+              <a:t>ググ</a:t>
+            </a:r>
+            <a:r>
+              <a:rPr kumimoji="1" lang="ja-JP" altLang="en-US" dirty="0" err="1" smtClean="0"/>
+              <a:t>ると</a:t>
+            </a:r>
+            <a:r>
+              <a:rPr kumimoji="1" lang="ja-JP" altLang="en-US" dirty="0" smtClean="0"/>
+              <a:t>結構参考になるスクリプトを公開している人</a:t>
+            </a:r>
+            <a:r>
+              <a:rPr kumimoji="1" lang="ja-JP" altLang="en-US" smtClean="0"/>
+              <a:t>も。</a:t>
+            </a:r>
+            <a:endParaRPr kumimoji="1" lang="en-US" altLang="ja-JP" dirty="0" smtClean="0"/>
           </a:p>
         </p:txBody>
       </p:sp>
     </p:spTree>
     <p:extLst>
       <p:ext uri="{BB962C8B-B14F-4D97-AF65-F5344CB8AC3E}">
-        <p14:creationId xmlns:p14="http://schemas.microsoft.com/office/powerpoint/2010/main" val="3783224327"/>
+        <p14:creationId xmlns:p14="http://schemas.microsoft.com/office/powerpoint/2010/main" val="9406206"/>
       </p:ext>
     </p:extLst>
   </p:cSld>
@@ -11280,8 +11367,8 @@
           <a:lstStyle/>
           <a:p>
             <a:r>
-              <a:rPr kumimoji="1" lang="ja-JP" altLang="en-US" dirty="0" smtClean="0"/>
-              <a:t>とりあえず動くものが簡単に作れて面白い</a:t>
+              <a:rPr lang="ja-JP" altLang="en-US" smtClean="0"/>
+              <a:t>ホットストリングは簡単に色々できそう</a:t>
             </a:r>
             <a:endParaRPr kumimoji="1" lang="en-US" altLang="ja-JP" dirty="0" smtClean="0"/>
           </a:p>
@@ -11446,11 +11533,7 @@
             </a:r>
             <a:r>
               <a:rPr kumimoji="1" lang="ja-JP" altLang="en-US" dirty="0" smtClean="0"/>
-              <a:t>と</a:t>
-            </a:r>
-            <a:r>
-              <a:rPr kumimoji="1" lang="ja-JP" altLang="en-US" dirty="0" smtClean="0"/>
-              <a:t>は？</a:t>
+              <a:t>とは？</a:t>
             </a:r>
             <a:endParaRPr kumimoji="1" lang="ja-JP" altLang="en-US" dirty="0"/>
           </a:p>

--- a/autoHotkey.pptx
+++ b/autoHotkey.pptx
@@ -15,13 +15,25 @@
     <p:sldId id="302" r:id="rId9"/>
     <p:sldId id="301" r:id="rId10"/>
     <p:sldId id="304" r:id="rId11"/>
-    <p:sldId id="303" r:id="rId12"/>
-    <p:sldId id="305" r:id="rId13"/>
-    <p:sldId id="306" r:id="rId14"/>
-    <p:sldId id="274" r:id="rId15"/>
-    <p:sldId id="271" r:id="rId16"/>
-    <p:sldId id="269" r:id="rId17"/>
-    <p:sldId id="276" r:id="rId18"/>
+    <p:sldId id="307" r:id="rId12"/>
+    <p:sldId id="312" r:id="rId13"/>
+    <p:sldId id="303" r:id="rId14"/>
+    <p:sldId id="311" r:id="rId15"/>
+    <p:sldId id="305" r:id="rId16"/>
+    <p:sldId id="309" r:id="rId17"/>
+    <p:sldId id="306" r:id="rId18"/>
+    <p:sldId id="313" r:id="rId19"/>
+    <p:sldId id="274" r:id="rId20"/>
+    <p:sldId id="319" r:id="rId21"/>
+    <p:sldId id="308" r:id="rId22"/>
+    <p:sldId id="317" r:id="rId23"/>
+    <p:sldId id="318" r:id="rId24"/>
+    <p:sldId id="315" r:id="rId25"/>
+    <p:sldId id="316" r:id="rId26"/>
+    <p:sldId id="271" r:id="rId27"/>
+    <p:sldId id="314" r:id="rId28"/>
+    <p:sldId id="269" r:id="rId29"/>
+    <p:sldId id="276" r:id="rId30"/>
   </p:sldIdLst>
   <p:sldSz cx="9144000" cy="6858000" type="screen4x3"/>
   <p:notesSz cx="6858000" cy="9144000"/>
@@ -5921,7 +5933,7 @@
           <a:p>
             <a:fld id="{39378AC4-C49C-4159-B332-7738B007311C}" type="datetimeFigureOut">
               <a:rPr kumimoji="1" lang="ja-JP" altLang="en-US" smtClean="0"/>
-              <a:t>2014/3/31</a:t>
+              <a:t>2014/4/1</a:t>
             </a:fld>
             <a:endParaRPr kumimoji="1" lang="ja-JP" altLang="en-US"/>
           </a:p>
@@ -6266,7 +6278,7 @@
           <a:p>
             <a:fld id="{39378AC4-C49C-4159-B332-7738B007311C}" type="datetimeFigureOut">
               <a:rPr kumimoji="1" lang="ja-JP" altLang="en-US" smtClean="0"/>
-              <a:t>2014/3/31</a:t>
+              <a:t>2014/4/1</a:t>
             </a:fld>
             <a:endParaRPr kumimoji="1" lang="ja-JP" altLang="en-US"/>
           </a:p>
@@ -6483,7 +6495,7 @@
           <a:p>
             <a:fld id="{39378AC4-C49C-4159-B332-7738B007311C}" type="datetimeFigureOut">
               <a:rPr kumimoji="1" lang="ja-JP" altLang="en-US" smtClean="0"/>
-              <a:t>2014/3/31</a:t>
+              <a:t>2014/4/1</a:t>
             </a:fld>
             <a:endParaRPr kumimoji="1" lang="ja-JP" altLang="en-US"/>
           </a:p>
@@ -6690,7 +6702,7 @@
           <a:p>
             <a:fld id="{39378AC4-C49C-4159-B332-7738B007311C}" type="datetimeFigureOut">
               <a:rPr kumimoji="1" lang="ja-JP" altLang="en-US" smtClean="0"/>
-              <a:t>2014/3/31</a:t>
+              <a:t>2014/4/1</a:t>
             </a:fld>
             <a:endParaRPr kumimoji="1" lang="ja-JP" altLang="en-US"/>
           </a:p>
@@ -6958,7 +6970,7 @@
           <a:p>
             <a:fld id="{39378AC4-C49C-4159-B332-7738B007311C}" type="datetimeFigureOut">
               <a:rPr kumimoji="1" lang="ja-JP" altLang="en-US" smtClean="0"/>
-              <a:t>2014/3/31</a:t>
+              <a:t>2014/4/1</a:t>
             </a:fld>
             <a:endParaRPr kumimoji="1" lang="ja-JP" altLang="en-US"/>
           </a:p>
@@ -7490,7 +7502,7 @@
           <a:p>
             <a:fld id="{39378AC4-C49C-4159-B332-7738B007311C}" type="datetimeFigureOut">
               <a:rPr kumimoji="1" lang="ja-JP" altLang="en-US" smtClean="0"/>
-              <a:t>2014/3/31</a:t>
+              <a:t>2014/4/1</a:t>
             </a:fld>
             <a:endParaRPr kumimoji="1" lang="ja-JP" altLang="en-US"/>
           </a:p>
@@ -8043,7 +8055,7 @@
           <a:p>
             <a:fld id="{39378AC4-C49C-4159-B332-7738B007311C}" type="datetimeFigureOut">
               <a:rPr kumimoji="1" lang="ja-JP" altLang="en-US" smtClean="0"/>
-              <a:t>2014/3/31</a:t>
+              <a:t>2014/4/1</a:t>
             </a:fld>
             <a:endParaRPr kumimoji="1" lang="ja-JP" altLang="en-US"/>
           </a:p>
@@ -8169,7 +8181,7 @@
           <a:p>
             <a:fld id="{39378AC4-C49C-4159-B332-7738B007311C}" type="datetimeFigureOut">
               <a:rPr kumimoji="1" lang="ja-JP" altLang="en-US" smtClean="0"/>
-              <a:t>2014/3/31</a:t>
+              <a:t>2014/4/1</a:t>
             </a:fld>
             <a:endParaRPr kumimoji="1" lang="ja-JP" altLang="en-US"/>
           </a:p>
@@ -8313,7 +8325,7 @@
           <a:p>
             <a:fld id="{39378AC4-C49C-4159-B332-7738B007311C}" type="datetimeFigureOut">
               <a:rPr kumimoji="1" lang="ja-JP" altLang="en-US" smtClean="0"/>
-              <a:t>2014/3/31</a:t>
+              <a:t>2014/4/1</a:t>
             </a:fld>
             <a:endParaRPr kumimoji="1" lang="ja-JP" altLang="en-US"/>
           </a:p>
@@ -8667,7 +8679,7 @@
           <a:p>
             <a:fld id="{39378AC4-C49C-4159-B332-7738B007311C}" type="datetimeFigureOut">
               <a:rPr kumimoji="1" lang="ja-JP" altLang="en-US" smtClean="0"/>
-              <a:t>2014/3/31</a:t>
+              <a:t>2014/4/1</a:t>
             </a:fld>
             <a:endParaRPr kumimoji="1" lang="ja-JP" altLang="en-US"/>
           </a:p>
@@ -8801,7 +8813,7 @@
           <a:p>
             <a:fld id="{39378AC4-C49C-4159-B332-7738B007311C}" type="datetimeFigureOut">
               <a:rPr kumimoji="1" lang="ja-JP" altLang="en-US" smtClean="0"/>
-              <a:t>2014/3/31</a:t>
+              <a:t>2014/4/1</a:t>
             </a:fld>
             <a:endParaRPr kumimoji="1" lang="ja-JP" altLang="en-US"/>
           </a:p>
@@ -9614,7 +9626,7 @@
           <a:p>
             <a:fld id="{39378AC4-C49C-4159-B332-7738B007311C}" type="datetimeFigureOut">
               <a:rPr kumimoji="1" lang="ja-JP" altLang="en-US" smtClean="0"/>
-              <a:t>2014/3/31</a:t>
+              <a:t>2014/4/1</a:t>
             </a:fld>
             <a:endParaRPr kumimoji="1" lang="ja-JP" altLang="en-US"/>
           </a:p>
@@ -10457,7 +10469,7 @@
           <a:p>
             <a:r>
               <a:rPr kumimoji="1" lang="ja-JP" altLang="en-US" dirty="0" smtClean="0"/>
-              <a:t>リマップ</a:t>
+              <a:t>ホットキー</a:t>
             </a:r>
             <a:endParaRPr kumimoji="1" lang="ja-JP" altLang="en-US" dirty="0"/>
           </a:p>
@@ -10475,8 +10487,8 @@
         </p:nvSpPr>
         <p:spPr>
           <a:xfrm>
-            <a:off x="899592" y="1447800"/>
-            <a:ext cx="8136904" cy="4645496"/>
+            <a:off x="899592" y="1340768"/>
+            <a:ext cx="8136904" cy="5517232"/>
           </a:xfrm>
         </p:spPr>
         <p:txBody>
@@ -10490,7 +10502,15 @@
             </a:pPr>
             <a:r>
               <a:rPr lang="ja-JP" altLang="en-US" dirty="0" smtClean="0"/>
-              <a:t>キーの置き換え。実際はホットキーをより簡略化したもの</a:t>
+              <a:t>複数キーを指定したいときは</a:t>
+            </a:r>
+            <a:r>
+              <a:rPr lang="en-US" altLang="ja-JP" dirty="0" smtClean="0"/>
+              <a:t>&amp;</a:t>
+            </a:r>
+            <a:r>
+              <a:rPr lang="ja-JP" altLang="en-US" dirty="0" smtClean="0"/>
+              <a:t>でつなぐ。</a:t>
             </a:r>
             <a:endParaRPr lang="en-US" altLang="ja-JP" dirty="0" smtClean="0"/>
           </a:p>
@@ -10499,7 +10519,7 @@
               <a:buNone/>
             </a:pPr>
             <a:r>
-              <a:rPr lang="ja-JP" altLang="en-US" i="1" dirty="0" smtClean="0">
+              <a:rPr lang="en-US" altLang="ja-JP" i="1" dirty="0" smtClean="0">
                 <a:solidFill>
                   <a:schemeClr val="accent5">
                     <a:lumMod val="60000"/>
@@ -10507,10 +10527,10 @@
                   </a:schemeClr>
                 </a:solidFill>
               </a:rPr>
-              <a:t>置換元キー</a:t>
-            </a:r>
-            <a:r>
-              <a:rPr lang="en-US" altLang="ja-JP" i="1" dirty="0" smtClean="0">
+              <a:t>A &amp; B :: </a:t>
+            </a:r>
+            <a:r>
+              <a:rPr lang="ja-JP" altLang="en-US" i="1" dirty="0" smtClean="0">
                 <a:solidFill>
                   <a:schemeClr val="accent5">
                     <a:lumMod val="60000"/>
@@ -10518,18 +10538,7 @@
                   </a:schemeClr>
                 </a:solidFill>
               </a:rPr>
-              <a:t>::</a:t>
-            </a:r>
-            <a:r>
-              <a:rPr lang="ja-JP" altLang="en-US" i="1" dirty="0" smtClean="0">
-                <a:solidFill>
-                  <a:schemeClr val="accent5">
-                    <a:lumMod val="60000"/>
-                    <a:lumOff val="40000"/>
-                  </a:schemeClr>
-                </a:solidFill>
-              </a:rPr>
-              <a:t>置換先キー</a:t>
+              <a:t>処理</a:t>
             </a:r>
             <a:endParaRPr lang="en-US" altLang="ja-JP" i="1" dirty="0" smtClean="0">
               <a:solidFill>
@@ -10544,7 +10553,36 @@
             <a:pPr marL="82296" indent="0">
               <a:buNone/>
             </a:pPr>
-            <a:endParaRPr lang="en-US" altLang="ja-JP" dirty="0" smtClean="0"/>
+            <a:r>
+              <a:rPr lang="en-US" altLang="ja-JP" sz="2400" dirty="0" smtClean="0">
+                <a:solidFill>
+                  <a:schemeClr val="accent5">
+                    <a:lumMod val="60000"/>
+                    <a:lumOff val="40000"/>
+                  </a:schemeClr>
+                </a:solidFill>
+              </a:rPr>
+              <a:t>※</a:t>
+            </a:r>
+            <a:r>
+              <a:rPr lang="ja-JP" altLang="en-US" sz="2400" dirty="0" smtClean="0">
+                <a:solidFill>
+                  <a:schemeClr val="accent5">
+                    <a:lumMod val="60000"/>
+                    <a:lumOff val="40000"/>
+                  </a:schemeClr>
+                </a:solidFill>
+              </a:rPr>
+              <a:t>この場合「Ａを押しながらＢ」がトリガー</a:t>
+            </a:r>
+            <a:endParaRPr lang="en-US" altLang="ja-JP" dirty="0" smtClean="0">
+              <a:solidFill>
+                <a:schemeClr val="accent5">
+                  <a:lumMod val="60000"/>
+                  <a:lumOff val="40000"/>
+                </a:schemeClr>
+              </a:solidFill>
+            </a:endParaRPr>
           </a:p>
           <a:p>
             <a:pPr marL="82296" indent="0">
@@ -10554,26 +10592,31 @@
               <a:rPr lang="ja-JP" altLang="en-US" dirty="0" smtClean="0"/>
               <a:t>例）</a:t>
             </a:r>
-            <a:r>
-              <a:rPr lang="en-US" altLang="ja-JP" dirty="0" smtClean="0"/>
-              <a:t>  a::b</a:t>
-            </a:r>
+            <a:endParaRPr lang="en-US" altLang="ja-JP" dirty="0" smtClean="0"/>
           </a:p>
           <a:p>
             <a:pPr marL="82296" indent="0">
               <a:buNone/>
             </a:pPr>
             <a:r>
+              <a:rPr lang="en-US" altLang="ja-JP" dirty="0" err="1" smtClean="0"/>
+              <a:t>RButton</a:t>
+            </a:r>
+            <a:r>
               <a:rPr lang="en-US" altLang="ja-JP" dirty="0" smtClean="0"/>
-              <a:t>        </a:t>
+              <a:t> </a:t>
             </a:r>
             <a:r>
               <a:rPr lang="en-US" altLang="ja-JP" dirty="0"/>
-              <a:t>a</a:t>
+              <a:t>&amp; </a:t>
+            </a:r>
+            <a:r>
+              <a:rPr lang="en-US" altLang="ja-JP" dirty="0" err="1" smtClean="0"/>
+              <a:t>WheelDown</a:t>
             </a:r>
             <a:r>
               <a:rPr lang="en-US" altLang="ja-JP" dirty="0" smtClean="0"/>
-              <a:t>::B</a:t>
+              <a:t>::</a:t>
             </a:r>
           </a:p>
           <a:p>
@@ -10581,27 +10624,69 @@
               <a:buNone/>
             </a:pPr>
             <a:r>
+              <a:rPr lang="ja-JP" altLang="en-US" dirty="0" smtClean="0"/>
+              <a:t>　</a:t>
+            </a:r>
+            <a:r>
               <a:rPr lang="en-US" altLang="ja-JP" dirty="0" smtClean="0"/>
-              <a:t>        F1::</a:t>
-            </a:r>
-            <a:r>
-              <a:rPr lang="en-US" altLang="ja-JP" dirty="0" err="1" smtClean="0"/>
-              <a:t>BackSpace</a:t>
-            </a:r>
-            <a:endParaRPr lang="en-US" altLang="ja-JP" dirty="0" smtClean="0"/>
+              <a:t>send,^{</a:t>
+            </a:r>
+            <a:r>
+              <a:rPr lang="en-US" altLang="ja-JP" dirty="0"/>
+              <a:t>Tab</a:t>
+            </a:r>
+            <a:r>
+              <a:rPr lang="en-US" altLang="ja-JP" dirty="0" smtClean="0"/>
+              <a:t>}</a:t>
+            </a:r>
+          </a:p>
+          <a:p>
+            <a:pPr marL="82296" indent="0">
+              <a:buNone/>
+            </a:pPr>
+            <a:r>
+              <a:rPr kumimoji="1" lang="ja-JP" altLang="en-US" dirty="0"/>
+              <a:t>　</a:t>
+            </a:r>
+            <a:r>
+              <a:rPr kumimoji="1" lang="en-US" altLang="ja-JP" dirty="0" smtClean="0"/>
+              <a:t>return</a:t>
+            </a:r>
           </a:p>
           <a:p>
             <a:pPr marL="82296" indent="0">
               <a:buNone/>
             </a:pPr>
             <a:endParaRPr lang="en-US" altLang="ja-JP" dirty="0"/>
+          </a:p>
+          <a:p>
+            <a:pPr marL="82296" indent="0">
+              <a:buNone/>
+            </a:pPr>
+            <a:r>
+              <a:rPr lang="en-US" altLang="ja-JP" dirty="0" smtClean="0"/>
+              <a:t>※</a:t>
+            </a:r>
+            <a:r>
+              <a:rPr lang="ja-JP" altLang="en-US" dirty="0" smtClean="0"/>
+              <a:t>＾は</a:t>
+            </a:r>
+            <a:r>
+              <a:rPr lang="en-US" altLang="ja-JP" dirty="0" smtClean="0"/>
+              <a:t>Ctrl</a:t>
+            </a:r>
+            <a:r>
+              <a:rPr lang="ja-JP" altLang="en-US" dirty="0" smtClean="0"/>
+              <a:t>キーに相当する修飾シンボル</a:t>
+            </a:r>
+            <a:endParaRPr kumimoji="1" lang="en-US" altLang="ja-JP" dirty="0" smtClean="0"/>
           </a:p>
         </p:txBody>
       </p:sp>
     </p:spTree>
     <p:extLst>
       <p:ext uri="{BB962C8B-B14F-4D97-AF65-F5344CB8AC3E}">
-        <p14:creationId xmlns:p14="http://schemas.microsoft.com/office/powerpoint/2010/main" val="2791043851"/>
+        <p14:creationId xmlns:p14="http://schemas.microsoft.com/office/powerpoint/2010/main" val="137409565"/>
       </p:ext>
     </p:extLst>
   </p:cSld>
@@ -10652,7 +10737,7 @@
           <a:p>
             <a:r>
               <a:rPr kumimoji="1" lang="ja-JP" altLang="en-US" dirty="0" smtClean="0"/>
-              <a:t>ホットストリング</a:t>
+              <a:t>ホットキー</a:t>
             </a:r>
             <a:endParaRPr kumimoji="1" lang="ja-JP" altLang="en-US" dirty="0"/>
           </a:p>
@@ -10670,8 +10755,8 @@
         </p:nvSpPr>
         <p:spPr>
           <a:xfrm>
-            <a:off x="899592" y="1447800"/>
-            <a:ext cx="8136904" cy="4069432"/>
+            <a:off x="899592" y="2204864"/>
+            <a:ext cx="8136904" cy="3096344"/>
           </a:xfrm>
         </p:spPr>
         <p:txBody>
@@ -10680,140 +10765,33 @@
           </a:bodyPr>
           <a:lstStyle/>
           <a:p>
-            <a:pPr marL="82296" indent="0">
+            <a:pPr marL="82296" indent="0" algn="ctr">
               <a:buNone/>
             </a:pPr>
             <a:r>
-              <a:rPr lang="ja-JP" altLang="en-US" dirty="0"/>
-              <a:t>特定の</a:t>
-            </a:r>
-            <a:r>
-              <a:rPr lang="ja-JP" altLang="en-US" dirty="0" smtClean="0"/>
-              <a:t>文字列がタイプされたときにアクションを発生させる</a:t>
-            </a:r>
-            <a:r>
-              <a:rPr lang="ja-JP" altLang="en-US" dirty="0" smtClean="0"/>
-              <a:t>。</a:t>
-            </a:r>
-            <a:endParaRPr lang="en-US" altLang="ja-JP" dirty="0" smtClean="0"/>
-          </a:p>
-          <a:p>
-            <a:pPr marL="82296" indent="0">
+              <a:rPr kumimoji="1" lang="ja-JP" altLang="en-US" dirty="0" smtClean="0"/>
+              <a:t>修飾シンボル、コマンドなどの種類は</a:t>
+            </a:r>
+            <a:endParaRPr kumimoji="1" lang="en-US" altLang="ja-JP" dirty="0" smtClean="0"/>
+          </a:p>
+          <a:p>
+            <a:pPr marL="82296" indent="0" algn="ctr">
               <a:buNone/>
             </a:pPr>
             <a:r>
-              <a:rPr lang="ja-JP" altLang="en-US" dirty="0" smtClean="0"/>
-              <a:t>①自動置換型</a:t>
-            </a:r>
-            <a:endParaRPr lang="en-US" altLang="ja-JP" dirty="0" smtClean="0"/>
-          </a:p>
-          <a:p>
-            <a:pPr marL="82296" indent="0">
+              <a:rPr kumimoji="1" lang="ja-JP" altLang="en-US" dirty="0" smtClean="0"/>
+              <a:t>かなり多いですが、簡単なことなら</a:t>
+            </a:r>
+            <a:endParaRPr kumimoji="1" lang="en-US" altLang="ja-JP" dirty="0" smtClean="0"/>
+          </a:p>
+          <a:p>
+            <a:pPr marL="82296" indent="0" algn="ctr">
               <a:buNone/>
             </a:pPr>
             <a:r>
-              <a:rPr lang="en-US" altLang="ja-JP" dirty="0" smtClean="0">
-                <a:solidFill>
-                  <a:schemeClr val="accent5">
-                    <a:lumMod val="60000"/>
-                    <a:lumOff val="40000"/>
-                  </a:schemeClr>
-                </a:solidFill>
-              </a:rPr>
-              <a:t>::</a:t>
-            </a:r>
-            <a:r>
-              <a:rPr lang="ja-JP" altLang="en-US" dirty="0" smtClean="0">
-                <a:solidFill>
-                  <a:schemeClr val="accent5">
-                    <a:lumMod val="60000"/>
-                    <a:lumOff val="40000"/>
-                  </a:schemeClr>
-                </a:solidFill>
-              </a:rPr>
-              <a:t>特定文字列</a:t>
-            </a:r>
-            <a:r>
-              <a:rPr lang="en-US" altLang="ja-JP" i="1" dirty="0" smtClean="0">
-                <a:solidFill>
-                  <a:schemeClr val="accent5">
-                    <a:lumMod val="60000"/>
-                    <a:lumOff val="40000"/>
-                  </a:schemeClr>
-                </a:solidFill>
-              </a:rPr>
-              <a:t>::</a:t>
-            </a:r>
-            <a:r>
-              <a:rPr lang="ja-JP" altLang="en-US" i="1" dirty="0" smtClean="0">
-                <a:solidFill>
-                  <a:schemeClr val="accent5">
-                    <a:lumMod val="60000"/>
-                    <a:lumOff val="40000"/>
-                  </a:schemeClr>
-                </a:solidFill>
-              </a:rPr>
-              <a:t>置換後の文字列</a:t>
-            </a:r>
-            <a:endParaRPr lang="en-US" altLang="ja-JP" i="1" dirty="0" smtClean="0">
-              <a:solidFill>
-                <a:schemeClr val="accent5">
-                  <a:lumMod val="60000"/>
-                  <a:lumOff val="40000"/>
-                </a:schemeClr>
-              </a:solidFill>
-            </a:endParaRPr>
-          </a:p>
-          <a:p>
-            <a:pPr marL="82296" indent="0">
-              <a:buNone/>
-            </a:pPr>
-            <a:endParaRPr lang="en-US" altLang="ja-JP" dirty="0"/>
-          </a:p>
-          <a:p>
-            <a:pPr marL="82296" indent="0">
-              <a:buNone/>
-            </a:pPr>
-            <a:r>
               <a:rPr kumimoji="1" lang="ja-JP" altLang="en-US" dirty="0" smtClean="0"/>
-              <a:t>例）</a:t>
-            </a:r>
-            <a:endParaRPr kumimoji="1" lang="en-US" altLang="ja-JP" dirty="0" smtClean="0"/>
-          </a:p>
-          <a:p>
-            <a:pPr marL="82296" indent="0">
-              <a:buNone/>
-            </a:pPr>
-            <a:r>
-              <a:rPr lang="en-US" altLang="ja-JP" dirty="0" smtClean="0"/>
-              <a:t>::</a:t>
-            </a:r>
-            <a:r>
-              <a:rPr lang="en-US" altLang="ja-JP" dirty="0"/>
-              <a:t>main</a:t>
-            </a:r>
-            <a:r>
-              <a:rPr lang="en-US" altLang="ja-JP" dirty="0" smtClean="0"/>
-              <a:t>::public </a:t>
-            </a:r>
-            <a:r>
-              <a:rPr lang="en-US" altLang="ja-JP" dirty="0"/>
-              <a:t>static void main(String[] </a:t>
-            </a:r>
-            <a:r>
-              <a:rPr lang="en-US" altLang="ja-JP" dirty="0" err="1"/>
-              <a:t>args</a:t>
-            </a:r>
-            <a:r>
-              <a:rPr lang="en-US" altLang="ja-JP" dirty="0"/>
-              <a:t>)</a:t>
-            </a:r>
-            <a:endParaRPr kumimoji="1" lang="en-US" altLang="ja-JP" dirty="0" smtClean="0"/>
-          </a:p>
-          <a:p>
-            <a:pPr marL="82296" indent="0">
-              <a:buNone/>
-            </a:pPr>
+              <a:t>すぐできそうです。</a:t>
+            </a:r>
             <a:endParaRPr kumimoji="1" lang="en-US" altLang="ja-JP" dirty="0" smtClean="0"/>
           </a:p>
         </p:txBody>
@@ -10821,7 +10799,7 @@
     </p:spTree>
     <p:extLst>
       <p:ext uri="{BB962C8B-B14F-4D97-AF65-F5344CB8AC3E}">
-        <p14:creationId xmlns:p14="http://schemas.microsoft.com/office/powerpoint/2010/main" val="1751243345"/>
+        <p14:creationId xmlns:p14="http://schemas.microsoft.com/office/powerpoint/2010/main" val="2654647928"/>
       </p:ext>
     </p:extLst>
   </p:cSld>
@@ -10872,7 +10850,7 @@
           <a:p>
             <a:r>
               <a:rPr kumimoji="1" lang="ja-JP" altLang="en-US" dirty="0" smtClean="0"/>
-              <a:t>ホットストリング</a:t>
+              <a:t>リマップ</a:t>
             </a:r>
             <a:endParaRPr kumimoji="1" lang="ja-JP" altLang="en-US" dirty="0"/>
           </a:p>
@@ -10891,7 +10869,7 @@
         <p:spPr>
           <a:xfrm>
             <a:off x="899592" y="1447800"/>
-            <a:ext cx="8136904" cy="5149552"/>
+            <a:ext cx="8136904" cy="5410200"/>
           </a:xfrm>
         </p:spPr>
         <p:txBody>
@@ -10905,7 +10883,7 @@
             </a:pPr>
             <a:r>
               <a:rPr lang="ja-JP" altLang="en-US" dirty="0" smtClean="0"/>
-              <a:t>②スクリプト実行型</a:t>
+              <a:t>キーの置き換え。実際はホットキーをより簡略化したもの</a:t>
             </a:r>
             <a:endParaRPr lang="en-US" altLang="ja-JP" dirty="0" smtClean="0"/>
           </a:p>
@@ -10914,7 +10892,7 @@
               <a:buNone/>
             </a:pPr>
             <a:r>
-              <a:rPr lang="en-US" altLang="ja-JP" dirty="0" smtClean="0">
+              <a:rPr lang="ja-JP" altLang="en-US" i="1" dirty="0" smtClean="0">
                 <a:solidFill>
                   <a:schemeClr val="accent5">
                     <a:lumMod val="60000"/>
@@ -10922,10 +10900,10 @@
                   </a:schemeClr>
                 </a:solidFill>
               </a:rPr>
-              <a:t>::</a:t>
-            </a:r>
-            <a:r>
-              <a:rPr lang="ja-JP" altLang="en-US" dirty="0" smtClean="0">
+              <a:t>置換元キー</a:t>
+            </a:r>
+            <a:r>
+              <a:rPr lang="en-US" altLang="ja-JP" i="1" dirty="0" smtClean="0">
                 <a:solidFill>
                   <a:schemeClr val="accent5">
                     <a:lumMod val="60000"/>
@@ -10933,10 +10911,10 @@
                   </a:schemeClr>
                 </a:solidFill>
               </a:rPr>
-              <a:t>特定文字列</a:t>
-            </a:r>
-            <a:r>
-              <a:rPr lang="en-US" altLang="ja-JP" i="1" dirty="0" smtClean="0">
+              <a:t>::</a:t>
+            </a:r>
+            <a:r>
+              <a:rPr lang="ja-JP" altLang="en-US" i="1" dirty="0" smtClean="0">
                 <a:solidFill>
                   <a:schemeClr val="accent5">
                     <a:lumMod val="60000"/>
@@ -10944,23 +10922,7 @@
                   </a:schemeClr>
                 </a:solidFill>
               </a:rPr>
-              <a:t>::</a:t>
-            </a:r>
-          </a:p>
-          <a:p>
-            <a:pPr marL="82296" indent="0">
-              <a:buNone/>
-            </a:pPr>
-            <a:r>
-              <a:rPr lang="ja-JP" altLang="en-US" i="1" dirty="0" smtClean="0">
-                <a:solidFill>
-                  <a:schemeClr val="accent5">
-                    <a:lumMod val="60000"/>
-                    <a:lumOff val="40000"/>
-                  </a:schemeClr>
-                </a:solidFill>
-              </a:rPr>
-              <a:t>処理</a:t>
+              <a:t>置換先キー</a:t>
             </a:r>
             <a:endParaRPr lang="en-US" altLang="ja-JP" i="1" dirty="0" smtClean="0">
               <a:solidFill>
@@ -10975,90 +10937,76 @@
             <a:pPr marL="82296" indent="0">
               <a:buNone/>
             </a:pPr>
-            <a:r>
-              <a:rPr lang="en-US" altLang="ja-JP" i="1" dirty="0" smtClean="0">
-                <a:solidFill>
-                  <a:schemeClr val="accent5">
-                    <a:lumMod val="60000"/>
-                    <a:lumOff val="40000"/>
-                  </a:schemeClr>
-                </a:solidFill>
-              </a:rPr>
-              <a:t>return</a:t>
-            </a:r>
-            <a:endParaRPr lang="en-US" altLang="ja-JP" i="1" dirty="0" smtClean="0">
-              <a:solidFill>
-                <a:schemeClr val="accent5">
-                  <a:lumMod val="60000"/>
-                  <a:lumOff val="40000"/>
-                </a:schemeClr>
-              </a:solidFill>
-            </a:endParaRPr>
+            <a:endParaRPr lang="en-US" altLang="ja-JP" dirty="0" smtClean="0"/>
+          </a:p>
+          <a:p>
+            <a:pPr marL="82296" indent="0">
+              <a:buNone/>
+            </a:pPr>
+            <a:r>
+              <a:rPr lang="ja-JP" altLang="en-US" dirty="0" smtClean="0"/>
+              <a:t>例）</a:t>
+            </a:r>
+            <a:r>
+              <a:rPr lang="en-US" altLang="ja-JP" dirty="0" smtClean="0"/>
+              <a:t>  a::b</a:t>
+            </a:r>
+          </a:p>
+          <a:p>
+            <a:pPr marL="82296" indent="0">
+              <a:buNone/>
+            </a:pPr>
+            <a:endParaRPr lang="en-US" altLang="ja-JP" dirty="0" smtClean="0"/>
+          </a:p>
+          <a:p>
+            <a:pPr marL="82296" indent="0">
+              <a:buNone/>
+            </a:pPr>
+            <a:r>
+              <a:rPr lang="en-US" altLang="ja-JP" dirty="0" smtClean="0"/>
+              <a:t>        </a:t>
+            </a:r>
+            <a:r>
+              <a:rPr lang="en-US" altLang="ja-JP" dirty="0"/>
+              <a:t>a</a:t>
+            </a:r>
+            <a:r>
+              <a:rPr lang="en-US" altLang="ja-JP" dirty="0" smtClean="0"/>
+              <a:t>::B</a:t>
+            </a:r>
+          </a:p>
+          <a:p>
+            <a:pPr marL="82296" indent="0">
+              <a:buNone/>
+            </a:pPr>
+            <a:endParaRPr lang="en-US" altLang="ja-JP" dirty="0" smtClean="0"/>
+          </a:p>
+          <a:p>
+            <a:pPr marL="82296" indent="0">
+              <a:buNone/>
+            </a:pPr>
+            <a:r>
+              <a:rPr lang="en-US" altLang="ja-JP" dirty="0" smtClean="0"/>
+              <a:t>        F1::</a:t>
+            </a:r>
+            <a:r>
+              <a:rPr lang="en-US" altLang="ja-JP" dirty="0" err="1" smtClean="0"/>
+              <a:t>BackSpace</a:t>
+            </a:r>
+            <a:endParaRPr lang="en-US" altLang="ja-JP" dirty="0" smtClean="0"/>
           </a:p>
           <a:p>
             <a:pPr marL="82296" indent="0">
               <a:buNone/>
             </a:pPr>
             <a:endParaRPr lang="en-US" altLang="ja-JP" dirty="0"/>
-          </a:p>
-          <a:p>
-            <a:pPr marL="82296" indent="0">
-              <a:buNone/>
-            </a:pPr>
-            <a:r>
-              <a:rPr kumimoji="1" lang="ja-JP" altLang="en-US" dirty="0" smtClean="0"/>
-              <a:t>例）</a:t>
-            </a:r>
-            <a:endParaRPr kumimoji="1" lang="en-US" altLang="ja-JP" dirty="0" smtClean="0"/>
-          </a:p>
-          <a:p>
-            <a:pPr marL="82296" indent="0">
-              <a:buNone/>
-            </a:pPr>
-            <a:r>
-              <a:rPr lang="en-US" altLang="ja-JP" dirty="0" smtClean="0"/>
-              <a:t>::memo::</a:t>
-            </a:r>
-          </a:p>
-          <a:p>
-            <a:pPr marL="82296" indent="0">
-              <a:buNone/>
-            </a:pPr>
-            <a:r>
-              <a:rPr lang="en-US" altLang="ja-JP" dirty="0"/>
-              <a:t> </a:t>
-            </a:r>
-            <a:r>
-              <a:rPr lang="en-US" altLang="ja-JP" dirty="0" smtClean="0"/>
-              <a:t> Run,notepad.exe</a:t>
-            </a:r>
-          </a:p>
-          <a:p>
-            <a:pPr marL="82296" indent="0">
-              <a:buNone/>
-            </a:pPr>
-            <a:r>
-              <a:rPr kumimoji="1" lang="en-US" altLang="ja-JP" dirty="0"/>
-              <a:t> </a:t>
-            </a:r>
-            <a:r>
-              <a:rPr kumimoji="1" lang="en-US" altLang="ja-JP" dirty="0" smtClean="0"/>
-              <a:t> return</a:t>
-            </a:r>
-            <a:endParaRPr kumimoji="1" lang="en-US" altLang="ja-JP" dirty="0" smtClean="0"/>
-          </a:p>
-          <a:p>
-            <a:pPr marL="82296" indent="0">
-              <a:buNone/>
-            </a:pPr>
-            <a:endParaRPr kumimoji="1" lang="en-US" altLang="ja-JP" dirty="0" smtClean="0"/>
           </a:p>
         </p:txBody>
       </p:sp>
     </p:spTree>
     <p:extLst>
       <p:ext uri="{BB962C8B-B14F-4D97-AF65-F5344CB8AC3E}">
-        <p14:creationId xmlns:p14="http://schemas.microsoft.com/office/powerpoint/2010/main" val="1335860216"/>
+        <p14:creationId xmlns:p14="http://schemas.microsoft.com/office/powerpoint/2010/main" val="2791043851"/>
       </p:ext>
     </p:extLst>
   </p:cSld>
@@ -11104,14 +11052,12 @@
         </p:nvSpPr>
         <p:spPr/>
         <p:txBody>
-          <a:bodyPr>
-            <a:normAutofit/>
-          </a:bodyPr>
+          <a:bodyPr/>
           <a:lstStyle/>
           <a:p>
             <a:r>
               <a:rPr kumimoji="1" lang="ja-JP" altLang="en-US" dirty="0" smtClean="0"/>
-              <a:t>スクリプトを組もう</a:t>
+              <a:t>リマップ</a:t>
             </a:r>
             <a:endParaRPr kumimoji="1" lang="ja-JP" altLang="en-US" dirty="0"/>
           </a:p>
@@ -11129,8 +11075,8 @@
         </p:nvSpPr>
         <p:spPr>
           <a:xfrm>
-            <a:off x="899592" y="1447800"/>
-            <a:ext cx="8136904" cy="4800600"/>
+            <a:off x="899592" y="1268760"/>
+            <a:ext cx="8136904" cy="1296144"/>
           </a:xfrm>
         </p:spPr>
         <p:txBody>
@@ -11139,49 +11085,1478 @@
           </a:bodyPr>
           <a:lstStyle/>
           <a:p>
+            <a:pPr marL="82296" indent="0" algn="ctr">
+              <a:buNone/>
+            </a:pPr>
+            <a:r>
+              <a:rPr lang="ja-JP" altLang="en-US" dirty="0" smtClean="0"/>
+              <a:t>レジストリのキーマップ設定を</a:t>
+            </a:r>
+            <a:endParaRPr lang="en-US" altLang="ja-JP" dirty="0" smtClean="0"/>
+          </a:p>
+          <a:p>
+            <a:pPr marL="82296" indent="0" algn="ctr">
+              <a:buNone/>
+            </a:pPr>
+            <a:r>
+              <a:rPr lang="ja-JP" altLang="en-US" dirty="0" smtClean="0"/>
+              <a:t>いじるより楽！</a:t>
+            </a:r>
+            <a:endParaRPr lang="en-US" altLang="ja-JP" dirty="0" smtClean="0"/>
+          </a:p>
+        </p:txBody>
+      </p:sp>
+      <p:sp>
+        <p:nvSpPr>
+          <p:cNvPr id="4" name="コンテンツ プレースホルダー 2"/>
+          <p:cNvSpPr txBox="1">
+            <a:spLocks/>
+          </p:cNvSpPr>
+          <p:nvPr/>
+        </p:nvSpPr>
+        <p:spPr>
+          <a:xfrm>
+            <a:off x="899592" y="3326222"/>
+            <a:ext cx="4068452" cy="1110890"/>
+          </a:xfrm>
+          <a:prstGeom prst="rect">
+            <a:avLst/>
+          </a:prstGeom>
+        </p:spPr>
+        <p:txBody>
+          <a:bodyPr>
+            <a:normAutofit/>
+          </a:bodyPr>
+          <a:lstStyle>
+            <a:lvl1pPr marL="365760" indent="-283464" algn="l" rtl="0" eaLnBrk="1" latinLnBrk="0" hangingPunct="1">
+              <a:lnSpc>
+                <a:spcPct val="100000"/>
+              </a:lnSpc>
+              <a:spcBef>
+                <a:spcPts val="600"/>
+              </a:spcBef>
+              <a:buClr>
+                <a:schemeClr val="accent1"/>
+              </a:buClr>
+              <a:buSzPct val="80000"/>
+              <a:buFont typeface="Wingdings 2"/>
+              <a:buChar char=""/>
+              <a:defRPr kumimoji="1" sz="3200" kern="1200">
+                <a:solidFill>
+                  <a:schemeClr val="tx1"/>
+                </a:solidFill>
+                <a:latin typeface="+mn-lt"/>
+                <a:ea typeface="+mn-ea"/>
+                <a:cs typeface="+mn-cs"/>
+              </a:defRPr>
+            </a:lvl1pPr>
+            <a:lvl2pPr marL="640080" indent="-237744" algn="l" rtl="0" eaLnBrk="1" latinLnBrk="0" hangingPunct="1">
+              <a:lnSpc>
+                <a:spcPct val="100000"/>
+              </a:lnSpc>
+              <a:spcBef>
+                <a:spcPts val="550"/>
+              </a:spcBef>
+              <a:buClr>
+                <a:schemeClr val="accent1"/>
+              </a:buClr>
+              <a:buFont typeface="Verdana"/>
+              <a:buChar char="◦"/>
+              <a:defRPr kumimoji="1" sz="2800" kern="1200">
+                <a:solidFill>
+                  <a:schemeClr val="tx1"/>
+                </a:solidFill>
+                <a:latin typeface="+mn-lt"/>
+                <a:ea typeface="+mn-ea"/>
+                <a:cs typeface="+mn-cs"/>
+              </a:defRPr>
+            </a:lvl2pPr>
+            <a:lvl3pPr marL="886968" indent="-228600" algn="l" rtl="0" eaLnBrk="1" latinLnBrk="0" hangingPunct="1">
+              <a:lnSpc>
+                <a:spcPct val="100000"/>
+              </a:lnSpc>
+              <a:spcBef>
+                <a:spcPct val="20000"/>
+              </a:spcBef>
+              <a:buClr>
+                <a:schemeClr val="accent2"/>
+              </a:buClr>
+              <a:buFont typeface="Wingdings 2"/>
+              <a:buChar char=""/>
+              <a:defRPr kumimoji="1" sz="2400" kern="1200">
+                <a:solidFill>
+                  <a:schemeClr val="tx1"/>
+                </a:solidFill>
+                <a:latin typeface="+mn-lt"/>
+                <a:ea typeface="+mn-ea"/>
+                <a:cs typeface="+mn-cs"/>
+              </a:defRPr>
+            </a:lvl3pPr>
+            <a:lvl4pPr marL="1097280" indent="-173736" algn="l" rtl="0" eaLnBrk="1" latinLnBrk="0" hangingPunct="1">
+              <a:lnSpc>
+                <a:spcPct val="100000"/>
+              </a:lnSpc>
+              <a:spcBef>
+                <a:spcPct val="20000"/>
+              </a:spcBef>
+              <a:buClr>
+                <a:schemeClr val="accent3"/>
+              </a:buClr>
+              <a:buFont typeface="Wingdings 2"/>
+              <a:buChar char=""/>
+              <a:defRPr kumimoji="1" sz="2000" kern="1200">
+                <a:solidFill>
+                  <a:schemeClr val="tx1"/>
+                </a:solidFill>
+                <a:latin typeface="+mn-lt"/>
+                <a:ea typeface="+mn-ea"/>
+                <a:cs typeface="+mn-cs"/>
+              </a:defRPr>
+            </a:lvl4pPr>
+            <a:lvl5pPr marL="1298448" indent="-182880" algn="l" rtl="0" eaLnBrk="1" latinLnBrk="0" hangingPunct="1">
+              <a:lnSpc>
+                <a:spcPct val="100000"/>
+              </a:lnSpc>
+              <a:spcBef>
+                <a:spcPct val="20000"/>
+              </a:spcBef>
+              <a:buClr>
+                <a:schemeClr val="accent4"/>
+              </a:buClr>
+              <a:buFont typeface="Wingdings 2"/>
+              <a:buChar char=""/>
+              <a:defRPr kumimoji="1" sz="2000" kern="1200">
+                <a:solidFill>
+                  <a:schemeClr val="tx1"/>
+                </a:solidFill>
+                <a:latin typeface="+mn-lt"/>
+                <a:ea typeface="+mn-ea"/>
+                <a:cs typeface="+mn-cs"/>
+              </a:defRPr>
+            </a:lvl5pPr>
+            <a:lvl6pPr marL="1508760" indent="-182880" algn="l" rtl="0" eaLnBrk="1" latinLnBrk="0" hangingPunct="1">
+              <a:lnSpc>
+                <a:spcPct val="100000"/>
+              </a:lnSpc>
+              <a:spcBef>
+                <a:spcPct val="20000"/>
+              </a:spcBef>
+              <a:buClr>
+                <a:schemeClr val="accent5"/>
+              </a:buClr>
+              <a:buFont typeface="Wingdings 2"/>
+              <a:buChar char=""/>
+              <a:defRPr kumimoji="1" sz="2000" kern="1200">
+                <a:solidFill>
+                  <a:schemeClr val="tx1"/>
+                </a:solidFill>
+                <a:latin typeface="+mn-lt"/>
+                <a:ea typeface="+mn-ea"/>
+                <a:cs typeface="+mn-cs"/>
+              </a:defRPr>
+            </a:lvl6pPr>
+            <a:lvl7pPr marL="1719072" indent="-182880" algn="l" rtl="0" eaLnBrk="1" latinLnBrk="0" hangingPunct="1">
+              <a:lnSpc>
+                <a:spcPct val="100000"/>
+              </a:lnSpc>
+              <a:spcBef>
+                <a:spcPct val="20000"/>
+              </a:spcBef>
+              <a:buClr>
+                <a:schemeClr val="accent6"/>
+              </a:buClr>
+              <a:buFont typeface="Wingdings 2"/>
+              <a:buChar char=""/>
+              <a:defRPr kumimoji="1" sz="2000" kern="1200">
+                <a:solidFill>
+                  <a:schemeClr val="tx1"/>
+                </a:solidFill>
+                <a:latin typeface="+mn-lt"/>
+                <a:ea typeface="+mn-ea"/>
+                <a:cs typeface="+mn-cs"/>
+              </a:defRPr>
+            </a:lvl7pPr>
+            <a:lvl8pPr marL="1920240" indent="-182880" algn="l" rtl="0" eaLnBrk="1" latinLnBrk="0" hangingPunct="1">
+              <a:lnSpc>
+                <a:spcPct val="100000"/>
+              </a:lnSpc>
+              <a:spcBef>
+                <a:spcPct val="20000"/>
+              </a:spcBef>
+              <a:buClr>
+                <a:schemeClr val="accent6"/>
+              </a:buClr>
+              <a:buFont typeface="Wingdings 2"/>
+              <a:buChar char=""/>
+              <a:defRPr kumimoji="1" sz="2000" kern="1200">
+                <a:solidFill>
+                  <a:schemeClr val="tx1"/>
+                </a:solidFill>
+                <a:latin typeface="+mn-lt"/>
+                <a:ea typeface="+mn-ea"/>
+                <a:cs typeface="+mn-cs"/>
+              </a:defRPr>
+            </a:lvl8pPr>
+            <a:lvl9pPr marL="2130552" indent="-182880" algn="l" rtl="0" eaLnBrk="1" latinLnBrk="0" hangingPunct="1">
+              <a:lnSpc>
+                <a:spcPct val="100000"/>
+              </a:lnSpc>
+              <a:spcBef>
+                <a:spcPct val="20000"/>
+              </a:spcBef>
+              <a:buClr>
+                <a:schemeClr val="accent6"/>
+              </a:buClr>
+              <a:buFont typeface="Wingdings 2"/>
+              <a:buChar char=""/>
+              <a:defRPr kumimoji="1" sz="2000" kern="1200">
+                <a:solidFill>
+                  <a:schemeClr val="tx1"/>
+                </a:solidFill>
+                <a:latin typeface="+mn-lt"/>
+                <a:ea typeface="+mn-ea"/>
+                <a:cs typeface="+mn-cs"/>
+              </a:defRPr>
+            </a:lvl9pPr>
+            <a:extLst/>
+          </a:lstStyle>
+          <a:p>
+            <a:pPr marL="82296" indent="0">
+              <a:buFont typeface="Wingdings 2"/>
+              <a:buNone/>
+            </a:pPr>
+            <a:r>
+              <a:rPr lang="ja-JP" altLang="en-US" sz="2800" dirty="0" smtClean="0"/>
+              <a:t>・リマップしたい時だけ起動すればよい</a:t>
+            </a:r>
+            <a:endParaRPr lang="en-US" altLang="ja-JP" sz="2800" dirty="0" smtClean="0"/>
+          </a:p>
+        </p:txBody>
+      </p:sp>
+      <p:sp>
+        <p:nvSpPr>
+          <p:cNvPr id="5" name="コンテンツ プレースホルダー 2"/>
+          <p:cNvSpPr txBox="1">
+            <a:spLocks/>
+          </p:cNvSpPr>
+          <p:nvPr/>
+        </p:nvSpPr>
+        <p:spPr>
+          <a:xfrm>
+            <a:off x="5047735" y="3336261"/>
+            <a:ext cx="4068452" cy="1100852"/>
+          </a:xfrm>
+          <a:prstGeom prst="rect">
+            <a:avLst/>
+          </a:prstGeom>
+        </p:spPr>
+        <p:txBody>
+          <a:bodyPr>
+            <a:normAutofit/>
+          </a:bodyPr>
+          <a:lstStyle>
+            <a:lvl1pPr marL="365760" indent="-283464" algn="l" rtl="0" eaLnBrk="1" latinLnBrk="0" hangingPunct="1">
+              <a:lnSpc>
+                <a:spcPct val="100000"/>
+              </a:lnSpc>
+              <a:spcBef>
+                <a:spcPts val="600"/>
+              </a:spcBef>
+              <a:buClr>
+                <a:schemeClr val="accent1"/>
+              </a:buClr>
+              <a:buSzPct val="80000"/>
+              <a:buFont typeface="Wingdings 2"/>
+              <a:buChar char=""/>
+              <a:defRPr kumimoji="1" sz="3200" kern="1200">
+                <a:solidFill>
+                  <a:schemeClr val="tx1"/>
+                </a:solidFill>
+                <a:latin typeface="+mn-lt"/>
+                <a:ea typeface="+mn-ea"/>
+                <a:cs typeface="+mn-cs"/>
+              </a:defRPr>
+            </a:lvl1pPr>
+            <a:lvl2pPr marL="640080" indent="-237744" algn="l" rtl="0" eaLnBrk="1" latinLnBrk="0" hangingPunct="1">
+              <a:lnSpc>
+                <a:spcPct val="100000"/>
+              </a:lnSpc>
+              <a:spcBef>
+                <a:spcPts val="550"/>
+              </a:spcBef>
+              <a:buClr>
+                <a:schemeClr val="accent1"/>
+              </a:buClr>
+              <a:buFont typeface="Verdana"/>
+              <a:buChar char="◦"/>
+              <a:defRPr kumimoji="1" sz="2800" kern="1200">
+                <a:solidFill>
+                  <a:schemeClr val="tx1"/>
+                </a:solidFill>
+                <a:latin typeface="+mn-lt"/>
+                <a:ea typeface="+mn-ea"/>
+                <a:cs typeface="+mn-cs"/>
+              </a:defRPr>
+            </a:lvl2pPr>
+            <a:lvl3pPr marL="886968" indent="-228600" algn="l" rtl="0" eaLnBrk="1" latinLnBrk="0" hangingPunct="1">
+              <a:lnSpc>
+                <a:spcPct val="100000"/>
+              </a:lnSpc>
+              <a:spcBef>
+                <a:spcPct val="20000"/>
+              </a:spcBef>
+              <a:buClr>
+                <a:schemeClr val="accent2"/>
+              </a:buClr>
+              <a:buFont typeface="Wingdings 2"/>
+              <a:buChar char=""/>
+              <a:defRPr kumimoji="1" sz="2400" kern="1200">
+                <a:solidFill>
+                  <a:schemeClr val="tx1"/>
+                </a:solidFill>
+                <a:latin typeface="+mn-lt"/>
+                <a:ea typeface="+mn-ea"/>
+                <a:cs typeface="+mn-cs"/>
+              </a:defRPr>
+            </a:lvl3pPr>
+            <a:lvl4pPr marL="1097280" indent="-173736" algn="l" rtl="0" eaLnBrk="1" latinLnBrk="0" hangingPunct="1">
+              <a:lnSpc>
+                <a:spcPct val="100000"/>
+              </a:lnSpc>
+              <a:spcBef>
+                <a:spcPct val="20000"/>
+              </a:spcBef>
+              <a:buClr>
+                <a:schemeClr val="accent3"/>
+              </a:buClr>
+              <a:buFont typeface="Wingdings 2"/>
+              <a:buChar char=""/>
+              <a:defRPr kumimoji="1" sz="2000" kern="1200">
+                <a:solidFill>
+                  <a:schemeClr val="tx1"/>
+                </a:solidFill>
+                <a:latin typeface="+mn-lt"/>
+                <a:ea typeface="+mn-ea"/>
+                <a:cs typeface="+mn-cs"/>
+              </a:defRPr>
+            </a:lvl4pPr>
+            <a:lvl5pPr marL="1298448" indent="-182880" algn="l" rtl="0" eaLnBrk="1" latinLnBrk="0" hangingPunct="1">
+              <a:lnSpc>
+                <a:spcPct val="100000"/>
+              </a:lnSpc>
+              <a:spcBef>
+                <a:spcPct val="20000"/>
+              </a:spcBef>
+              <a:buClr>
+                <a:schemeClr val="accent4"/>
+              </a:buClr>
+              <a:buFont typeface="Wingdings 2"/>
+              <a:buChar char=""/>
+              <a:defRPr kumimoji="1" sz="2000" kern="1200">
+                <a:solidFill>
+                  <a:schemeClr val="tx1"/>
+                </a:solidFill>
+                <a:latin typeface="+mn-lt"/>
+                <a:ea typeface="+mn-ea"/>
+                <a:cs typeface="+mn-cs"/>
+              </a:defRPr>
+            </a:lvl5pPr>
+            <a:lvl6pPr marL="1508760" indent="-182880" algn="l" rtl="0" eaLnBrk="1" latinLnBrk="0" hangingPunct="1">
+              <a:lnSpc>
+                <a:spcPct val="100000"/>
+              </a:lnSpc>
+              <a:spcBef>
+                <a:spcPct val="20000"/>
+              </a:spcBef>
+              <a:buClr>
+                <a:schemeClr val="accent5"/>
+              </a:buClr>
+              <a:buFont typeface="Wingdings 2"/>
+              <a:buChar char=""/>
+              <a:defRPr kumimoji="1" sz="2000" kern="1200">
+                <a:solidFill>
+                  <a:schemeClr val="tx1"/>
+                </a:solidFill>
+                <a:latin typeface="+mn-lt"/>
+                <a:ea typeface="+mn-ea"/>
+                <a:cs typeface="+mn-cs"/>
+              </a:defRPr>
+            </a:lvl6pPr>
+            <a:lvl7pPr marL="1719072" indent="-182880" algn="l" rtl="0" eaLnBrk="1" latinLnBrk="0" hangingPunct="1">
+              <a:lnSpc>
+                <a:spcPct val="100000"/>
+              </a:lnSpc>
+              <a:spcBef>
+                <a:spcPct val="20000"/>
+              </a:spcBef>
+              <a:buClr>
+                <a:schemeClr val="accent6"/>
+              </a:buClr>
+              <a:buFont typeface="Wingdings 2"/>
+              <a:buChar char=""/>
+              <a:defRPr kumimoji="1" sz="2000" kern="1200">
+                <a:solidFill>
+                  <a:schemeClr val="tx1"/>
+                </a:solidFill>
+                <a:latin typeface="+mn-lt"/>
+                <a:ea typeface="+mn-ea"/>
+                <a:cs typeface="+mn-cs"/>
+              </a:defRPr>
+            </a:lvl7pPr>
+            <a:lvl8pPr marL="1920240" indent="-182880" algn="l" rtl="0" eaLnBrk="1" latinLnBrk="0" hangingPunct="1">
+              <a:lnSpc>
+                <a:spcPct val="100000"/>
+              </a:lnSpc>
+              <a:spcBef>
+                <a:spcPct val="20000"/>
+              </a:spcBef>
+              <a:buClr>
+                <a:schemeClr val="accent6"/>
+              </a:buClr>
+              <a:buFont typeface="Wingdings 2"/>
+              <a:buChar char=""/>
+              <a:defRPr kumimoji="1" sz="2000" kern="1200">
+                <a:solidFill>
+                  <a:schemeClr val="tx1"/>
+                </a:solidFill>
+                <a:latin typeface="+mn-lt"/>
+                <a:ea typeface="+mn-ea"/>
+                <a:cs typeface="+mn-cs"/>
+              </a:defRPr>
+            </a:lvl8pPr>
+            <a:lvl9pPr marL="2130552" indent="-182880" algn="l" rtl="0" eaLnBrk="1" latinLnBrk="0" hangingPunct="1">
+              <a:lnSpc>
+                <a:spcPct val="100000"/>
+              </a:lnSpc>
+              <a:spcBef>
+                <a:spcPct val="20000"/>
+              </a:spcBef>
+              <a:buClr>
+                <a:schemeClr val="accent6"/>
+              </a:buClr>
+              <a:buFont typeface="Wingdings 2"/>
+              <a:buChar char=""/>
+              <a:defRPr kumimoji="1" sz="2000" kern="1200">
+                <a:solidFill>
+                  <a:schemeClr val="tx1"/>
+                </a:solidFill>
+                <a:latin typeface="+mn-lt"/>
+                <a:ea typeface="+mn-ea"/>
+                <a:cs typeface="+mn-cs"/>
+              </a:defRPr>
+            </a:lvl9pPr>
+            <a:extLst/>
+          </a:lstStyle>
+          <a:p>
+            <a:pPr marL="82296" indent="0">
+              <a:buFont typeface="Wingdings 2"/>
+              <a:buNone/>
+            </a:pPr>
+            <a:r>
+              <a:rPr lang="ja-JP" altLang="en-US" sz="2800" dirty="0"/>
+              <a:t>・</a:t>
+            </a:r>
+            <a:r>
+              <a:rPr lang="ja-JP" altLang="en-US" sz="2800" dirty="0" smtClean="0"/>
+              <a:t>設定変更するたび</a:t>
+            </a:r>
+            <a:endParaRPr lang="en-US" altLang="ja-JP" sz="2800" dirty="0" smtClean="0"/>
+          </a:p>
+          <a:p>
+            <a:pPr marL="82296" indent="0">
+              <a:buFont typeface="Wingdings 2"/>
+              <a:buNone/>
+            </a:pPr>
+            <a:r>
+              <a:rPr lang="ja-JP" altLang="en-US" sz="2800" dirty="0" smtClean="0"/>
+              <a:t>マシン再起動が必要</a:t>
+            </a:r>
+            <a:endParaRPr lang="en-US" altLang="ja-JP" sz="2800" dirty="0" smtClean="0"/>
+          </a:p>
+          <a:p>
+            <a:pPr marL="82296" indent="0">
+              <a:buFont typeface="Wingdings 2"/>
+              <a:buNone/>
+            </a:pPr>
+            <a:endParaRPr lang="en-US" altLang="ja-JP" sz="2800" dirty="0" smtClean="0"/>
+          </a:p>
+        </p:txBody>
+      </p:sp>
+      <p:grpSp>
+        <p:nvGrpSpPr>
+          <p:cNvPr id="6" name="グループ化 5"/>
+          <p:cNvGrpSpPr/>
+          <p:nvPr/>
+        </p:nvGrpSpPr>
+        <p:grpSpPr>
+          <a:xfrm>
+            <a:off x="1115616" y="2636912"/>
+            <a:ext cx="3024336" cy="650028"/>
+            <a:chOff x="162311" y="144023"/>
+            <a:chExt cx="2429472" cy="650028"/>
+          </a:xfrm>
+        </p:grpSpPr>
+        <p:sp>
+          <p:nvSpPr>
+            <p:cNvPr id="10" name="正方形/長方形 9"/>
+            <p:cNvSpPr/>
+            <p:nvPr/>
+          </p:nvSpPr>
+          <p:spPr>
+            <a:xfrm>
+              <a:off x="162311" y="144023"/>
+              <a:ext cx="2429472" cy="650028"/>
+            </a:xfrm>
+            <a:prstGeom prst="rect">
+              <a:avLst/>
+            </a:prstGeom>
+            <a:solidFill>
+              <a:schemeClr val="accent4"/>
+            </a:solidFill>
+          </p:spPr>
+          <p:style>
+            <a:lnRef idx="2">
+              <a:schemeClr val="lt1">
+                <a:hueOff val="0"/>
+                <a:satOff val="0"/>
+                <a:lumOff val="0"/>
+                <a:alphaOff val="0"/>
+              </a:schemeClr>
+            </a:lnRef>
+            <a:fillRef idx="1">
+              <a:scrgbClr r="0" g="0" b="0"/>
+            </a:fillRef>
+            <a:effectRef idx="0">
+              <a:schemeClr val="accent1">
+                <a:hueOff val="0"/>
+                <a:satOff val="0"/>
+                <a:lumOff val="0"/>
+                <a:alphaOff val="0"/>
+              </a:schemeClr>
+            </a:effectRef>
+            <a:fontRef idx="minor">
+              <a:schemeClr val="lt1"/>
+            </a:fontRef>
+          </p:style>
+        </p:sp>
+        <p:sp>
+          <p:nvSpPr>
+            <p:cNvPr id="11" name="正方形/長方形 10"/>
+            <p:cNvSpPr/>
+            <p:nvPr/>
+          </p:nvSpPr>
+          <p:spPr>
+            <a:xfrm>
+              <a:off x="162311" y="144023"/>
+              <a:ext cx="2429472" cy="650028"/>
+            </a:xfrm>
+            <a:prstGeom prst="rect">
+              <a:avLst/>
+            </a:prstGeom>
+          </p:spPr>
+          <p:style>
+            <a:lnRef idx="0">
+              <a:scrgbClr r="0" g="0" b="0"/>
+            </a:lnRef>
+            <a:fillRef idx="0">
+              <a:scrgbClr r="0" g="0" b="0"/>
+            </a:fillRef>
+            <a:effectRef idx="0">
+              <a:scrgbClr r="0" g="0" b="0"/>
+            </a:effectRef>
+            <a:fontRef idx="minor">
+              <a:schemeClr val="lt1"/>
+            </a:fontRef>
+          </p:style>
+          <p:txBody>
+            <a:bodyPr spcFirstLastPara="0" vert="horz" wrap="square" lIns="80010" tIns="80010" rIns="80010" bIns="80010" numCol="1" spcCol="1270" anchor="ctr" anchorCtr="0">
+              <a:noAutofit/>
+            </a:bodyPr>
+            <a:lstStyle/>
+            <a:p>
+              <a:pPr lvl="0" algn="ctr" defTabSz="933450">
+                <a:lnSpc>
+                  <a:spcPct val="90000"/>
+                </a:lnSpc>
+                <a:spcBef>
+                  <a:spcPct val="0"/>
+                </a:spcBef>
+                <a:spcAft>
+                  <a:spcPct val="35000"/>
+                </a:spcAft>
+              </a:pPr>
+              <a:r>
+                <a:rPr lang="en-US" altLang="ja-JP" sz="2100" dirty="0" err="1" smtClean="0"/>
+                <a:t>AutoHotkey</a:t>
+              </a:r>
+              <a:endParaRPr kumimoji="1" lang="ja-JP" altLang="en-US" sz="2100" kern="1200" dirty="0"/>
+            </a:p>
+          </p:txBody>
+        </p:sp>
+      </p:grpSp>
+      <p:grpSp>
+        <p:nvGrpSpPr>
+          <p:cNvPr id="7" name="グループ化 6"/>
+          <p:cNvGrpSpPr/>
+          <p:nvPr/>
+        </p:nvGrpSpPr>
+        <p:grpSpPr>
+          <a:xfrm>
+            <a:off x="5556144" y="2636912"/>
+            <a:ext cx="3037984" cy="650028"/>
+            <a:chOff x="4769586" y="144023"/>
+            <a:chExt cx="2440436" cy="650028"/>
+          </a:xfrm>
+        </p:grpSpPr>
+        <p:sp>
+          <p:nvSpPr>
+            <p:cNvPr id="8" name="正方形/長方形 7"/>
+            <p:cNvSpPr/>
+            <p:nvPr/>
+          </p:nvSpPr>
+          <p:spPr>
+            <a:xfrm>
+              <a:off x="4780550" y="144023"/>
+              <a:ext cx="2429472" cy="650028"/>
+            </a:xfrm>
+            <a:prstGeom prst="rect">
+              <a:avLst/>
+            </a:prstGeom>
+            <a:solidFill>
+              <a:schemeClr val="accent4"/>
+            </a:solidFill>
+          </p:spPr>
+          <p:style>
+            <a:lnRef idx="2">
+              <a:schemeClr val="lt1">
+                <a:hueOff val="0"/>
+                <a:satOff val="0"/>
+                <a:lumOff val="0"/>
+                <a:alphaOff val="0"/>
+              </a:schemeClr>
+            </a:lnRef>
+            <a:fillRef idx="1">
+              <a:scrgbClr r="0" g="0" b="0"/>
+            </a:fillRef>
+            <a:effectRef idx="0">
+              <a:schemeClr val="accent1">
+                <a:hueOff val="0"/>
+                <a:satOff val="0"/>
+                <a:lumOff val="0"/>
+                <a:alphaOff val="0"/>
+              </a:schemeClr>
+            </a:effectRef>
+            <a:fontRef idx="minor">
+              <a:schemeClr val="lt1"/>
+            </a:fontRef>
+          </p:style>
+        </p:sp>
+        <p:sp>
+          <p:nvSpPr>
+            <p:cNvPr id="9" name="正方形/長方形 8"/>
+            <p:cNvSpPr/>
+            <p:nvPr/>
+          </p:nvSpPr>
+          <p:spPr>
+            <a:xfrm>
+              <a:off x="4769586" y="144023"/>
+              <a:ext cx="2429472" cy="650028"/>
+            </a:xfrm>
+            <a:prstGeom prst="rect">
+              <a:avLst/>
+            </a:prstGeom>
+          </p:spPr>
+          <p:style>
+            <a:lnRef idx="0">
+              <a:scrgbClr r="0" g="0" b="0"/>
+            </a:lnRef>
+            <a:fillRef idx="0">
+              <a:scrgbClr r="0" g="0" b="0"/>
+            </a:fillRef>
+            <a:effectRef idx="0">
+              <a:scrgbClr r="0" g="0" b="0"/>
+            </a:effectRef>
+            <a:fontRef idx="minor">
+              <a:schemeClr val="lt1"/>
+            </a:fontRef>
+          </p:style>
+          <p:txBody>
+            <a:bodyPr spcFirstLastPara="0" vert="horz" wrap="square" lIns="80010" tIns="80010" rIns="80010" bIns="80010" numCol="1" spcCol="1270" anchor="ctr" anchorCtr="0">
+              <a:noAutofit/>
+            </a:bodyPr>
+            <a:lstStyle/>
+            <a:p>
+              <a:pPr lvl="0" algn="ctr" defTabSz="933450">
+                <a:lnSpc>
+                  <a:spcPct val="90000"/>
+                </a:lnSpc>
+                <a:spcBef>
+                  <a:spcPct val="0"/>
+                </a:spcBef>
+                <a:spcAft>
+                  <a:spcPct val="35000"/>
+                </a:spcAft>
+              </a:pPr>
+              <a:r>
+                <a:rPr kumimoji="1" lang="ja-JP" altLang="en-US" sz="2100" kern="1200" dirty="0" smtClean="0"/>
+                <a:t>レジストリ</a:t>
+              </a:r>
+              <a:endParaRPr kumimoji="1" lang="ja-JP" altLang="en-US" sz="2100" kern="1200" dirty="0"/>
+            </a:p>
+          </p:txBody>
+        </p:sp>
+      </p:grpSp>
+      <p:cxnSp>
+        <p:nvCxnSpPr>
+          <p:cNvPr id="15" name="直線コネクタ 14"/>
+          <p:cNvCxnSpPr/>
+          <p:nvPr/>
+        </p:nvCxnSpPr>
+        <p:spPr>
+          <a:xfrm>
+            <a:off x="4968044" y="3336260"/>
+            <a:ext cx="0" cy="3261092"/>
+          </a:xfrm>
+          <a:prstGeom prst="line">
+            <a:avLst/>
+          </a:prstGeom>
+          <a:ln w="31750">
+            <a:solidFill>
+              <a:schemeClr val="tx1"/>
+            </a:solidFill>
+            <a:prstDash val="sysDash"/>
+          </a:ln>
+        </p:spPr>
+        <p:style>
+          <a:lnRef idx="1">
+            <a:schemeClr val="accent1"/>
+          </a:lnRef>
+          <a:fillRef idx="0">
+            <a:schemeClr val="accent1"/>
+          </a:fillRef>
+          <a:effectRef idx="0">
+            <a:schemeClr val="accent1"/>
+          </a:effectRef>
+          <a:fontRef idx="minor">
+            <a:schemeClr val="tx1"/>
+          </a:fontRef>
+        </p:style>
+      </p:cxnSp>
+      <p:sp>
+        <p:nvSpPr>
+          <p:cNvPr id="18" name="コンテンツ プレースホルダー 2"/>
+          <p:cNvSpPr txBox="1">
+            <a:spLocks/>
+          </p:cNvSpPr>
+          <p:nvPr/>
+        </p:nvSpPr>
+        <p:spPr>
+          <a:xfrm>
+            <a:off x="899592" y="4810731"/>
+            <a:ext cx="4068452" cy="1110890"/>
+          </a:xfrm>
+          <a:prstGeom prst="rect">
+            <a:avLst/>
+          </a:prstGeom>
+        </p:spPr>
+        <p:txBody>
+          <a:bodyPr>
+            <a:normAutofit/>
+          </a:bodyPr>
+          <a:lstStyle>
+            <a:lvl1pPr marL="365760" indent="-283464" algn="l" rtl="0" eaLnBrk="1" latinLnBrk="0" hangingPunct="1">
+              <a:lnSpc>
+                <a:spcPct val="100000"/>
+              </a:lnSpc>
+              <a:spcBef>
+                <a:spcPts val="600"/>
+              </a:spcBef>
+              <a:buClr>
+                <a:schemeClr val="accent1"/>
+              </a:buClr>
+              <a:buSzPct val="80000"/>
+              <a:buFont typeface="Wingdings 2"/>
+              <a:buChar char=""/>
+              <a:defRPr kumimoji="1" sz="3200" kern="1200">
+                <a:solidFill>
+                  <a:schemeClr val="tx1"/>
+                </a:solidFill>
+                <a:latin typeface="+mn-lt"/>
+                <a:ea typeface="+mn-ea"/>
+                <a:cs typeface="+mn-cs"/>
+              </a:defRPr>
+            </a:lvl1pPr>
+            <a:lvl2pPr marL="640080" indent="-237744" algn="l" rtl="0" eaLnBrk="1" latinLnBrk="0" hangingPunct="1">
+              <a:lnSpc>
+                <a:spcPct val="100000"/>
+              </a:lnSpc>
+              <a:spcBef>
+                <a:spcPts val="550"/>
+              </a:spcBef>
+              <a:buClr>
+                <a:schemeClr val="accent1"/>
+              </a:buClr>
+              <a:buFont typeface="Verdana"/>
+              <a:buChar char="◦"/>
+              <a:defRPr kumimoji="1" sz="2800" kern="1200">
+                <a:solidFill>
+                  <a:schemeClr val="tx1"/>
+                </a:solidFill>
+                <a:latin typeface="+mn-lt"/>
+                <a:ea typeface="+mn-ea"/>
+                <a:cs typeface="+mn-cs"/>
+              </a:defRPr>
+            </a:lvl2pPr>
+            <a:lvl3pPr marL="886968" indent="-228600" algn="l" rtl="0" eaLnBrk="1" latinLnBrk="0" hangingPunct="1">
+              <a:lnSpc>
+                <a:spcPct val="100000"/>
+              </a:lnSpc>
+              <a:spcBef>
+                <a:spcPct val="20000"/>
+              </a:spcBef>
+              <a:buClr>
+                <a:schemeClr val="accent2"/>
+              </a:buClr>
+              <a:buFont typeface="Wingdings 2"/>
+              <a:buChar char=""/>
+              <a:defRPr kumimoji="1" sz="2400" kern="1200">
+                <a:solidFill>
+                  <a:schemeClr val="tx1"/>
+                </a:solidFill>
+                <a:latin typeface="+mn-lt"/>
+                <a:ea typeface="+mn-ea"/>
+                <a:cs typeface="+mn-cs"/>
+              </a:defRPr>
+            </a:lvl3pPr>
+            <a:lvl4pPr marL="1097280" indent="-173736" algn="l" rtl="0" eaLnBrk="1" latinLnBrk="0" hangingPunct="1">
+              <a:lnSpc>
+                <a:spcPct val="100000"/>
+              </a:lnSpc>
+              <a:spcBef>
+                <a:spcPct val="20000"/>
+              </a:spcBef>
+              <a:buClr>
+                <a:schemeClr val="accent3"/>
+              </a:buClr>
+              <a:buFont typeface="Wingdings 2"/>
+              <a:buChar char=""/>
+              <a:defRPr kumimoji="1" sz="2000" kern="1200">
+                <a:solidFill>
+                  <a:schemeClr val="tx1"/>
+                </a:solidFill>
+                <a:latin typeface="+mn-lt"/>
+                <a:ea typeface="+mn-ea"/>
+                <a:cs typeface="+mn-cs"/>
+              </a:defRPr>
+            </a:lvl4pPr>
+            <a:lvl5pPr marL="1298448" indent="-182880" algn="l" rtl="0" eaLnBrk="1" latinLnBrk="0" hangingPunct="1">
+              <a:lnSpc>
+                <a:spcPct val="100000"/>
+              </a:lnSpc>
+              <a:spcBef>
+                <a:spcPct val="20000"/>
+              </a:spcBef>
+              <a:buClr>
+                <a:schemeClr val="accent4"/>
+              </a:buClr>
+              <a:buFont typeface="Wingdings 2"/>
+              <a:buChar char=""/>
+              <a:defRPr kumimoji="1" sz="2000" kern="1200">
+                <a:solidFill>
+                  <a:schemeClr val="tx1"/>
+                </a:solidFill>
+                <a:latin typeface="+mn-lt"/>
+                <a:ea typeface="+mn-ea"/>
+                <a:cs typeface="+mn-cs"/>
+              </a:defRPr>
+            </a:lvl5pPr>
+            <a:lvl6pPr marL="1508760" indent="-182880" algn="l" rtl="0" eaLnBrk="1" latinLnBrk="0" hangingPunct="1">
+              <a:lnSpc>
+                <a:spcPct val="100000"/>
+              </a:lnSpc>
+              <a:spcBef>
+                <a:spcPct val="20000"/>
+              </a:spcBef>
+              <a:buClr>
+                <a:schemeClr val="accent5"/>
+              </a:buClr>
+              <a:buFont typeface="Wingdings 2"/>
+              <a:buChar char=""/>
+              <a:defRPr kumimoji="1" sz="2000" kern="1200">
+                <a:solidFill>
+                  <a:schemeClr val="tx1"/>
+                </a:solidFill>
+                <a:latin typeface="+mn-lt"/>
+                <a:ea typeface="+mn-ea"/>
+                <a:cs typeface="+mn-cs"/>
+              </a:defRPr>
+            </a:lvl6pPr>
+            <a:lvl7pPr marL="1719072" indent="-182880" algn="l" rtl="0" eaLnBrk="1" latinLnBrk="0" hangingPunct="1">
+              <a:lnSpc>
+                <a:spcPct val="100000"/>
+              </a:lnSpc>
+              <a:spcBef>
+                <a:spcPct val="20000"/>
+              </a:spcBef>
+              <a:buClr>
+                <a:schemeClr val="accent6"/>
+              </a:buClr>
+              <a:buFont typeface="Wingdings 2"/>
+              <a:buChar char=""/>
+              <a:defRPr kumimoji="1" sz="2000" kern="1200">
+                <a:solidFill>
+                  <a:schemeClr val="tx1"/>
+                </a:solidFill>
+                <a:latin typeface="+mn-lt"/>
+                <a:ea typeface="+mn-ea"/>
+                <a:cs typeface="+mn-cs"/>
+              </a:defRPr>
+            </a:lvl7pPr>
+            <a:lvl8pPr marL="1920240" indent="-182880" algn="l" rtl="0" eaLnBrk="1" latinLnBrk="0" hangingPunct="1">
+              <a:lnSpc>
+                <a:spcPct val="100000"/>
+              </a:lnSpc>
+              <a:spcBef>
+                <a:spcPct val="20000"/>
+              </a:spcBef>
+              <a:buClr>
+                <a:schemeClr val="accent6"/>
+              </a:buClr>
+              <a:buFont typeface="Wingdings 2"/>
+              <a:buChar char=""/>
+              <a:defRPr kumimoji="1" sz="2000" kern="1200">
+                <a:solidFill>
+                  <a:schemeClr val="tx1"/>
+                </a:solidFill>
+                <a:latin typeface="+mn-lt"/>
+                <a:ea typeface="+mn-ea"/>
+                <a:cs typeface="+mn-cs"/>
+              </a:defRPr>
+            </a:lvl8pPr>
+            <a:lvl9pPr marL="2130552" indent="-182880" algn="l" rtl="0" eaLnBrk="1" latinLnBrk="0" hangingPunct="1">
+              <a:lnSpc>
+                <a:spcPct val="100000"/>
+              </a:lnSpc>
+              <a:spcBef>
+                <a:spcPct val="20000"/>
+              </a:spcBef>
+              <a:buClr>
+                <a:schemeClr val="accent6"/>
+              </a:buClr>
+              <a:buFont typeface="Wingdings 2"/>
+              <a:buChar char=""/>
+              <a:defRPr kumimoji="1" sz="2000" kern="1200">
+                <a:solidFill>
+                  <a:schemeClr val="tx1"/>
+                </a:solidFill>
+                <a:latin typeface="+mn-lt"/>
+                <a:ea typeface="+mn-ea"/>
+                <a:cs typeface="+mn-cs"/>
+              </a:defRPr>
+            </a:lvl9pPr>
+            <a:extLst/>
+          </a:lstStyle>
+          <a:p>
             <a:pPr marL="82296" indent="0">
               <a:buNone/>
             </a:pPr>
             <a:r>
-              <a:rPr kumimoji="1" lang="ja-JP" altLang="en-US" dirty="0" smtClean="0"/>
-              <a:t>公式のヘルプやサンプルに色々あります。</a:t>
-            </a:r>
-            <a:endParaRPr kumimoji="1" lang="en-US" altLang="ja-JP" dirty="0" smtClean="0"/>
+              <a:rPr lang="ja-JP" altLang="en-US" sz="2800" dirty="0"/>
+              <a:t>・特定の</a:t>
+            </a:r>
+            <a:r>
+              <a:rPr lang="ja-JP" altLang="en-US" sz="2800" dirty="0" smtClean="0"/>
+              <a:t>ウィンドウ</a:t>
+            </a:r>
+            <a:r>
+              <a:rPr lang="ja-JP" altLang="en-US" sz="2800" dirty="0"/>
+              <a:t>に</a:t>
+            </a:r>
+            <a:endParaRPr lang="en-US" altLang="ja-JP" sz="2800" dirty="0"/>
           </a:p>
           <a:p>
             <a:pPr marL="82296" indent="0">
               <a:buNone/>
             </a:pPr>
-            <a:endParaRPr lang="en-US" altLang="ja-JP" dirty="0"/>
-          </a:p>
+            <a:r>
+              <a:rPr lang="ja-JP" altLang="en-US" sz="2800" dirty="0" err="1"/>
+              <a:t>だけ</a:t>
+            </a:r>
+            <a:r>
+              <a:rPr lang="ja-JP" altLang="en-US" sz="2800" dirty="0"/>
+              <a:t>適用できる</a:t>
+            </a:r>
+            <a:r>
+              <a:rPr lang="en-US" altLang="ja-JP" sz="2800" dirty="0"/>
+              <a:t>(</a:t>
+            </a:r>
+            <a:r>
+              <a:rPr lang="ja-JP" altLang="en-US" sz="2800" dirty="0"/>
+              <a:t>後述</a:t>
+            </a:r>
+            <a:r>
+              <a:rPr lang="en-US" altLang="ja-JP" sz="2800" dirty="0"/>
+              <a:t>)</a:t>
+            </a:r>
+          </a:p>
+        </p:txBody>
+      </p:sp>
+      <p:sp>
+        <p:nvSpPr>
+          <p:cNvPr id="19" name="コンテンツ プレースホルダー 2"/>
+          <p:cNvSpPr txBox="1">
+            <a:spLocks/>
+          </p:cNvSpPr>
+          <p:nvPr/>
+        </p:nvSpPr>
+        <p:spPr>
+          <a:xfrm>
+            <a:off x="5047735" y="4810731"/>
+            <a:ext cx="4068452" cy="1100852"/>
+          </a:xfrm>
+          <a:prstGeom prst="rect">
+            <a:avLst/>
+          </a:prstGeom>
+        </p:spPr>
+        <p:txBody>
+          <a:bodyPr>
+            <a:normAutofit/>
+          </a:bodyPr>
+          <a:lstStyle>
+            <a:lvl1pPr marL="365760" indent="-283464" algn="l" rtl="0" eaLnBrk="1" latinLnBrk="0" hangingPunct="1">
+              <a:lnSpc>
+                <a:spcPct val="100000"/>
+              </a:lnSpc>
+              <a:spcBef>
+                <a:spcPts val="600"/>
+              </a:spcBef>
+              <a:buClr>
+                <a:schemeClr val="accent1"/>
+              </a:buClr>
+              <a:buSzPct val="80000"/>
+              <a:buFont typeface="Wingdings 2"/>
+              <a:buChar char=""/>
+              <a:defRPr kumimoji="1" sz="3200" kern="1200">
+                <a:solidFill>
+                  <a:schemeClr val="tx1"/>
+                </a:solidFill>
+                <a:latin typeface="+mn-lt"/>
+                <a:ea typeface="+mn-ea"/>
+                <a:cs typeface="+mn-cs"/>
+              </a:defRPr>
+            </a:lvl1pPr>
+            <a:lvl2pPr marL="640080" indent="-237744" algn="l" rtl="0" eaLnBrk="1" latinLnBrk="0" hangingPunct="1">
+              <a:lnSpc>
+                <a:spcPct val="100000"/>
+              </a:lnSpc>
+              <a:spcBef>
+                <a:spcPts val="550"/>
+              </a:spcBef>
+              <a:buClr>
+                <a:schemeClr val="accent1"/>
+              </a:buClr>
+              <a:buFont typeface="Verdana"/>
+              <a:buChar char="◦"/>
+              <a:defRPr kumimoji="1" sz="2800" kern="1200">
+                <a:solidFill>
+                  <a:schemeClr val="tx1"/>
+                </a:solidFill>
+                <a:latin typeface="+mn-lt"/>
+                <a:ea typeface="+mn-ea"/>
+                <a:cs typeface="+mn-cs"/>
+              </a:defRPr>
+            </a:lvl2pPr>
+            <a:lvl3pPr marL="886968" indent="-228600" algn="l" rtl="0" eaLnBrk="1" latinLnBrk="0" hangingPunct="1">
+              <a:lnSpc>
+                <a:spcPct val="100000"/>
+              </a:lnSpc>
+              <a:spcBef>
+                <a:spcPct val="20000"/>
+              </a:spcBef>
+              <a:buClr>
+                <a:schemeClr val="accent2"/>
+              </a:buClr>
+              <a:buFont typeface="Wingdings 2"/>
+              <a:buChar char=""/>
+              <a:defRPr kumimoji="1" sz="2400" kern="1200">
+                <a:solidFill>
+                  <a:schemeClr val="tx1"/>
+                </a:solidFill>
+                <a:latin typeface="+mn-lt"/>
+                <a:ea typeface="+mn-ea"/>
+                <a:cs typeface="+mn-cs"/>
+              </a:defRPr>
+            </a:lvl3pPr>
+            <a:lvl4pPr marL="1097280" indent="-173736" algn="l" rtl="0" eaLnBrk="1" latinLnBrk="0" hangingPunct="1">
+              <a:lnSpc>
+                <a:spcPct val="100000"/>
+              </a:lnSpc>
+              <a:spcBef>
+                <a:spcPct val="20000"/>
+              </a:spcBef>
+              <a:buClr>
+                <a:schemeClr val="accent3"/>
+              </a:buClr>
+              <a:buFont typeface="Wingdings 2"/>
+              <a:buChar char=""/>
+              <a:defRPr kumimoji="1" sz="2000" kern="1200">
+                <a:solidFill>
+                  <a:schemeClr val="tx1"/>
+                </a:solidFill>
+                <a:latin typeface="+mn-lt"/>
+                <a:ea typeface="+mn-ea"/>
+                <a:cs typeface="+mn-cs"/>
+              </a:defRPr>
+            </a:lvl4pPr>
+            <a:lvl5pPr marL="1298448" indent="-182880" algn="l" rtl="0" eaLnBrk="1" latinLnBrk="0" hangingPunct="1">
+              <a:lnSpc>
+                <a:spcPct val="100000"/>
+              </a:lnSpc>
+              <a:spcBef>
+                <a:spcPct val="20000"/>
+              </a:spcBef>
+              <a:buClr>
+                <a:schemeClr val="accent4"/>
+              </a:buClr>
+              <a:buFont typeface="Wingdings 2"/>
+              <a:buChar char=""/>
+              <a:defRPr kumimoji="1" sz="2000" kern="1200">
+                <a:solidFill>
+                  <a:schemeClr val="tx1"/>
+                </a:solidFill>
+                <a:latin typeface="+mn-lt"/>
+                <a:ea typeface="+mn-ea"/>
+                <a:cs typeface="+mn-cs"/>
+              </a:defRPr>
+            </a:lvl5pPr>
+            <a:lvl6pPr marL="1508760" indent="-182880" algn="l" rtl="0" eaLnBrk="1" latinLnBrk="0" hangingPunct="1">
+              <a:lnSpc>
+                <a:spcPct val="100000"/>
+              </a:lnSpc>
+              <a:spcBef>
+                <a:spcPct val="20000"/>
+              </a:spcBef>
+              <a:buClr>
+                <a:schemeClr val="accent5"/>
+              </a:buClr>
+              <a:buFont typeface="Wingdings 2"/>
+              <a:buChar char=""/>
+              <a:defRPr kumimoji="1" sz="2000" kern="1200">
+                <a:solidFill>
+                  <a:schemeClr val="tx1"/>
+                </a:solidFill>
+                <a:latin typeface="+mn-lt"/>
+                <a:ea typeface="+mn-ea"/>
+                <a:cs typeface="+mn-cs"/>
+              </a:defRPr>
+            </a:lvl6pPr>
+            <a:lvl7pPr marL="1719072" indent="-182880" algn="l" rtl="0" eaLnBrk="1" latinLnBrk="0" hangingPunct="1">
+              <a:lnSpc>
+                <a:spcPct val="100000"/>
+              </a:lnSpc>
+              <a:spcBef>
+                <a:spcPct val="20000"/>
+              </a:spcBef>
+              <a:buClr>
+                <a:schemeClr val="accent6"/>
+              </a:buClr>
+              <a:buFont typeface="Wingdings 2"/>
+              <a:buChar char=""/>
+              <a:defRPr kumimoji="1" sz="2000" kern="1200">
+                <a:solidFill>
+                  <a:schemeClr val="tx1"/>
+                </a:solidFill>
+                <a:latin typeface="+mn-lt"/>
+                <a:ea typeface="+mn-ea"/>
+                <a:cs typeface="+mn-cs"/>
+              </a:defRPr>
+            </a:lvl7pPr>
+            <a:lvl8pPr marL="1920240" indent="-182880" algn="l" rtl="0" eaLnBrk="1" latinLnBrk="0" hangingPunct="1">
+              <a:lnSpc>
+                <a:spcPct val="100000"/>
+              </a:lnSpc>
+              <a:spcBef>
+                <a:spcPct val="20000"/>
+              </a:spcBef>
+              <a:buClr>
+                <a:schemeClr val="accent6"/>
+              </a:buClr>
+              <a:buFont typeface="Wingdings 2"/>
+              <a:buChar char=""/>
+              <a:defRPr kumimoji="1" sz="2000" kern="1200">
+                <a:solidFill>
+                  <a:schemeClr val="tx1"/>
+                </a:solidFill>
+                <a:latin typeface="+mn-lt"/>
+                <a:ea typeface="+mn-ea"/>
+                <a:cs typeface="+mn-cs"/>
+              </a:defRPr>
+            </a:lvl8pPr>
+            <a:lvl9pPr marL="2130552" indent="-182880" algn="l" rtl="0" eaLnBrk="1" latinLnBrk="0" hangingPunct="1">
+              <a:lnSpc>
+                <a:spcPct val="100000"/>
+              </a:lnSpc>
+              <a:spcBef>
+                <a:spcPct val="20000"/>
+              </a:spcBef>
+              <a:buClr>
+                <a:schemeClr val="accent6"/>
+              </a:buClr>
+              <a:buFont typeface="Wingdings 2"/>
+              <a:buChar char=""/>
+              <a:defRPr kumimoji="1" sz="2000" kern="1200">
+                <a:solidFill>
+                  <a:schemeClr val="tx1"/>
+                </a:solidFill>
+                <a:latin typeface="+mn-lt"/>
+                <a:ea typeface="+mn-ea"/>
+                <a:cs typeface="+mn-cs"/>
+              </a:defRPr>
+            </a:lvl9pPr>
+            <a:extLst/>
+          </a:lstStyle>
           <a:p>
             <a:pPr marL="82296" indent="0">
               <a:buNone/>
             </a:pPr>
             <a:r>
-              <a:rPr kumimoji="1" lang="ja-JP" altLang="en-US" dirty="0" smtClean="0"/>
-              <a:t>ググ</a:t>
-            </a:r>
-            <a:r>
-              <a:rPr kumimoji="1" lang="ja-JP" altLang="en-US" dirty="0" err="1" smtClean="0"/>
-              <a:t>ると</a:t>
-            </a:r>
-            <a:r>
-              <a:rPr kumimoji="1" lang="ja-JP" altLang="en-US" dirty="0" smtClean="0"/>
-              <a:t>結構参考になるスクリプトを公開している人</a:t>
-            </a:r>
-            <a:r>
-              <a:rPr kumimoji="1" lang="ja-JP" altLang="en-US" smtClean="0"/>
-              <a:t>も。</a:t>
-            </a:r>
-            <a:endParaRPr kumimoji="1" lang="en-US" altLang="ja-JP" dirty="0" smtClean="0"/>
+              <a:rPr lang="ja-JP" altLang="en-US" sz="2800" dirty="0"/>
+              <a:t>・システム全体に設定が適応されちゃう</a:t>
+            </a:r>
+            <a:endParaRPr lang="en-US" altLang="ja-JP" sz="2800" dirty="0"/>
+          </a:p>
+        </p:txBody>
+      </p:sp>
+      <p:sp>
+        <p:nvSpPr>
+          <p:cNvPr id="20" name="コンテンツ プレースホルダー 2"/>
+          <p:cNvSpPr txBox="1">
+            <a:spLocks/>
+          </p:cNvSpPr>
+          <p:nvPr/>
+        </p:nvSpPr>
+        <p:spPr>
+          <a:xfrm>
+            <a:off x="5047735" y="6165304"/>
+            <a:ext cx="4068452" cy="692696"/>
+          </a:xfrm>
+          <a:prstGeom prst="rect">
+            <a:avLst/>
+          </a:prstGeom>
+        </p:spPr>
+        <p:txBody>
+          <a:bodyPr>
+            <a:normAutofit/>
+          </a:bodyPr>
+          <a:lstStyle>
+            <a:lvl1pPr marL="365760" indent="-283464" algn="l" rtl="0" eaLnBrk="1" latinLnBrk="0" hangingPunct="1">
+              <a:lnSpc>
+                <a:spcPct val="100000"/>
+              </a:lnSpc>
+              <a:spcBef>
+                <a:spcPts val="600"/>
+              </a:spcBef>
+              <a:buClr>
+                <a:schemeClr val="accent1"/>
+              </a:buClr>
+              <a:buSzPct val="80000"/>
+              <a:buFont typeface="Wingdings 2"/>
+              <a:buChar char=""/>
+              <a:defRPr kumimoji="1" sz="3200" kern="1200">
+                <a:solidFill>
+                  <a:schemeClr val="tx1"/>
+                </a:solidFill>
+                <a:latin typeface="+mn-lt"/>
+                <a:ea typeface="+mn-ea"/>
+                <a:cs typeface="+mn-cs"/>
+              </a:defRPr>
+            </a:lvl1pPr>
+            <a:lvl2pPr marL="640080" indent="-237744" algn="l" rtl="0" eaLnBrk="1" latinLnBrk="0" hangingPunct="1">
+              <a:lnSpc>
+                <a:spcPct val="100000"/>
+              </a:lnSpc>
+              <a:spcBef>
+                <a:spcPts val="550"/>
+              </a:spcBef>
+              <a:buClr>
+                <a:schemeClr val="accent1"/>
+              </a:buClr>
+              <a:buFont typeface="Verdana"/>
+              <a:buChar char="◦"/>
+              <a:defRPr kumimoji="1" sz="2800" kern="1200">
+                <a:solidFill>
+                  <a:schemeClr val="tx1"/>
+                </a:solidFill>
+                <a:latin typeface="+mn-lt"/>
+                <a:ea typeface="+mn-ea"/>
+                <a:cs typeface="+mn-cs"/>
+              </a:defRPr>
+            </a:lvl2pPr>
+            <a:lvl3pPr marL="886968" indent="-228600" algn="l" rtl="0" eaLnBrk="1" latinLnBrk="0" hangingPunct="1">
+              <a:lnSpc>
+                <a:spcPct val="100000"/>
+              </a:lnSpc>
+              <a:spcBef>
+                <a:spcPct val="20000"/>
+              </a:spcBef>
+              <a:buClr>
+                <a:schemeClr val="accent2"/>
+              </a:buClr>
+              <a:buFont typeface="Wingdings 2"/>
+              <a:buChar char=""/>
+              <a:defRPr kumimoji="1" sz="2400" kern="1200">
+                <a:solidFill>
+                  <a:schemeClr val="tx1"/>
+                </a:solidFill>
+                <a:latin typeface="+mn-lt"/>
+                <a:ea typeface="+mn-ea"/>
+                <a:cs typeface="+mn-cs"/>
+              </a:defRPr>
+            </a:lvl3pPr>
+            <a:lvl4pPr marL="1097280" indent="-173736" algn="l" rtl="0" eaLnBrk="1" latinLnBrk="0" hangingPunct="1">
+              <a:lnSpc>
+                <a:spcPct val="100000"/>
+              </a:lnSpc>
+              <a:spcBef>
+                <a:spcPct val="20000"/>
+              </a:spcBef>
+              <a:buClr>
+                <a:schemeClr val="accent3"/>
+              </a:buClr>
+              <a:buFont typeface="Wingdings 2"/>
+              <a:buChar char=""/>
+              <a:defRPr kumimoji="1" sz="2000" kern="1200">
+                <a:solidFill>
+                  <a:schemeClr val="tx1"/>
+                </a:solidFill>
+                <a:latin typeface="+mn-lt"/>
+                <a:ea typeface="+mn-ea"/>
+                <a:cs typeface="+mn-cs"/>
+              </a:defRPr>
+            </a:lvl4pPr>
+            <a:lvl5pPr marL="1298448" indent="-182880" algn="l" rtl="0" eaLnBrk="1" latinLnBrk="0" hangingPunct="1">
+              <a:lnSpc>
+                <a:spcPct val="100000"/>
+              </a:lnSpc>
+              <a:spcBef>
+                <a:spcPct val="20000"/>
+              </a:spcBef>
+              <a:buClr>
+                <a:schemeClr val="accent4"/>
+              </a:buClr>
+              <a:buFont typeface="Wingdings 2"/>
+              <a:buChar char=""/>
+              <a:defRPr kumimoji="1" sz="2000" kern="1200">
+                <a:solidFill>
+                  <a:schemeClr val="tx1"/>
+                </a:solidFill>
+                <a:latin typeface="+mn-lt"/>
+                <a:ea typeface="+mn-ea"/>
+                <a:cs typeface="+mn-cs"/>
+              </a:defRPr>
+            </a:lvl5pPr>
+            <a:lvl6pPr marL="1508760" indent="-182880" algn="l" rtl="0" eaLnBrk="1" latinLnBrk="0" hangingPunct="1">
+              <a:lnSpc>
+                <a:spcPct val="100000"/>
+              </a:lnSpc>
+              <a:spcBef>
+                <a:spcPct val="20000"/>
+              </a:spcBef>
+              <a:buClr>
+                <a:schemeClr val="accent5"/>
+              </a:buClr>
+              <a:buFont typeface="Wingdings 2"/>
+              <a:buChar char=""/>
+              <a:defRPr kumimoji="1" sz="2000" kern="1200">
+                <a:solidFill>
+                  <a:schemeClr val="tx1"/>
+                </a:solidFill>
+                <a:latin typeface="+mn-lt"/>
+                <a:ea typeface="+mn-ea"/>
+                <a:cs typeface="+mn-cs"/>
+              </a:defRPr>
+            </a:lvl6pPr>
+            <a:lvl7pPr marL="1719072" indent="-182880" algn="l" rtl="0" eaLnBrk="1" latinLnBrk="0" hangingPunct="1">
+              <a:lnSpc>
+                <a:spcPct val="100000"/>
+              </a:lnSpc>
+              <a:spcBef>
+                <a:spcPct val="20000"/>
+              </a:spcBef>
+              <a:buClr>
+                <a:schemeClr val="accent6"/>
+              </a:buClr>
+              <a:buFont typeface="Wingdings 2"/>
+              <a:buChar char=""/>
+              <a:defRPr kumimoji="1" sz="2000" kern="1200">
+                <a:solidFill>
+                  <a:schemeClr val="tx1"/>
+                </a:solidFill>
+                <a:latin typeface="+mn-lt"/>
+                <a:ea typeface="+mn-ea"/>
+                <a:cs typeface="+mn-cs"/>
+              </a:defRPr>
+            </a:lvl7pPr>
+            <a:lvl8pPr marL="1920240" indent="-182880" algn="l" rtl="0" eaLnBrk="1" latinLnBrk="0" hangingPunct="1">
+              <a:lnSpc>
+                <a:spcPct val="100000"/>
+              </a:lnSpc>
+              <a:spcBef>
+                <a:spcPct val="20000"/>
+              </a:spcBef>
+              <a:buClr>
+                <a:schemeClr val="accent6"/>
+              </a:buClr>
+              <a:buFont typeface="Wingdings 2"/>
+              <a:buChar char=""/>
+              <a:defRPr kumimoji="1" sz="2000" kern="1200">
+                <a:solidFill>
+                  <a:schemeClr val="tx1"/>
+                </a:solidFill>
+                <a:latin typeface="+mn-lt"/>
+                <a:ea typeface="+mn-ea"/>
+                <a:cs typeface="+mn-cs"/>
+              </a:defRPr>
+            </a:lvl8pPr>
+            <a:lvl9pPr marL="2130552" indent="-182880" algn="l" rtl="0" eaLnBrk="1" latinLnBrk="0" hangingPunct="1">
+              <a:lnSpc>
+                <a:spcPct val="100000"/>
+              </a:lnSpc>
+              <a:spcBef>
+                <a:spcPct val="20000"/>
+              </a:spcBef>
+              <a:buClr>
+                <a:schemeClr val="accent6"/>
+              </a:buClr>
+              <a:buFont typeface="Wingdings 2"/>
+              <a:buChar char=""/>
+              <a:defRPr kumimoji="1" sz="2000" kern="1200">
+                <a:solidFill>
+                  <a:schemeClr val="tx1"/>
+                </a:solidFill>
+                <a:latin typeface="+mn-lt"/>
+                <a:ea typeface="+mn-ea"/>
+                <a:cs typeface="+mn-cs"/>
+              </a:defRPr>
+            </a:lvl9pPr>
+            <a:extLst/>
+          </a:lstStyle>
+          <a:p>
+            <a:pPr marL="82296" indent="0">
+              <a:buNone/>
+            </a:pPr>
+            <a:r>
+              <a:rPr lang="ja-JP" altLang="en-US" sz="1400" dirty="0" smtClean="0"/>
+              <a:t>・そもそもなんか怖い</a:t>
+            </a:r>
+            <a:endParaRPr lang="en-US" altLang="ja-JP" sz="1400" dirty="0"/>
           </a:p>
         </p:txBody>
       </p:sp>
     </p:spTree>
     <p:extLst>
       <p:ext uri="{BB962C8B-B14F-4D97-AF65-F5344CB8AC3E}">
-        <p14:creationId xmlns:p14="http://schemas.microsoft.com/office/powerpoint/2010/main" val="9406206"/>
+        <p14:creationId xmlns:p14="http://schemas.microsoft.com/office/powerpoint/2010/main" val="241631190"/>
       </p:ext>
     </p:extLst>
   </p:cSld>
@@ -11232,7 +12607,7 @@
           <a:p>
             <a:r>
               <a:rPr kumimoji="1" lang="ja-JP" altLang="en-US" dirty="0" smtClean="0"/>
-              <a:t>やってないけどやりたかった</a:t>
+              <a:t>ホットストリング</a:t>
             </a:r>
             <a:endParaRPr kumimoji="1" lang="ja-JP" altLang="en-US" dirty="0"/>
           </a:p>
@@ -11250,8 +12625,8 @@
         </p:nvSpPr>
         <p:spPr>
           <a:xfrm>
-            <a:off x="1435608" y="1447800"/>
-            <a:ext cx="7498080" cy="5077544"/>
+            <a:off x="899592" y="1447800"/>
+            <a:ext cx="8136904" cy="4069432"/>
           </a:xfrm>
         </p:spPr>
         <p:txBody>
@@ -11260,47 +12635,157 @@
           </a:bodyPr>
           <a:lstStyle/>
           <a:p>
-            <a:r>
-              <a:rPr kumimoji="1" lang="ja-JP" altLang="en-US" dirty="0" smtClean="0"/>
-              <a:t>画像認識ができるらしい</a:t>
-            </a:r>
-            <a:endParaRPr kumimoji="1" lang="en-US" altLang="ja-JP" dirty="0" smtClean="0"/>
-          </a:p>
-          <a:p>
             <a:pPr marL="82296" indent="0">
               <a:buNone/>
             </a:pPr>
+            <a:r>
+              <a:rPr lang="ja-JP" altLang="en-US" dirty="0"/>
+              <a:t>特定の</a:t>
+            </a:r>
+            <a:r>
+              <a:rPr lang="ja-JP" altLang="en-US" dirty="0" smtClean="0"/>
+              <a:t>文字列がタイプされたときにアクションを発生させる。</a:t>
+            </a:r>
             <a:endParaRPr lang="en-US" altLang="ja-JP" dirty="0" smtClean="0"/>
           </a:p>
           <a:p>
+            <a:pPr marL="82296" indent="0">
+              <a:buNone/>
+            </a:pPr>
             <a:r>
               <a:rPr lang="ja-JP" altLang="en-US" dirty="0" smtClean="0"/>
-              <a:t>関数定義もできるので大き目なスクリプトも組めそう</a:t>
+              <a:t>①自動置換型</a:t>
             </a:r>
             <a:endParaRPr lang="en-US" altLang="ja-JP" dirty="0" smtClean="0"/>
           </a:p>
           <a:p>
+            <a:pPr marL="82296" indent="0">
+              <a:buNone/>
+            </a:pPr>
+            <a:r>
+              <a:rPr lang="en-US" altLang="ja-JP" dirty="0" smtClean="0">
+                <a:solidFill>
+                  <a:schemeClr val="accent5">
+                    <a:lumMod val="60000"/>
+                    <a:lumOff val="40000"/>
+                  </a:schemeClr>
+                </a:solidFill>
+              </a:rPr>
+              <a:t>::</a:t>
+            </a:r>
+            <a:r>
+              <a:rPr lang="ja-JP" altLang="en-US" dirty="0" smtClean="0">
+                <a:solidFill>
+                  <a:schemeClr val="accent5">
+                    <a:lumMod val="60000"/>
+                    <a:lumOff val="40000"/>
+                  </a:schemeClr>
+                </a:solidFill>
+              </a:rPr>
+              <a:t>特定文字列</a:t>
+            </a:r>
+            <a:r>
+              <a:rPr lang="en-US" altLang="ja-JP" i="1" dirty="0" smtClean="0">
+                <a:solidFill>
+                  <a:schemeClr val="accent5">
+                    <a:lumMod val="60000"/>
+                    <a:lumOff val="40000"/>
+                  </a:schemeClr>
+                </a:solidFill>
+              </a:rPr>
+              <a:t>::</a:t>
+            </a:r>
+            <a:r>
+              <a:rPr lang="ja-JP" altLang="en-US" i="1" dirty="0" smtClean="0">
+                <a:solidFill>
+                  <a:schemeClr val="accent5">
+                    <a:lumMod val="60000"/>
+                    <a:lumOff val="40000"/>
+                  </a:schemeClr>
+                </a:solidFill>
+              </a:rPr>
+              <a:t>置換後の文字列</a:t>
+            </a:r>
+            <a:endParaRPr lang="en-US" altLang="ja-JP" i="1" dirty="0" smtClean="0">
+              <a:solidFill>
+                <a:schemeClr val="accent5">
+                  <a:lumMod val="60000"/>
+                  <a:lumOff val="40000"/>
+                </a:schemeClr>
+              </a:solidFill>
+            </a:endParaRPr>
+          </a:p>
+          <a:p>
+            <a:pPr marL="82296" indent="0">
+              <a:buNone/>
+            </a:pPr>
             <a:endParaRPr lang="en-US" altLang="ja-JP" dirty="0"/>
           </a:p>
           <a:p>
-            <a:r>
-              <a:rPr lang="ja-JP" altLang="en-US" dirty="0" smtClean="0"/>
-              <a:t>ブラウザゲームで悪さもできます</a:t>
-            </a:r>
-            <a:endParaRPr lang="en-US" altLang="ja-JP" dirty="0"/>
+            <a:pPr marL="82296" indent="0">
+              <a:buNone/>
+            </a:pPr>
+            <a:r>
+              <a:rPr kumimoji="1" lang="ja-JP" altLang="en-US" dirty="0" smtClean="0"/>
+              <a:t>例）</a:t>
+            </a:r>
+            <a:endParaRPr kumimoji="1" lang="en-US" altLang="ja-JP" dirty="0" smtClean="0"/>
+          </a:p>
+          <a:p>
+            <a:pPr marL="82296" indent="0">
+              <a:buNone/>
+            </a:pPr>
+            <a:r>
+              <a:rPr lang="en-US" altLang="ja-JP" dirty="0" smtClean="0"/>
+              <a:t>::</a:t>
+            </a:r>
+            <a:r>
+              <a:rPr lang="en-US" altLang="ja-JP" dirty="0"/>
+              <a:t>main</a:t>
+            </a:r>
+            <a:r>
+              <a:rPr lang="en-US" altLang="ja-JP" dirty="0" smtClean="0"/>
+              <a:t>::public </a:t>
+            </a:r>
+            <a:r>
+              <a:rPr lang="en-US" altLang="ja-JP" dirty="0"/>
+              <a:t>static void main(String[] </a:t>
+            </a:r>
+            <a:r>
+              <a:rPr lang="en-US" altLang="ja-JP" dirty="0" err="1"/>
+              <a:t>args</a:t>
+            </a:r>
+            <a:r>
+              <a:rPr lang="en-US" altLang="ja-JP" dirty="0"/>
+              <a:t>)</a:t>
+            </a:r>
+            <a:endParaRPr kumimoji="1" lang="en-US" altLang="ja-JP" dirty="0" smtClean="0"/>
+          </a:p>
+          <a:p>
+            <a:pPr marL="82296" indent="0">
+              <a:buNone/>
+            </a:pPr>
+            <a:endParaRPr kumimoji="1" lang="en-US" altLang="ja-JP" dirty="0" smtClean="0"/>
           </a:p>
         </p:txBody>
       </p:sp>
     </p:spTree>
     <p:extLst>
       <p:ext uri="{BB962C8B-B14F-4D97-AF65-F5344CB8AC3E}">
-        <p14:creationId xmlns:p14="http://schemas.microsoft.com/office/powerpoint/2010/main" val="1686085276"/>
+        <p14:creationId xmlns:p14="http://schemas.microsoft.com/office/powerpoint/2010/main" val="1751243345"/>
       </p:ext>
     </p:extLst>
   </p:cSld>
   <p:clrMapOvr>
     <a:masterClrMapping/>
   </p:clrMapOvr>
+  <p:timing>
+    <p:tnLst>
+      <p:par>
+        <p:cTn id="1" dur="indefinite" restart="never" nodeType="tmRoot"/>
+      </p:par>
+    </p:tnLst>
+  </p:timing>
 </p:sld>
 </file>
 
@@ -11338,6 +12823,3174 @@
           <a:p>
             <a:r>
               <a:rPr kumimoji="1" lang="ja-JP" altLang="en-US" dirty="0" smtClean="0"/>
+              <a:t>ホットストリング</a:t>
+            </a:r>
+            <a:endParaRPr kumimoji="1" lang="ja-JP" altLang="en-US" dirty="0"/>
+          </a:p>
+        </p:txBody>
+      </p:sp>
+      <p:sp>
+        <p:nvSpPr>
+          <p:cNvPr id="3" name="コンテンツ プレースホルダー 2"/>
+          <p:cNvSpPr>
+            <a:spLocks noGrp="1"/>
+          </p:cNvSpPr>
+          <p:nvPr>
+            <p:ph idx="1"/>
+          </p:nvPr>
+        </p:nvSpPr>
+        <p:spPr>
+          <a:xfrm>
+            <a:off x="899592" y="1447800"/>
+            <a:ext cx="8136904" cy="4069432"/>
+          </a:xfrm>
+        </p:spPr>
+        <p:txBody>
+          <a:bodyPr>
+            <a:normAutofit/>
+          </a:bodyPr>
+          <a:lstStyle/>
+          <a:p>
+            <a:pPr marL="82296" indent="0">
+              <a:buNone/>
+            </a:pPr>
+            <a:r>
+              <a:rPr lang="ja-JP" altLang="en-US" dirty="0"/>
+              <a:t>特定の</a:t>
+            </a:r>
+            <a:r>
+              <a:rPr lang="ja-JP" altLang="en-US" dirty="0" smtClean="0"/>
+              <a:t>文字列がタイプされたときにアクションを発生させる。</a:t>
+            </a:r>
+            <a:endParaRPr lang="en-US" altLang="ja-JP" dirty="0" smtClean="0"/>
+          </a:p>
+          <a:p>
+            <a:pPr marL="82296" indent="0">
+              <a:buNone/>
+            </a:pPr>
+            <a:r>
+              <a:rPr lang="ja-JP" altLang="en-US" dirty="0" smtClean="0"/>
+              <a:t>①自動置換型</a:t>
+            </a:r>
+            <a:endParaRPr lang="en-US" altLang="ja-JP" dirty="0" smtClean="0"/>
+          </a:p>
+          <a:p>
+            <a:pPr marL="82296" indent="0">
+              <a:buNone/>
+            </a:pPr>
+            <a:r>
+              <a:rPr lang="en-US" altLang="ja-JP" dirty="0" smtClean="0">
+                <a:solidFill>
+                  <a:schemeClr val="accent5">
+                    <a:lumMod val="60000"/>
+                    <a:lumOff val="40000"/>
+                  </a:schemeClr>
+                </a:solidFill>
+              </a:rPr>
+              <a:t>::</a:t>
+            </a:r>
+            <a:r>
+              <a:rPr lang="ja-JP" altLang="en-US" dirty="0" smtClean="0">
+                <a:solidFill>
+                  <a:schemeClr val="accent5">
+                    <a:lumMod val="60000"/>
+                    <a:lumOff val="40000"/>
+                  </a:schemeClr>
+                </a:solidFill>
+              </a:rPr>
+              <a:t>特定文字列</a:t>
+            </a:r>
+            <a:r>
+              <a:rPr lang="en-US" altLang="ja-JP" i="1" dirty="0" smtClean="0">
+                <a:solidFill>
+                  <a:schemeClr val="accent5">
+                    <a:lumMod val="60000"/>
+                    <a:lumOff val="40000"/>
+                  </a:schemeClr>
+                </a:solidFill>
+              </a:rPr>
+              <a:t>::</a:t>
+            </a:r>
+            <a:r>
+              <a:rPr lang="ja-JP" altLang="en-US" i="1" dirty="0" smtClean="0">
+                <a:solidFill>
+                  <a:schemeClr val="accent5">
+                    <a:lumMod val="60000"/>
+                    <a:lumOff val="40000"/>
+                  </a:schemeClr>
+                </a:solidFill>
+              </a:rPr>
+              <a:t>置換後の文字列</a:t>
+            </a:r>
+            <a:endParaRPr lang="en-US" altLang="ja-JP" i="1" dirty="0" smtClean="0">
+              <a:solidFill>
+                <a:schemeClr val="accent5">
+                  <a:lumMod val="60000"/>
+                  <a:lumOff val="40000"/>
+                </a:schemeClr>
+              </a:solidFill>
+            </a:endParaRPr>
+          </a:p>
+          <a:p>
+            <a:pPr marL="82296" indent="0">
+              <a:buNone/>
+            </a:pPr>
+            <a:endParaRPr lang="en-US" altLang="ja-JP" dirty="0"/>
+          </a:p>
+          <a:p>
+            <a:pPr marL="82296" indent="0">
+              <a:buNone/>
+            </a:pPr>
+            <a:r>
+              <a:rPr kumimoji="1" lang="ja-JP" altLang="en-US" dirty="0" smtClean="0"/>
+              <a:t>例）</a:t>
+            </a:r>
+            <a:endParaRPr kumimoji="1" lang="en-US" altLang="ja-JP" dirty="0" smtClean="0"/>
+          </a:p>
+          <a:p>
+            <a:pPr marL="82296" indent="0">
+              <a:buNone/>
+            </a:pPr>
+            <a:r>
+              <a:rPr lang="en-US" altLang="ja-JP" dirty="0" smtClean="0"/>
+              <a:t>::</a:t>
+            </a:r>
+            <a:r>
+              <a:rPr lang="en-US" altLang="ja-JP" dirty="0"/>
+              <a:t>main</a:t>
+            </a:r>
+            <a:r>
+              <a:rPr lang="en-US" altLang="ja-JP" dirty="0" smtClean="0"/>
+              <a:t>::public </a:t>
+            </a:r>
+            <a:r>
+              <a:rPr lang="en-US" altLang="ja-JP" dirty="0"/>
+              <a:t>static void main(String[] </a:t>
+            </a:r>
+            <a:r>
+              <a:rPr lang="en-US" altLang="ja-JP" dirty="0" err="1"/>
+              <a:t>args</a:t>
+            </a:r>
+            <a:r>
+              <a:rPr lang="en-US" altLang="ja-JP" dirty="0"/>
+              <a:t>)</a:t>
+            </a:r>
+            <a:endParaRPr kumimoji="1" lang="en-US" altLang="ja-JP" dirty="0" smtClean="0"/>
+          </a:p>
+          <a:p>
+            <a:pPr marL="82296" indent="0">
+              <a:buNone/>
+            </a:pPr>
+            <a:endParaRPr kumimoji="1" lang="en-US" altLang="ja-JP" dirty="0" smtClean="0"/>
+          </a:p>
+        </p:txBody>
+      </p:sp>
+    </p:spTree>
+    <p:extLst>
+      <p:ext uri="{BB962C8B-B14F-4D97-AF65-F5344CB8AC3E}">
+        <p14:creationId xmlns:p14="http://schemas.microsoft.com/office/powerpoint/2010/main" val="1501617186"/>
+      </p:ext>
+    </p:extLst>
+  </p:cSld>
+  <p:clrMapOvr>
+    <a:masterClrMapping/>
+  </p:clrMapOvr>
+  <p:timing>
+    <p:tnLst>
+      <p:par>
+        <p:cTn id="1" dur="indefinite" restart="never" nodeType="tmRoot"/>
+      </p:par>
+    </p:tnLst>
+  </p:timing>
+</p:sld>
+</file>
+
+<file path=ppt/slides/slide17.xml><?xml version="1.0" encoding="utf-8"?>
+<p:sld xmlns:a="http://schemas.openxmlformats.org/drawingml/2006/main" xmlns:r="http://schemas.openxmlformats.org/officeDocument/2006/relationships" xmlns:p="http://schemas.openxmlformats.org/presentationml/2006/main">
+  <p:cSld>
+    <p:spTree>
+      <p:nvGrpSpPr>
+        <p:cNvPr id="1" name=""/>
+        <p:cNvGrpSpPr/>
+        <p:nvPr/>
+      </p:nvGrpSpPr>
+      <p:grpSpPr>
+        <a:xfrm>
+          <a:off x="0" y="0"/>
+          <a:ext cx="0" cy="0"/>
+          <a:chOff x="0" y="0"/>
+          <a:chExt cx="0" cy="0"/>
+        </a:xfrm>
+      </p:grpSpPr>
+      <p:sp>
+        <p:nvSpPr>
+          <p:cNvPr id="2" name="タイトル 1"/>
+          <p:cNvSpPr>
+            <a:spLocks noGrp="1"/>
+          </p:cNvSpPr>
+          <p:nvPr>
+            <p:ph type="title"/>
+          </p:nvPr>
+        </p:nvSpPr>
+        <p:spPr/>
+        <p:txBody>
+          <a:bodyPr/>
+          <a:lstStyle/>
+          <a:p>
+            <a:r>
+              <a:rPr kumimoji="1" lang="ja-JP" altLang="en-US" dirty="0" smtClean="0"/>
+              <a:t>ホットストリング</a:t>
+            </a:r>
+            <a:endParaRPr kumimoji="1" lang="ja-JP" altLang="en-US" dirty="0"/>
+          </a:p>
+        </p:txBody>
+      </p:sp>
+      <p:sp>
+        <p:nvSpPr>
+          <p:cNvPr id="3" name="コンテンツ プレースホルダー 2"/>
+          <p:cNvSpPr>
+            <a:spLocks noGrp="1"/>
+          </p:cNvSpPr>
+          <p:nvPr>
+            <p:ph idx="1"/>
+          </p:nvPr>
+        </p:nvSpPr>
+        <p:spPr>
+          <a:xfrm>
+            <a:off x="899592" y="1447800"/>
+            <a:ext cx="8136904" cy="5149552"/>
+          </a:xfrm>
+        </p:spPr>
+        <p:txBody>
+          <a:bodyPr>
+            <a:normAutofit/>
+          </a:bodyPr>
+          <a:lstStyle/>
+          <a:p>
+            <a:pPr marL="82296" indent="0">
+              <a:buNone/>
+            </a:pPr>
+            <a:r>
+              <a:rPr lang="ja-JP" altLang="en-US" dirty="0" smtClean="0"/>
+              <a:t>②スクリプト実行型</a:t>
+            </a:r>
+            <a:endParaRPr lang="en-US" altLang="ja-JP" dirty="0" smtClean="0"/>
+          </a:p>
+          <a:p>
+            <a:pPr marL="82296" indent="0">
+              <a:buNone/>
+            </a:pPr>
+            <a:r>
+              <a:rPr lang="en-US" altLang="ja-JP" dirty="0" smtClean="0">
+                <a:solidFill>
+                  <a:schemeClr val="accent5">
+                    <a:lumMod val="60000"/>
+                    <a:lumOff val="40000"/>
+                  </a:schemeClr>
+                </a:solidFill>
+              </a:rPr>
+              <a:t>::</a:t>
+            </a:r>
+            <a:r>
+              <a:rPr lang="ja-JP" altLang="en-US" dirty="0" smtClean="0">
+                <a:solidFill>
+                  <a:schemeClr val="accent5">
+                    <a:lumMod val="60000"/>
+                    <a:lumOff val="40000"/>
+                  </a:schemeClr>
+                </a:solidFill>
+              </a:rPr>
+              <a:t>特定文字列</a:t>
+            </a:r>
+            <a:r>
+              <a:rPr lang="en-US" altLang="ja-JP" i="1" dirty="0" smtClean="0">
+                <a:solidFill>
+                  <a:schemeClr val="accent5">
+                    <a:lumMod val="60000"/>
+                    <a:lumOff val="40000"/>
+                  </a:schemeClr>
+                </a:solidFill>
+              </a:rPr>
+              <a:t>::</a:t>
+            </a:r>
+          </a:p>
+          <a:p>
+            <a:pPr marL="82296" indent="0">
+              <a:buNone/>
+            </a:pPr>
+            <a:r>
+              <a:rPr lang="ja-JP" altLang="en-US" i="1" dirty="0" smtClean="0">
+                <a:solidFill>
+                  <a:schemeClr val="accent5">
+                    <a:lumMod val="60000"/>
+                    <a:lumOff val="40000"/>
+                  </a:schemeClr>
+                </a:solidFill>
+              </a:rPr>
+              <a:t>処理</a:t>
+            </a:r>
+            <a:endParaRPr lang="en-US" altLang="ja-JP" i="1" dirty="0" smtClean="0">
+              <a:solidFill>
+                <a:schemeClr val="accent5">
+                  <a:lumMod val="60000"/>
+                  <a:lumOff val="40000"/>
+                </a:schemeClr>
+              </a:solidFill>
+            </a:endParaRPr>
+          </a:p>
+          <a:p>
+            <a:pPr marL="82296" indent="0">
+              <a:buNone/>
+            </a:pPr>
+            <a:r>
+              <a:rPr lang="en-US" altLang="ja-JP" i="1" dirty="0" smtClean="0">
+                <a:solidFill>
+                  <a:schemeClr val="accent5">
+                    <a:lumMod val="60000"/>
+                    <a:lumOff val="40000"/>
+                  </a:schemeClr>
+                </a:solidFill>
+              </a:rPr>
+              <a:t>return</a:t>
+            </a:r>
+          </a:p>
+          <a:p>
+            <a:pPr marL="82296" indent="0">
+              <a:buNone/>
+            </a:pPr>
+            <a:endParaRPr lang="en-US" altLang="ja-JP" dirty="0"/>
+          </a:p>
+          <a:p>
+            <a:pPr marL="82296" indent="0">
+              <a:buNone/>
+            </a:pPr>
+            <a:r>
+              <a:rPr kumimoji="1" lang="ja-JP" altLang="en-US" dirty="0" smtClean="0"/>
+              <a:t>例）</a:t>
+            </a:r>
+            <a:endParaRPr kumimoji="1" lang="en-US" altLang="ja-JP" dirty="0" smtClean="0"/>
+          </a:p>
+          <a:p>
+            <a:pPr marL="82296" indent="0">
+              <a:buNone/>
+            </a:pPr>
+            <a:r>
+              <a:rPr lang="en-US" altLang="ja-JP" dirty="0" smtClean="0"/>
+              <a:t>::memo::</a:t>
+            </a:r>
+          </a:p>
+          <a:p>
+            <a:pPr marL="82296" indent="0">
+              <a:buNone/>
+            </a:pPr>
+            <a:r>
+              <a:rPr lang="en-US" altLang="ja-JP" dirty="0"/>
+              <a:t> </a:t>
+            </a:r>
+            <a:r>
+              <a:rPr lang="en-US" altLang="ja-JP" dirty="0" smtClean="0"/>
+              <a:t> Run,notepad.exe</a:t>
+            </a:r>
+          </a:p>
+          <a:p>
+            <a:pPr marL="82296" indent="0">
+              <a:buNone/>
+            </a:pPr>
+            <a:r>
+              <a:rPr kumimoji="1" lang="en-US" altLang="ja-JP" dirty="0"/>
+              <a:t> </a:t>
+            </a:r>
+            <a:r>
+              <a:rPr kumimoji="1" lang="en-US" altLang="ja-JP" dirty="0" smtClean="0"/>
+              <a:t> return</a:t>
+            </a:r>
+          </a:p>
+          <a:p>
+            <a:pPr marL="82296" indent="0">
+              <a:buNone/>
+            </a:pPr>
+            <a:endParaRPr kumimoji="1" lang="en-US" altLang="ja-JP" dirty="0" smtClean="0"/>
+          </a:p>
+        </p:txBody>
+      </p:sp>
+    </p:spTree>
+    <p:extLst>
+      <p:ext uri="{BB962C8B-B14F-4D97-AF65-F5344CB8AC3E}">
+        <p14:creationId xmlns:p14="http://schemas.microsoft.com/office/powerpoint/2010/main" val="1335860216"/>
+      </p:ext>
+    </p:extLst>
+  </p:cSld>
+  <p:clrMapOvr>
+    <a:masterClrMapping/>
+  </p:clrMapOvr>
+  <p:timing>
+    <p:tnLst>
+      <p:par>
+        <p:cTn id="1" dur="indefinite" restart="never" nodeType="tmRoot"/>
+      </p:par>
+    </p:tnLst>
+  </p:timing>
+</p:sld>
+</file>
+
+<file path=ppt/slides/slide18.xml><?xml version="1.0" encoding="utf-8"?>
+<p:sld xmlns:a="http://schemas.openxmlformats.org/drawingml/2006/main" xmlns:r="http://schemas.openxmlformats.org/officeDocument/2006/relationships" xmlns:p="http://schemas.openxmlformats.org/presentationml/2006/main">
+  <p:cSld>
+    <p:spTree>
+      <p:nvGrpSpPr>
+        <p:cNvPr id="1" name=""/>
+        <p:cNvGrpSpPr/>
+        <p:nvPr/>
+      </p:nvGrpSpPr>
+      <p:grpSpPr>
+        <a:xfrm>
+          <a:off x="0" y="0"/>
+          <a:ext cx="0" cy="0"/>
+          <a:chOff x="0" y="0"/>
+          <a:chExt cx="0" cy="0"/>
+        </a:xfrm>
+      </p:grpSpPr>
+      <p:sp>
+        <p:nvSpPr>
+          <p:cNvPr id="2" name="タイトル 1"/>
+          <p:cNvSpPr>
+            <a:spLocks noGrp="1"/>
+          </p:cNvSpPr>
+          <p:nvPr>
+            <p:ph type="title"/>
+          </p:nvPr>
+        </p:nvSpPr>
+        <p:spPr/>
+        <p:txBody>
+          <a:bodyPr/>
+          <a:lstStyle/>
+          <a:p>
+            <a:r>
+              <a:rPr kumimoji="1" lang="ja-JP" altLang="en-US" dirty="0" smtClean="0"/>
+              <a:t>ホットストリング</a:t>
+            </a:r>
+            <a:endParaRPr kumimoji="1" lang="ja-JP" altLang="en-US" dirty="0"/>
+          </a:p>
+        </p:txBody>
+      </p:sp>
+      <p:sp>
+        <p:nvSpPr>
+          <p:cNvPr id="3" name="コンテンツ プレースホルダー 2"/>
+          <p:cNvSpPr>
+            <a:spLocks noGrp="1"/>
+          </p:cNvSpPr>
+          <p:nvPr>
+            <p:ph idx="1"/>
+          </p:nvPr>
+        </p:nvSpPr>
+        <p:spPr>
+          <a:xfrm>
+            <a:off x="899592" y="1628800"/>
+            <a:ext cx="8136904" cy="4968552"/>
+          </a:xfrm>
+        </p:spPr>
+        <p:txBody>
+          <a:bodyPr>
+            <a:normAutofit/>
+          </a:bodyPr>
+          <a:lstStyle/>
+          <a:p>
+            <a:pPr marL="82296" indent="0" algn="ctr">
+              <a:buNone/>
+            </a:pPr>
+            <a:r>
+              <a:rPr kumimoji="1" lang="ja-JP" altLang="en-US" dirty="0" smtClean="0"/>
+              <a:t>リッチなＩＤＥのない言語で</a:t>
+            </a:r>
+            <a:endParaRPr kumimoji="1" lang="en-US" altLang="ja-JP" dirty="0" smtClean="0"/>
+          </a:p>
+          <a:p>
+            <a:pPr marL="82296" indent="0" algn="ctr">
+              <a:buNone/>
+            </a:pPr>
+            <a:r>
+              <a:rPr kumimoji="1" lang="ja-JP" altLang="en-US" dirty="0" smtClean="0"/>
+              <a:t>開発するときなど</a:t>
+            </a:r>
+            <a:endParaRPr kumimoji="1" lang="en-US" altLang="ja-JP" dirty="0" smtClean="0"/>
+          </a:p>
+          <a:p>
+            <a:pPr marL="82296" indent="0" algn="ctr">
+              <a:buNone/>
+            </a:pPr>
+            <a:r>
+              <a:rPr kumimoji="1" lang="ja-JP" altLang="en-US" dirty="0" smtClean="0"/>
+              <a:t>かなり便利っぽい！</a:t>
+            </a:r>
+            <a:endParaRPr kumimoji="1" lang="en-US" altLang="ja-JP" dirty="0" smtClean="0"/>
+          </a:p>
+          <a:p>
+            <a:pPr marL="82296" indent="0" algn="ctr">
+              <a:buNone/>
+            </a:pPr>
+            <a:endParaRPr lang="en-US" altLang="ja-JP" dirty="0"/>
+          </a:p>
+          <a:p>
+            <a:pPr marL="82296" indent="0" algn="ctr">
+              <a:buNone/>
+            </a:pPr>
+            <a:r>
+              <a:rPr kumimoji="1" lang="ja-JP" altLang="en-US" dirty="0" smtClean="0"/>
+              <a:t>ガッツリ設定すれば</a:t>
+            </a:r>
+            <a:endParaRPr kumimoji="1" lang="en-US" altLang="ja-JP" dirty="0" smtClean="0"/>
+          </a:p>
+          <a:p>
+            <a:pPr marL="82296" indent="0" algn="ctr">
+              <a:buNone/>
+            </a:pPr>
+            <a:r>
+              <a:rPr kumimoji="1" lang="ja-JP" altLang="en-US" dirty="0" smtClean="0"/>
+              <a:t>完全にマウス離れできそう・・・</a:t>
+            </a:r>
+            <a:endParaRPr kumimoji="1" lang="en-US" altLang="ja-JP" dirty="0" smtClean="0"/>
+          </a:p>
+        </p:txBody>
+      </p:sp>
+    </p:spTree>
+    <p:extLst>
+      <p:ext uri="{BB962C8B-B14F-4D97-AF65-F5344CB8AC3E}">
+        <p14:creationId xmlns:p14="http://schemas.microsoft.com/office/powerpoint/2010/main" val="2552240229"/>
+      </p:ext>
+    </p:extLst>
+  </p:cSld>
+  <p:clrMapOvr>
+    <a:masterClrMapping/>
+  </p:clrMapOvr>
+  <p:timing>
+    <p:tnLst>
+      <p:par>
+        <p:cTn id="1" dur="indefinite" restart="never" nodeType="tmRoot"/>
+      </p:par>
+    </p:tnLst>
+  </p:timing>
+</p:sld>
+</file>
+
+<file path=ppt/slides/slide19.xml><?xml version="1.0" encoding="utf-8"?>
+<p:sld xmlns:a="http://schemas.openxmlformats.org/drawingml/2006/main" xmlns:r="http://schemas.openxmlformats.org/officeDocument/2006/relationships" xmlns:p="http://schemas.openxmlformats.org/presentationml/2006/main">
+  <p:cSld>
+    <p:spTree>
+      <p:nvGrpSpPr>
+        <p:cNvPr id="1" name=""/>
+        <p:cNvGrpSpPr/>
+        <p:nvPr/>
+      </p:nvGrpSpPr>
+      <p:grpSpPr>
+        <a:xfrm>
+          <a:off x="0" y="0"/>
+          <a:ext cx="0" cy="0"/>
+          <a:chOff x="0" y="0"/>
+          <a:chExt cx="0" cy="0"/>
+        </a:xfrm>
+      </p:grpSpPr>
+      <p:sp>
+        <p:nvSpPr>
+          <p:cNvPr id="2" name="タイトル 1"/>
+          <p:cNvSpPr>
+            <a:spLocks noGrp="1"/>
+          </p:cNvSpPr>
+          <p:nvPr>
+            <p:ph type="title"/>
+          </p:nvPr>
+        </p:nvSpPr>
+        <p:spPr/>
+        <p:txBody>
+          <a:bodyPr>
+            <a:normAutofit/>
+          </a:bodyPr>
+          <a:lstStyle/>
+          <a:p>
+            <a:r>
+              <a:rPr kumimoji="1" lang="ja-JP" altLang="en-US" dirty="0" smtClean="0"/>
+              <a:t>便利なコマンドなど</a:t>
+            </a:r>
+            <a:endParaRPr kumimoji="1" lang="ja-JP" altLang="en-US" dirty="0"/>
+          </a:p>
+        </p:txBody>
+      </p:sp>
+      <p:sp>
+        <p:nvSpPr>
+          <p:cNvPr id="3" name="コンテンツ プレースホルダー 2"/>
+          <p:cNvSpPr>
+            <a:spLocks noGrp="1"/>
+          </p:cNvSpPr>
+          <p:nvPr>
+            <p:ph idx="1"/>
+          </p:nvPr>
+        </p:nvSpPr>
+        <p:spPr>
+          <a:xfrm>
+            <a:off x="899592" y="1447800"/>
+            <a:ext cx="8136904" cy="4800600"/>
+          </a:xfrm>
+        </p:spPr>
+        <p:txBody>
+          <a:bodyPr>
+            <a:normAutofit/>
+          </a:bodyPr>
+          <a:lstStyle/>
+          <a:p>
+            <a:pPr marL="82296" indent="0">
+              <a:buNone/>
+            </a:pPr>
+            <a:r>
+              <a:rPr kumimoji="1" lang="ja-JP" altLang="en-US" dirty="0" smtClean="0"/>
+              <a:t>・</a:t>
+            </a:r>
+            <a:r>
+              <a:rPr kumimoji="1" lang="en-US" altLang="ja-JP" dirty="0" smtClean="0"/>
+              <a:t>#</a:t>
+            </a:r>
+            <a:r>
+              <a:rPr kumimoji="1" lang="en-US" altLang="ja-JP" dirty="0" err="1" smtClean="0"/>
+              <a:t>IfWinActive</a:t>
+            </a:r>
+            <a:endParaRPr kumimoji="1" lang="en-US" altLang="ja-JP" dirty="0" smtClean="0"/>
+          </a:p>
+          <a:p>
+            <a:pPr marL="82296" indent="0">
+              <a:buNone/>
+            </a:pPr>
+            <a:r>
+              <a:rPr lang="ja-JP" altLang="en-US" dirty="0"/>
+              <a:t>ホットキーを特定のウィンドウの</a:t>
+            </a:r>
+            <a:r>
+              <a:rPr lang="ja-JP" altLang="en-US" dirty="0" smtClean="0"/>
+              <a:t>アクティブ時</a:t>
+            </a:r>
+            <a:r>
+              <a:rPr lang="ja-JP" altLang="en-US" dirty="0"/>
+              <a:t>のみ有効になるように</a:t>
+            </a:r>
+            <a:r>
+              <a:rPr lang="ja-JP" altLang="en-US" dirty="0" smtClean="0"/>
+              <a:t>設定できる</a:t>
+            </a:r>
+            <a:endParaRPr lang="en-US" altLang="ja-JP" dirty="0" smtClean="0"/>
+          </a:p>
+          <a:p>
+            <a:pPr marL="82296" indent="0">
+              <a:buNone/>
+            </a:pPr>
+            <a:endParaRPr kumimoji="1" lang="en-US" altLang="ja-JP" dirty="0" smtClean="0"/>
+          </a:p>
+          <a:p>
+            <a:pPr marL="82296" indent="0">
+              <a:buNone/>
+            </a:pPr>
+            <a:r>
+              <a:rPr lang="ja-JP" altLang="en-US" dirty="0" smtClean="0"/>
+              <a:t>例）</a:t>
+            </a:r>
+            <a:endParaRPr kumimoji="1" lang="en-US" altLang="ja-JP" dirty="0"/>
+          </a:p>
+          <a:p>
+            <a:pPr marL="82296" indent="0">
+              <a:buNone/>
+            </a:pPr>
+            <a:r>
+              <a:rPr lang="en-US" altLang="ja-JP" dirty="0"/>
+              <a:t>#</a:t>
+            </a:r>
+            <a:r>
+              <a:rPr lang="en-US" altLang="ja-JP" dirty="0" err="1"/>
+              <a:t>IfWinActive</a:t>
+            </a:r>
+            <a:r>
+              <a:rPr lang="en-US" altLang="ja-JP" dirty="0"/>
+              <a:t> </a:t>
+            </a:r>
+            <a:r>
+              <a:rPr lang="ja-JP" altLang="en-US" dirty="0"/>
+              <a:t>無題 </a:t>
+            </a:r>
+            <a:r>
+              <a:rPr lang="en-US" altLang="ja-JP" dirty="0"/>
+              <a:t>- </a:t>
+            </a:r>
+            <a:r>
+              <a:rPr lang="ja-JP" altLang="en-US" dirty="0"/>
+              <a:t>メモ帳</a:t>
+            </a:r>
+          </a:p>
+          <a:p>
+            <a:pPr marL="82296" indent="0">
+              <a:buNone/>
+            </a:pPr>
+            <a:r>
+              <a:rPr lang="ja-JP" altLang="en-US" dirty="0"/>
+              <a:t>  </a:t>
+            </a:r>
+            <a:r>
+              <a:rPr lang="en-US" altLang="ja-JP" dirty="0"/>
+              <a:t>~</a:t>
+            </a:r>
+            <a:r>
+              <a:rPr lang="en-US" altLang="ja-JP" dirty="0" err="1"/>
+              <a:t>LButton</a:t>
+            </a:r>
+            <a:r>
+              <a:rPr lang="en-US" altLang="ja-JP" dirty="0"/>
+              <a:t>::</a:t>
+            </a:r>
+          </a:p>
+          <a:p>
+            <a:pPr marL="82296" indent="0">
+              <a:buNone/>
+            </a:pPr>
+            <a:r>
+              <a:rPr lang="en-US" altLang="ja-JP" dirty="0"/>
+              <a:t>    </a:t>
+            </a:r>
+            <a:r>
+              <a:rPr lang="en-US" altLang="ja-JP" dirty="0" err="1"/>
+              <a:t>msgbox</a:t>
+            </a:r>
+            <a:r>
+              <a:rPr lang="en-US" altLang="ja-JP" dirty="0"/>
+              <a:t>,</a:t>
+            </a:r>
+            <a:r>
+              <a:rPr lang="ja-JP" altLang="en-US" dirty="0"/>
+              <a:t>メモ帳です</a:t>
+            </a:r>
+          </a:p>
+          <a:p>
+            <a:pPr marL="82296" indent="0">
+              <a:buNone/>
+            </a:pPr>
+            <a:endParaRPr kumimoji="1" lang="en-US" altLang="ja-JP" dirty="0" smtClean="0"/>
+          </a:p>
+        </p:txBody>
+      </p:sp>
+    </p:spTree>
+    <p:extLst>
+      <p:ext uri="{BB962C8B-B14F-4D97-AF65-F5344CB8AC3E}">
+        <p14:creationId xmlns:p14="http://schemas.microsoft.com/office/powerpoint/2010/main" val="9406206"/>
+      </p:ext>
+    </p:extLst>
+  </p:cSld>
+  <p:clrMapOvr>
+    <a:masterClrMapping/>
+  </p:clrMapOvr>
+  <p:timing>
+    <p:tnLst>
+      <p:par>
+        <p:cTn id="1" dur="indefinite" restart="never" nodeType="tmRoot"/>
+      </p:par>
+    </p:tnLst>
+  </p:timing>
+</p:sld>
+</file>
+
+<file path=ppt/slides/slide2.xml><?xml version="1.0" encoding="utf-8"?>
+<p:sld xmlns:a="http://schemas.openxmlformats.org/drawingml/2006/main" xmlns:r="http://schemas.openxmlformats.org/officeDocument/2006/relationships" xmlns:p="http://schemas.openxmlformats.org/presentationml/2006/main">
+  <p:cSld>
+    <p:spTree>
+      <p:nvGrpSpPr>
+        <p:cNvPr id="1" name=""/>
+        <p:cNvGrpSpPr/>
+        <p:nvPr/>
+      </p:nvGrpSpPr>
+      <p:grpSpPr>
+        <a:xfrm>
+          <a:off x="0" y="0"/>
+          <a:ext cx="0" cy="0"/>
+          <a:chOff x="0" y="0"/>
+          <a:chExt cx="0" cy="0"/>
+        </a:xfrm>
+      </p:grpSpPr>
+      <p:sp>
+        <p:nvSpPr>
+          <p:cNvPr id="2" name="タイトル 1"/>
+          <p:cNvSpPr>
+            <a:spLocks noGrp="1"/>
+          </p:cNvSpPr>
+          <p:nvPr>
+            <p:ph type="title"/>
+          </p:nvPr>
+        </p:nvSpPr>
+        <p:spPr/>
+        <p:txBody>
+          <a:bodyPr/>
+          <a:lstStyle/>
+          <a:p>
+            <a:r>
+              <a:rPr kumimoji="1" lang="en-US" altLang="ja-JP" dirty="0" err="1" smtClean="0"/>
+              <a:t>AutoHotkey</a:t>
+            </a:r>
+            <a:r>
+              <a:rPr kumimoji="1" lang="ja-JP" altLang="en-US" dirty="0" smtClean="0"/>
+              <a:t>とは？</a:t>
+            </a:r>
+            <a:endParaRPr kumimoji="1" lang="ja-JP" altLang="en-US" dirty="0"/>
+          </a:p>
+        </p:txBody>
+      </p:sp>
+      <p:sp>
+        <p:nvSpPr>
+          <p:cNvPr id="3" name="コンテンツ プレースホルダー 2"/>
+          <p:cNvSpPr>
+            <a:spLocks noGrp="1"/>
+          </p:cNvSpPr>
+          <p:nvPr>
+            <p:ph idx="1"/>
+          </p:nvPr>
+        </p:nvSpPr>
+        <p:spPr>
+          <a:xfrm>
+            <a:off x="1115616" y="1124744"/>
+            <a:ext cx="7818072" cy="5544616"/>
+          </a:xfrm>
+        </p:spPr>
+        <p:txBody>
+          <a:bodyPr>
+            <a:normAutofit/>
+          </a:bodyPr>
+          <a:lstStyle/>
+          <a:p>
+            <a:pPr marL="82296" indent="0">
+              <a:buNone/>
+            </a:pPr>
+            <a:r>
+              <a:rPr lang="ja-JP" altLang="en-US" dirty="0"/>
+              <a:t>ホットキーへの機能の割り当て</a:t>
+            </a:r>
+            <a:r>
+              <a:rPr lang="ja-JP" altLang="en-US" dirty="0" smtClean="0"/>
+              <a:t>など、</a:t>
+            </a:r>
+            <a:endParaRPr lang="en-US" altLang="ja-JP" dirty="0" smtClean="0"/>
+          </a:p>
+          <a:p>
+            <a:pPr marL="82296" indent="0">
+              <a:buNone/>
+            </a:pPr>
+            <a:r>
+              <a:rPr lang="ja-JP" altLang="en-US" dirty="0" smtClean="0"/>
+              <a:t>常駐</a:t>
+            </a:r>
+            <a:r>
+              <a:rPr lang="ja-JP" altLang="en-US" dirty="0"/>
+              <a:t>ソフトの作成に特化した</a:t>
+            </a:r>
+            <a:r>
+              <a:rPr lang="ja-JP" altLang="en-US" dirty="0" smtClean="0"/>
+              <a:t>スクリプトエンジン（</a:t>
+            </a:r>
+            <a:r>
+              <a:rPr lang="en-US" altLang="ja-JP" dirty="0" smtClean="0"/>
+              <a:t>wiki</a:t>
+            </a:r>
+            <a:r>
+              <a:rPr lang="ja-JP" altLang="en-US" dirty="0" smtClean="0"/>
+              <a:t>より</a:t>
+            </a:r>
+            <a:r>
+              <a:rPr lang="ja-JP" altLang="en-US" dirty="0"/>
+              <a:t>）</a:t>
+            </a:r>
+            <a:endParaRPr lang="en-US" altLang="ja-JP" dirty="0" smtClean="0"/>
+          </a:p>
+          <a:p>
+            <a:pPr marL="82296" indent="0">
+              <a:buNone/>
+            </a:pPr>
+            <a:endParaRPr lang="en-US" altLang="ja-JP" dirty="0" smtClean="0"/>
+          </a:p>
+          <a:p>
+            <a:pPr marL="82296" indent="0">
+              <a:buNone/>
+            </a:pPr>
+            <a:r>
+              <a:rPr lang="ja-JP" altLang="en-US" dirty="0" smtClean="0"/>
+              <a:t>公式ページ（英語）</a:t>
+            </a:r>
+            <a:endParaRPr lang="en-US" altLang="ja-JP" dirty="0"/>
+          </a:p>
+          <a:p>
+            <a:pPr marL="82296" indent="0">
+              <a:buNone/>
+            </a:pPr>
+            <a:r>
+              <a:rPr lang="en-US" altLang="ja-JP" dirty="0">
+                <a:hlinkClick r:id="rId2"/>
+              </a:rPr>
+              <a:t>http://</a:t>
+            </a:r>
+            <a:r>
+              <a:rPr lang="en-US" altLang="ja-JP" dirty="0" smtClean="0">
+                <a:hlinkClick r:id="rId2"/>
+              </a:rPr>
+              <a:t>ahkscript.org/</a:t>
+            </a:r>
+            <a:endParaRPr lang="en-US" altLang="ja-JP" dirty="0" smtClean="0"/>
+          </a:p>
+          <a:p>
+            <a:pPr marL="82296" indent="0">
+              <a:buNone/>
+            </a:pPr>
+            <a:endParaRPr lang="en-US" altLang="ja-JP" dirty="0"/>
+          </a:p>
+          <a:p>
+            <a:pPr marL="82296" indent="0">
+              <a:buNone/>
+            </a:pPr>
+            <a:r>
+              <a:rPr lang="en-US" altLang="ja-JP" dirty="0" smtClean="0"/>
+              <a:t>Wiki</a:t>
+            </a:r>
+          </a:p>
+          <a:p>
+            <a:pPr marL="82296" indent="0">
+              <a:buNone/>
+            </a:pPr>
+            <a:r>
+              <a:rPr lang="en-US" altLang="ja-JP" dirty="0">
+                <a:hlinkClick r:id="rId3"/>
+              </a:rPr>
+              <a:t>http://</a:t>
+            </a:r>
+            <a:r>
+              <a:rPr lang="en-US" altLang="ja-JP" dirty="0" smtClean="0">
+                <a:hlinkClick r:id="rId3"/>
+              </a:rPr>
+              <a:t>ahkwiki.net/Top</a:t>
+            </a:r>
+            <a:endParaRPr lang="en-US" altLang="ja-JP" dirty="0"/>
+          </a:p>
+        </p:txBody>
+      </p:sp>
+    </p:spTree>
+    <p:extLst>
+      <p:ext uri="{BB962C8B-B14F-4D97-AF65-F5344CB8AC3E}">
+        <p14:creationId xmlns:p14="http://schemas.microsoft.com/office/powerpoint/2010/main" val="2486749052"/>
+      </p:ext>
+    </p:extLst>
+  </p:cSld>
+  <p:clrMapOvr>
+    <a:masterClrMapping/>
+  </p:clrMapOvr>
+  <p:timing>
+    <p:tnLst>
+      <p:par>
+        <p:cTn id="1" dur="indefinite" restart="never" nodeType="tmRoot"/>
+      </p:par>
+    </p:tnLst>
+  </p:timing>
+</p:sld>
+</file>
+
+<file path=ppt/slides/slide20.xml><?xml version="1.0" encoding="utf-8"?>
+<p:sld xmlns:a="http://schemas.openxmlformats.org/drawingml/2006/main" xmlns:r="http://schemas.openxmlformats.org/officeDocument/2006/relationships" xmlns:p="http://schemas.openxmlformats.org/presentationml/2006/main">
+  <p:cSld>
+    <p:spTree>
+      <p:nvGrpSpPr>
+        <p:cNvPr id="1" name=""/>
+        <p:cNvGrpSpPr/>
+        <p:nvPr/>
+      </p:nvGrpSpPr>
+      <p:grpSpPr>
+        <a:xfrm>
+          <a:off x="0" y="0"/>
+          <a:ext cx="0" cy="0"/>
+          <a:chOff x="0" y="0"/>
+          <a:chExt cx="0" cy="0"/>
+        </a:xfrm>
+      </p:grpSpPr>
+      <p:sp>
+        <p:nvSpPr>
+          <p:cNvPr id="2" name="タイトル 1"/>
+          <p:cNvSpPr>
+            <a:spLocks noGrp="1"/>
+          </p:cNvSpPr>
+          <p:nvPr>
+            <p:ph type="title"/>
+          </p:nvPr>
+        </p:nvSpPr>
+        <p:spPr/>
+        <p:txBody>
+          <a:bodyPr>
+            <a:normAutofit/>
+          </a:bodyPr>
+          <a:lstStyle/>
+          <a:p>
+            <a:r>
+              <a:rPr kumimoji="1" lang="ja-JP" altLang="en-US" dirty="0" smtClean="0"/>
+              <a:t>便利な機能など</a:t>
+            </a:r>
+            <a:endParaRPr kumimoji="1" lang="ja-JP" altLang="en-US" dirty="0"/>
+          </a:p>
+        </p:txBody>
+      </p:sp>
+      <p:sp>
+        <p:nvSpPr>
+          <p:cNvPr id="3" name="コンテンツ プレースホルダー 2"/>
+          <p:cNvSpPr>
+            <a:spLocks noGrp="1"/>
+          </p:cNvSpPr>
+          <p:nvPr>
+            <p:ph idx="1"/>
+          </p:nvPr>
+        </p:nvSpPr>
+        <p:spPr>
+          <a:xfrm>
+            <a:off x="899592" y="1447800"/>
+            <a:ext cx="8136904" cy="4800600"/>
+          </a:xfrm>
+        </p:spPr>
+        <p:txBody>
+          <a:bodyPr>
+            <a:normAutofit/>
+          </a:bodyPr>
+          <a:lstStyle/>
+          <a:p>
+            <a:pPr marL="82296" indent="0">
+              <a:buNone/>
+            </a:pPr>
+            <a:r>
+              <a:rPr kumimoji="1" lang="ja-JP" altLang="en-US" dirty="0" smtClean="0"/>
+              <a:t>・</a:t>
+            </a:r>
+            <a:r>
+              <a:rPr kumimoji="1" lang="en-US" altLang="ja-JP" dirty="0" smtClean="0"/>
+              <a:t>AU3_Spy.exe</a:t>
+            </a:r>
+          </a:p>
+          <a:p>
+            <a:pPr marL="82296" indent="0">
+              <a:buNone/>
+            </a:pPr>
+            <a:r>
+              <a:rPr lang="en-US" altLang="ja-JP" dirty="0" err="1" smtClean="0"/>
+              <a:t>AutoHotkey</a:t>
+            </a:r>
+            <a:r>
+              <a:rPr lang="ja-JP" altLang="en-US" dirty="0" smtClean="0"/>
+              <a:t>同梱のソフト</a:t>
+            </a:r>
+            <a:endParaRPr lang="en-US" altLang="ja-JP" dirty="0" smtClean="0"/>
+          </a:p>
+          <a:p>
+            <a:pPr marL="82296" indent="0">
+              <a:buNone/>
+            </a:pPr>
+            <a:endParaRPr kumimoji="1" lang="en-US" altLang="ja-JP" dirty="0" smtClean="0"/>
+          </a:p>
+          <a:p>
+            <a:pPr marL="82296" indent="0">
+              <a:buNone/>
+            </a:pPr>
+            <a:r>
+              <a:rPr lang="ja-JP" altLang="en-US" dirty="0" smtClean="0"/>
+              <a:t>ウィンドウ名、</a:t>
+            </a:r>
+            <a:r>
+              <a:rPr lang="en-US" altLang="ja-JP" dirty="0" err="1" smtClean="0"/>
+              <a:t>AutoHotkey</a:t>
+            </a:r>
+            <a:r>
+              <a:rPr lang="ja-JP" altLang="en-US" dirty="0" smtClean="0"/>
+              <a:t>で使う際の</a:t>
+            </a:r>
+            <a:endParaRPr lang="en-US" altLang="ja-JP" dirty="0" smtClean="0"/>
+          </a:p>
+          <a:p>
+            <a:pPr marL="82296" indent="0">
+              <a:buNone/>
+            </a:pPr>
+            <a:r>
+              <a:rPr lang="ja-JP" altLang="en-US" dirty="0" smtClean="0"/>
+              <a:t>クラス名とかが取得できて便利。</a:t>
+            </a:r>
+            <a:endParaRPr kumimoji="1" lang="en-US" altLang="ja-JP" dirty="0" smtClean="0"/>
+          </a:p>
+        </p:txBody>
+      </p:sp>
+    </p:spTree>
+    <p:extLst>
+      <p:ext uri="{BB962C8B-B14F-4D97-AF65-F5344CB8AC3E}">
+        <p14:creationId xmlns:p14="http://schemas.microsoft.com/office/powerpoint/2010/main" val="1477399027"/>
+      </p:ext>
+    </p:extLst>
+  </p:cSld>
+  <p:clrMapOvr>
+    <a:masterClrMapping/>
+  </p:clrMapOvr>
+  <p:timing>
+    <p:tnLst>
+      <p:par>
+        <p:cTn id="1" dur="indefinite" restart="never" nodeType="tmRoot"/>
+      </p:par>
+    </p:tnLst>
+  </p:timing>
+</p:sld>
+</file>
+
+<file path=ppt/slides/slide21.xml><?xml version="1.0" encoding="utf-8"?>
+<p:sld xmlns:a="http://schemas.openxmlformats.org/drawingml/2006/main" xmlns:r="http://schemas.openxmlformats.org/officeDocument/2006/relationships" xmlns:p="http://schemas.openxmlformats.org/presentationml/2006/main">
+  <p:cSld>
+    <p:spTree>
+      <p:nvGrpSpPr>
+        <p:cNvPr id="1" name=""/>
+        <p:cNvGrpSpPr/>
+        <p:nvPr/>
+      </p:nvGrpSpPr>
+      <p:grpSpPr>
+        <a:xfrm>
+          <a:off x="0" y="0"/>
+          <a:ext cx="0" cy="0"/>
+          <a:chOff x="0" y="0"/>
+          <a:chExt cx="0" cy="0"/>
+        </a:xfrm>
+      </p:grpSpPr>
+      <p:sp>
+        <p:nvSpPr>
+          <p:cNvPr id="2" name="タイトル 1"/>
+          <p:cNvSpPr>
+            <a:spLocks noGrp="1"/>
+          </p:cNvSpPr>
+          <p:nvPr>
+            <p:ph type="title"/>
+          </p:nvPr>
+        </p:nvSpPr>
+        <p:spPr/>
+        <p:txBody>
+          <a:bodyPr>
+            <a:normAutofit/>
+          </a:bodyPr>
+          <a:lstStyle/>
+          <a:p>
+            <a:r>
+              <a:rPr kumimoji="1" lang="ja-JP" altLang="en-US" dirty="0" smtClean="0"/>
+              <a:t>少し困ったこと</a:t>
+            </a:r>
+            <a:endParaRPr kumimoji="1" lang="ja-JP" altLang="en-US" dirty="0"/>
+          </a:p>
+        </p:txBody>
+      </p:sp>
+      <p:sp>
+        <p:nvSpPr>
+          <p:cNvPr id="3" name="コンテンツ プレースホルダー 2"/>
+          <p:cNvSpPr>
+            <a:spLocks noGrp="1"/>
+          </p:cNvSpPr>
+          <p:nvPr>
+            <p:ph idx="1"/>
+          </p:nvPr>
+        </p:nvSpPr>
+        <p:spPr>
+          <a:xfrm>
+            <a:off x="899592" y="1447800"/>
+            <a:ext cx="8136904" cy="4800600"/>
+          </a:xfrm>
+        </p:spPr>
+        <p:txBody>
+          <a:bodyPr>
+            <a:normAutofit/>
+          </a:bodyPr>
+          <a:lstStyle/>
+          <a:p>
+            <a:pPr marL="82296" indent="0">
+              <a:buNone/>
+            </a:pPr>
+            <a:r>
+              <a:rPr kumimoji="1" lang="ja-JP" altLang="en-US" dirty="0" smtClean="0"/>
+              <a:t>・ホットキーを契機に無限にアクションが発生することがある</a:t>
+            </a:r>
+            <a:endParaRPr kumimoji="1" lang="en-US" altLang="ja-JP" dirty="0" smtClean="0"/>
+          </a:p>
+          <a:p>
+            <a:pPr marL="82296" indent="0">
+              <a:buNone/>
+            </a:pPr>
+            <a:endParaRPr lang="en-US" altLang="ja-JP" dirty="0"/>
+          </a:p>
+          <a:p>
+            <a:pPr marL="82296" indent="0">
+              <a:buNone/>
+            </a:pPr>
+            <a:r>
+              <a:rPr kumimoji="1" lang="ja-JP" altLang="en-US" dirty="0" smtClean="0"/>
+              <a:t>例）</a:t>
+            </a:r>
+            <a:r>
+              <a:rPr lang="en-US" altLang="ja-JP" dirty="0" smtClean="0"/>
+              <a:t>5</a:t>
+            </a:r>
+            <a:r>
+              <a:rPr lang="ja-JP" altLang="en-US" dirty="0" smtClean="0"/>
+              <a:t>キーを押すと</a:t>
+            </a:r>
+            <a:r>
+              <a:rPr lang="en-US" altLang="ja-JP" dirty="0" smtClean="0"/>
+              <a:t>0.5</a:t>
+            </a:r>
+            <a:r>
+              <a:rPr lang="ja-JP" altLang="en-US" dirty="0" smtClean="0"/>
+              <a:t>を発行したい</a:t>
+            </a:r>
+            <a:endParaRPr lang="en-US" altLang="ja-JP" dirty="0" smtClean="0"/>
+          </a:p>
+          <a:p>
+            <a:pPr marL="82296" indent="0">
+              <a:buNone/>
+            </a:pPr>
+            <a:r>
+              <a:rPr kumimoji="1" lang="en-US" altLang="ja-JP" dirty="0" smtClean="0"/>
+              <a:t> 5::0.5</a:t>
+            </a:r>
+          </a:p>
+          <a:p>
+            <a:pPr marL="82296" indent="0">
+              <a:buNone/>
+            </a:pPr>
+            <a:endParaRPr kumimoji="1" lang="en-US" altLang="ja-JP" dirty="0" smtClean="0"/>
+          </a:p>
+          <a:p>
+            <a:pPr marL="82296" indent="0">
+              <a:buNone/>
+            </a:pPr>
+            <a:endParaRPr lang="en-US" altLang="ja-JP" dirty="0"/>
+          </a:p>
+          <a:p>
+            <a:pPr marL="82296" indent="0">
+              <a:buNone/>
+            </a:pPr>
+            <a:r>
+              <a:rPr kumimoji="1" lang="ja-JP" altLang="en-US" dirty="0" smtClean="0"/>
+              <a:t>ためしにやってみます</a:t>
+            </a:r>
+            <a:endParaRPr kumimoji="1" lang="en-US" altLang="ja-JP" dirty="0" smtClean="0"/>
+          </a:p>
+        </p:txBody>
+      </p:sp>
+    </p:spTree>
+    <p:extLst>
+      <p:ext uri="{BB962C8B-B14F-4D97-AF65-F5344CB8AC3E}">
+        <p14:creationId xmlns:p14="http://schemas.microsoft.com/office/powerpoint/2010/main" val="3388044498"/>
+      </p:ext>
+    </p:extLst>
+  </p:cSld>
+  <p:clrMapOvr>
+    <a:masterClrMapping/>
+  </p:clrMapOvr>
+  <p:timing>
+    <p:tnLst>
+      <p:par>
+        <p:cTn id="1" dur="indefinite" restart="never" nodeType="tmRoot"/>
+      </p:par>
+    </p:tnLst>
+  </p:timing>
+</p:sld>
+</file>
+
+<file path=ppt/slides/slide22.xml><?xml version="1.0" encoding="utf-8"?>
+<p:sld xmlns:a="http://schemas.openxmlformats.org/drawingml/2006/main" xmlns:r="http://schemas.openxmlformats.org/officeDocument/2006/relationships" xmlns:p="http://schemas.openxmlformats.org/presentationml/2006/main">
+  <p:cSld>
+    <p:spTree>
+      <p:nvGrpSpPr>
+        <p:cNvPr id="1" name=""/>
+        <p:cNvGrpSpPr/>
+        <p:nvPr/>
+      </p:nvGrpSpPr>
+      <p:grpSpPr>
+        <a:xfrm>
+          <a:off x="0" y="0"/>
+          <a:ext cx="0" cy="0"/>
+          <a:chOff x="0" y="0"/>
+          <a:chExt cx="0" cy="0"/>
+        </a:xfrm>
+      </p:grpSpPr>
+      <p:sp>
+        <p:nvSpPr>
+          <p:cNvPr id="2" name="タイトル 1"/>
+          <p:cNvSpPr>
+            <a:spLocks noGrp="1"/>
+          </p:cNvSpPr>
+          <p:nvPr>
+            <p:ph type="title"/>
+          </p:nvPr>
+        </p:nvSpPr>
+        <p:spPr/>
+        <p:txBody>
+          <a:bodyPr>
+            <a:normAutofit/>
+          </a:bodyPr>
+          <a:lstStyle/>
+          <a:p>
+            <a:r>
+              <a:rPr kumimoji="1" lang="ja-JP" altLang="en-US" dirty="0" smtClean="0"/>
+              <a:t>少し困ったこと</a:t>
+            </a:r>
+            <a:endParaRPr kumimoji="1" lang="ja-JP" altLang="en-US" dirty="0"/>
+          </a:p>
+        </p:txBody>
+      </p:sp>
+      <p:sp>
+        <p:nvSpPr>
+          <p:cNvPr id="3" name="コンテンツ プレースホルダー 2"/>
+          <p:cNvSpPr>
+            <a:spLocks noGrp="1"/>
+          </p:cNvSpPr>
+          <p:nvPr>
+            <p:ph idx="1"/>
+          </p:nvPr>
+        </p:nvSpPr>
+        <p:spPr>
+          <a:xfrm>
+            <a:off x="899592" y="1447800"/>
+            <a:ext cx="8136904" cy="4800600"/>
+          </a:xfrm>
+        </p:spPr>
+        <p:txBody>
+          <a:bodyPr>
+            <a:normAutofit/>
+          </a:bodyPr>
+          <a:lstStyle/>
+          <a:p>
+            <a:pPr marL="82296" indent="0">
+              <a:buNone/>
+            </a:pPr>
+            <a:r>
+              <a:rPr kumimoji="1" lang="ja-JP" altLang="en-US" dirty="0" smtClean="0"/>
+              <a:t>・</a:t>
+            </a:r>
+            <a:r>
+              <a:rPr lang="ja-JP" altLang="en-US" dirty="0" smtClean="0"/>
+              <a:t>ホットキーを契機</a:t>
+            </a:r>
+            <a:r>
+              <a:rPr lang="ja-JP" altLang="en-US" dirty="0"/>
+              <a:t>に無限にアクションが発生することがある</a:t>
+            </a:r>
+            <a:endParaRPr lang="en-US" altLang="ja-JP" dirty="0"/>
+          </a:p>
+          <a:p>
+            <a:pPr marL="82296" indent="0">
+              <a:buNone/>
+            </a:pPr>
+            <a:endParaRPr lang="en-US" altLang="ja-JP" dirty="0" smtClean="0"/>
+          </a:p>
+          <a:p>
+            <a:pPr marL="82296" indent="0">
+              <a:buNone/>
+            </a:pPr>
+            <a:r>
+              <a:rPr lang="en-US" altLang="ja-JP" dirty="0" smtClean="0"/>
+              <a:t>#</a:t>
+            </a:r>
+            <a:r>
+              <a:rPr lang="en-US" altLang="ja-JP" dirty="0" err="1" smtClean="0"/>
+              <a:t>UseHook</a:t>
+            </a:r>
+            <a:r>
+              <a:rPr lang="ja-JP" altLang="en-US" dirty="0" smtClean="0"/>
+              <a:t>を設定し、</a:t>
+            </a:r>
+            <a:r>
+              <a:rPr lang="en-US" altLang="ja-JP" dirty="0" smtClean="0"/>
+              <a:t>Windows</a:t>
+            </a:r>
+            <a:r>
+              <a:rPr lang="ja-JP" altLang="en-US" dirty="0"/>
+              <a:t>がウィンドウに対して送ったキー情報</a:t>
+            </a:r>
+            <a:r>
+              <a:rPr lang="ja-JP" altLang="en-US" dirty="0" smtClean="0"/>
+              <a:t>をかすめ取ることで防げる。</a:t>
+            </a:r>
+            <a:endParaRPr lang="en-US" altLang="ja-JP" dirty="0"/>
+          </a:p>
+        </p:txBody>
+      </p:sp>
+      <p:sp>
+        <p:nvSpPr>
+          <p:cNvPr id="4" name="下矢印 3"/>
+          <p:cNvSpPr/>
+          <p:nvPr/>
+        </p:nvSpPr>
+        <p:spPr>
+          <a:xfrm>
+            <a:off x="4283968" y="2586644"/>
+            <a:ext cx="1008112" cy="576064"/>
+          </a:xfrm>
+          <a:prstGeom prst="downArrow">
+            <a:avLst/>
+          </a:prstGeom>
+        </p:spPr>
+        <p:style>
+          <a:lnRef idx="2">
+            <a:schemeClr val="accent1">
+              <a:shade val="50000"/>
+            </a:schemeClr>
+          </a:lnRef>
+          <a:fillRef idx="1">
+            <a:schemeClr val="accent1"/>
+          </a:fillRef>
+          <a:effectRef idx="0">
+            <a:schemeClr val="accent1"/>
+          </a:effectRef>
+          <a:fontRef idx="minor">
+            <a:schemeClr val="lt1"/>
+          </a:fontRef>
+        </p:style>
+        <p:txBody>
+          <a:bodyPr rtlCol="0" anchor="ctr"/>
+          <a:lstStyle/>
+          <a:p>
+            <a:pPr algn="ctr"/>
+            <a:endParaRPr kumimoji="1" lang="ja-JP" altLang="en-US"/>
+          </a:p>
+        </p:txBody>
+      </p:sp>
+    </p:spTree>
+    <p:extLst>
+      <p:ext uri="{BB962C8B-B14F-4D97-AF65-F5344CB8AC3E}">
+        <p14:creationId xmlns:p14="http://schemas.microsoft.com/office/powerpoint/2010/main" val="510961413"/>
+      </p:ext>
+    </p:extLst>
+  </p:cSld>
+  <p:clrMapOvr>
+    <a:masterClrMapping/>
+  </p:clrMapOvr>
+  <p:timing>
+    <p:tnLst>
+      <p:par>
+        <p:cTn id="1" dur="indefinite" restart="never" nodeType="tmRoot"/>
+      </p:par>
+    </p:tnLst>
+  </p:timing>
+</p:sld>
+</file>
+
+<file path=ppt/slides/slide23.xml><?xml version="1.0" encoding="utf-8"?>
+<p:sld xmlns:a="http://schemas.openxmlformats.org/drawingml/2006/main" xmlns:r="http://schemas.openxmlformats.org/officeDocument/2006/relationships" xmlns:p="http://schemas.openxmlformats.org/presentationml/2006/main">
+  <p:cSld>
+    <p:spTree>
+      <p:nvGrpSpPr>
+        <p:cNvPr id="1" name=""/>
+        <p:cNvGrpSpPr/>
+        <p:nvPr/>
+      </p:nvGrpSpPr>
+      <p:grpSpPr>
+        <a:xfrm>
+          <a:off x="0" y="0"/>
+          <a:ext cx="0" cy="0"/>
+          <a:chOff x="0" y="0"/>
+          <a:chExt cx="0" cy="0"/>
+        </a:xfrm>
+      </p:grpSpPr>
+      <p:sp>
+        <p:nvSpPr>
+          <p:cNvPr id="2" name="タイトル 1"/>
+          <p:cNvSpPr>
+            <a:spLocks noGrp="1"/>
+          </p:cNvSpPr>
+          <p:nvPr>
+            <p:ph type="title"/>
+          </p:nvPr>
+        </p:nvSpPr>
+        <p:spPr>
+          <a:xfrm>
+            <a:off x="1435608" y="0"/>
+            <a:ext cx="7498080" cy="1143000"/>
+          </a:xfrm>
+        </p:spPr>
+        <p:txBody>
+          <a:bodyPr>
+            <a:normAutofit/>
+          </a:bodyPr>
+          <a:lstStyle/>
+          <a:p>
+            <a:r>
+              <a:rPr kumimoji="1" lang="ja-JP" altLang="en-US" dirty="0" smtClean="0"/>
+              <a:t>こんな</a:t>
+            </a:r>
+            <a:r>
+              <a:rPr lang="ja-JP" altLang="en-US" dirty="0"/>
+              <a:t>イメージ</a:t>
+            </a:r>
+            <a:r>
+              <a:rPr kumimoji="1" lang="ja-JP" altLang="en-US" dirty="0" smtClean="0"/>
+              <a:t>？？</a:t>
+            </a:r>
+            <a:endParaRPr kumimoji="1" lang="ja-JP" altLang="en-US" dirty="0"/>
+          </a:p>
+        </p:txBody>
+      </p:sp>
+      <p:sp>
+        <p:nvSpPr>
+          <p:cNvPr id="6" name="メモ 5"/>
+          <p:cNvSpPr/>
+          <p:nvPr/>
+        </p:nvSpPr>
+        <p:spPr>
+          <a:xfrm>
+            <a:off x="2051720" y="1643644"/>
+            <a:ext cx="1447378" cy="1266456"/>
+          </a:xfrm>
+          <a:prstGeom prst="foldedCorner">
+            <a:avLst/>
+          </a:prstGeom>
+        </p:spPr>
+        <p:style>
+          <a:lnRef idx="2">
+            <a:schemeClr val="accent1">
+              <a:shade val="50000"/>
+            </a:schemeClr>
+          </a:lnRef>
+          <a:fillRef idx="1">
+            <a:schemeClr val="accent1"/>
+          </a:fillRef>
+          <a:effectRef idx="0">
+            <a:schemeClr val="accent1"/>
+          </a:effectRef>
+          <a:fontRef idx="minor">
+            <a:schemeClr val="lt1"/>
+          </a:fontRef>
+        </p:style>
+        <p:txBody>
+          <a:bodyPr rtlCol="0" anchor="ctr"/>
+          <a:lstStyle/>
+          <a:p>
+            <a:pPr algn="ctr"/>
+            <a:r>
+              <a:rPr lang="ja-JP" altLang="en-US" dirty="0"/>
+              <a:t>ウインドウ</a:t>
+            </a:r>
+            <a:endParaRPr kumimoji="1" lang="ja-JP" altLang="en-US" dirty="0"/>
+          </a:p>
+        </p:txBody>
+      </p:sp>
+      <p:pic>
+        <p:nvPicPr>
+          <p:cNvPr id="1026" name="Picture 2" descr="C:\Program Files\Microsoft Office\MEDIA\CAGCAT10\j0285750.wmf"/>
+          <p:cNvPicPr>
+            <a:picLocks noChangeAspect="1" noChangeArrowheads="1"/>
+          </p:cNvPicPr>
+          <p:nvPr/>
+        </p:nvPicPr>
+        <p:blipFill>
+          <a:blip r:embed="rId2" cstate="print">
+            <a:extLst>
+              <a:ext uri="{28A0092B-C50C-407E-A947-70E740481C1C}">
+                <a14:useLocalDpi xmlns:a14="http://schemas.microsoft.com/office/drawing/2010/main" val="0"/>
+              </a:ext>
+            </a:extLst>
+          </a:blip>
+          <a:srcRect/>
+          <a:stretch>
+            <a:fillRect/>
+          </a:stretch>
+        </p:blipFill>
+        <p:spPr bwMode="auto">
+          <a:xfrm>
+            <a:off x="5220072" y="1539697"/>
+            <a:ext cx="1824038" cy="1120775"/>
+          </a:xfrm>
+          <a:prstGeom prst="rect">
+            <a:avLst/>
+          </a:prstGeom>
+          <a:noFill/>
+          <a:extLst>
+            <a:ext uri="{909E8E84-426E-40DD-AFC4-6F175D3DCCD1}">
+              <a14:hiddenFill xmlns:a14="http://schemas.microsoft.com/office/drawing/2010/main">
+                <a:solidFill>
+                  <a:srgbClr val="FFFFFF"/>
+                </a:solidFill>
+              </a14:hiddenFill>
+            </a:ext>
+          </a:extLst>
+        </p:spPr>
+      </p:pic>
+      <p:sp>
+        <p:nvSpPr>
+          <p:cNvPr id="7" name="右矢印 6"/>
+          <p:cNvSpPr/>
+          <p:nvPr/>
+        </p:nvSpPr>
+        <p:spPr>
+          <a:xfrm>
+            <a:off x="3779912" y="1875354"/>
+            <a:ext cx="1296144" cy="185494"/>
+          </a:xfrm>
+          <a:prstGeom prst="rightArrow">
+            <a:avLst/>
+          </a:prstGeom>
+        </p:spPr>
+        <p:style>
+          <a:lnRef idx="2">
+            <a:schemeClr val="accent1">
+              <a:shade val="50000"/>
+            </a:schemeClr>
+          </a:lnRef>
+          <a:fillRef idx="1">
+            <a:schemeClr val="accent1"/>
+          </a:fillRef>
+          <a:effectRef idx="0">
+            <a:schemeClr val="accent1"/>
+          </a:effectRef>
+          <a:fontRef idx="minor">
+            <a:schemeClr val="lt1"/>
+          </a:fontRef>
+        </p:style>
+        <p:txBody>
+          <a:bodyPr rtlCol="0" anchor="ctr"/>
+          <a:lstStyle/>
+          <a:p>
+            <a:pPr algn="ctr"/>
+            <a:endParaRPr kumimoji="1" lang="ja-JP" altLang="en-US"/>
+          </a:p>
+        </p:txBody>
+      </p:sp>
+      <p:sp>
+        <p:nvSpPr>
+          <p:cNvPr id="8" name="テキスト ボックス 7"/>
+          <p:cNvSpPr txBox="1"/>
+          <p:nvPr/>
+        </p:nvSpPr>
+        <p:spPr>
+          <a:xfrm>
+            <a:off x="4175956" y="1413689"/>
+            <a:ext cx="2088232" cy="461665"/>
+          </a:xfrm>
+          <a:prstGeom prst="rect">
+            <a:avLst/>
+          </a:prstGeom>
+          <a:noFill/>
+        </p:spPr>
+        <p:txBody>
+          <a:bodyPr wrap="square" rtlCol="0">
+            <a:spAutoFit/>
+          </a:bodyPr>
+          <a:lstStyle/>
+          <a:p>
+            <a:r>
+              <a:rPr kumimoji="1" lang="ja-JP" altLang="en-US" sz="2400" dirty="0" smtClean="0"/>
+              <a:t>５</a:t>
+            </a:r>
+            <a:endParaRPr kumimoji="1" lang="ja-JP" altLang="en-US" sz="2400" dirty="0"/>
+          </a:p>
+        </p:txBody>
+      </p:sp>
+      <p:sp>
+        <p:nvSpPr>
+          <p:cNvPr id="9" name="雲形吹き出し 8"/>
+          <p:cNvSpPr/>
+          <p:nvPr/>
+        </p:nvSpPr>
+        <p:spPr>
+          <a:xfrm>
+            <a:off x="7044110" y="1052736"/>
+            <a:ext cx="1488330" cy="1224136"/>
+          </a:xfrm>
+          <a:prstGeom prst="cloudCallout">
+            <a:avLst>
+              <a:gd name="adj1" fmla="val -57512"/>
+              <a:gd name="adj2" fmla="val 45777"/>
+            </a:avLst>
+          </a:prstGeom>
+          <a:noFill/>
+          <a:ln>
+            <a:solidFill>
+              <a:schemeClr val="accent1">
+                <a:shade val="50000"/>
+              </a:schemeClr>
+            </a:solidFill>
+          </a:ln>
+        </p:spPr>
+        <p:style>
+          <a:lnRef idx="2">
+            <a:schemeClr val="accent1">
+              <a:shade val="50000"/>
+            </a:schemeClr>
+          </a:lnRef>
+          <a:fillRef idx="1">
+            <a:schemeClr val="accent1"/>
+          </a:fillRef>
+          <a:effectRef idx="0">
+            <a:schemeClr val="accent1"/>
+          </a:effectRef>
+          <a:fontRef idx="minor">
+            <a:schemeClr val="lt1"/>
+          </a:fontRef>
+        </p:style>
+        <p:txBody>
+          <a:bodyPr rtlCol="0" anchor="ctr"/>
+          <a:lstStyle/>
+          <a:p>
+            <a:pPr algn="ctr"/>
+            <a:r>
+              <a:rPr kumimoji="1" lang="ja-JP" altLang="en-US" dirty="0" smtClean="0">
+                <a:solidFill>
+                  <a:schemeClr val="tx1"/>
+                </a:solidFill>
+              </a:rPr>
+              <a:t>５</a:t>
+            </a:r>
+            <a:r>
+              <a:rPr kumimoji="1" lang="en-US" altLang="ja-JP" dirty="0" smtClean="0">
+                <a:solidFill>
+                  <a:schemeClr val="tx1"/>
+                </a:solidFill>
+              </a:rPr>
+              <a:t>=0.5</a:t>
+            </a:r>
+            <a:endParaRPr kumimoji="1" lang="ja-JP" altLang="en-US" dirty="0">
+              <a:solidFill>
+                <a:schemeClr val="tx1"/>
+              </a:solidFill>
+            </a:endParaRPr>
+          </a:p>
+        </p:txBody>
+      </p:sp>
+      <p:sp>
+        <p:nvSpPr>
+          <p:cNvPr id="11" name="右矢印 10"/>
+          <p:cNvSpPr/>
+          <p:nvPr/>
+        </p:nvSpPr>
+        <p:spPr>
+          <a:xfrm rot="10800000">
+            <a:off x="3779912" y="2446709"/>
+            <a:ext cx="1296144" cy="185494"/>
+          </a:xfrm>
+          <a:prstGeom prst="rightArrow">
+            <a:avLst/>
+          </a:prstGeom>
+          <a:solidFill>
+            <a:schemeClr val="accent3"/>
+          </a:solidFill>
+        </p:spPr>
+        <p:style>
+          <a:lnRef idx="2">
+            <a:schemeClr val="accent1">
+              <a:shade val="50000"/>
+            </a:schemeClr>
+          </a:lnRef>
+          <a:fillRef idx="1">
+            <a:schemeClr val="accent1"/>
+          </a:fillRef>
+          <a:effectRef idx="0">
+            <a:schemeClr val="accent1"/>
+          </a:effectRef>
+          <a:fontRef idx="minor">
+            <a:schemeClr val="lt1"/>
+          </a:fontRef>
+        </p:style>
+        <p:txBody>
+          <a:bodyPr rtlCol="0" anchor="ctr"/>
+          <a:lstStyle/>
+          <a:p>
+            <a:pPr algn="ctr"/>
+            <a:endParaRPr kumimoji="1" lang="ja-JP" altLang="en-US"/>
+          </a:p>
+        </p:txBody>
+      </p:sp>
+      <p:sp>
+        <p:nvSpPr>
+          <p:cNvPr id="12" name="テキスト ボックス 11"/>
+          <p:cNvSpPr txBox="1"/>
+          <p:nvPr/>
+        </p:nvSpPr>
+        <p:spPr>
+          <a:xfrm>
+            <a:off x="4175956" y="2632204"/>
+            <a:ext cx="2088232" cy="523220"/>
+          </a:xfrm>
+          <a:prstGeom prst="rect">
+            <a:avLst/>
+          </a:prstGeom>
+          <a:noFill/>
+        </p:spPr>
+        <p:txBody>
+          <a:bodyPr wrap="square" rtlCol="0">
+            <a:spAutoFit/>
+          </a:bodyPr>
+          <a:lstStyle/>
+          <a:p>
+            <a:r>
+              <a:rPr kumimoji="1" lang="en-US" altLang="ja-JP" sz="2800" dirty="0" smtClean="0"/>
+              <a:t>0.5</a:t>
+            </a:r>
+            <a:endParaRPr kumimoji="1" lang="ja-JP" altLang="en-US" sz="2800" dirty="0"/>
+          </a:p>
+        </p:txBody>
+      </p:sp>
+      <p:sp>
+        <p:nvSpPr>
+          <p:cNvPr id="13" name="テキスト ボックス 12"/>
+          <p:cNvSpPr txBox="1"/>
+          <p:nvPr/>
+        </p:nvSpPr>
+        <p:spPr>
+          <a:xfrm>
+            <a:off x="1387340" y="908720"/>
+            <a:ext cx="5200884" cy="523220"/>
+          </a:xfrm>
+          <a:prstGeom prst="rect">
+            <a:avLst/>
+          </a:prstGeom>
+          <a:noFill/>
+        </p:spPr>
+        <p:txBody>
+          <a:bodyPr wrap="square" rtlCol="0">
+            <a:spAutoFit/>
+          </a:bodyPr>
+          <a:lstStyle/>
+          <a:p>
+            <a:r>
+              <a:rPr lang="ja-JP" altLang="en-US" sz="2800" dirty="0"/>
+              <a:t>・</a:t>
+            </a:r>
+            <a:r>
+              <a:rPr kumimoji="1" lang="en-US" altLang="ja-JP" sz="2800" dirty="0" smtClean="0"/>
+              <a:t>Hook</a:t>
+            </a:r>
+            <a:r>
+              <a:rPr kumimoji="1" lang="ja-JP" altLang="en-US" sz="2800" dirty="0" smtClean="0"/>
+              <a:t>なしの場合</a:t>
+            </a:r>
+            <a:endParaRPr kumimoji="1" lang="ja-JP" altLang="en-US" sz="2800" dirty="0"/>
+          </a:p>
+        </p:txBody>
+      </p:sp>
+      <p:sp>
+        <p:nvSpPr>
+          <p:cNvPr id="14" name="テキスト ボックス 13"/>
+          <p:cNvSpPr txBox="1"/>
+          <p:nvPr/>
+        </p:nvSpPr>
+        <p:spPr>
+          <a:xfrm>
+            <a:off x="1387340" y="3789826"/>
+            <a:ext cx="5200884" cy="523220"/>
+          </a:xfrm>
+          <a:prstGeom prst="rect">
+            <a:avLst/>
+          </a:prstGeom>
+          <a:noFill/>
+        </p:spPr>
+        <p:txBody>
+          <a:bodyPr wrap="square" rtlCol="0">
+            <a:spAutoFit/>
+          </a:bodyPr>
+          <a:lstStyle/>
+          <a:p>
+            <a:r>
+              <a:rPr lang="ja-JP" altLang="en-US" sz="2800" dirty="0"/>
+              <a:t>・</a:t>
+            </a:r>
+            <a:r>
+              <a:rPr kumimoji="1" lang="en-US" altLang="ja-JP" sz="2800" dirty="0" smtClean="0"/>
+              <a:t>Hook</a:t>
+            </a:r>
+            <a:r>
+              <a:rPr kumimoji="1" lang="ja-JP" altLang="en-US" sz="2800" dirty="0" smtClean="0"/>
+              <a:t>ありの場合</a:t>
+            </a:r>
+            <a:endParaRPr kumimoji="1" lang="ja-JP" altLang="en-US" sz="2800" dirty="0"/>
+          </a:p>
+        </p:txBody>
+      </p:sp>
+      <p:sp>
+        <p:nvSpPr>
+          <p:cNvPr id="15" name="メモ 14"/>
+          <p:cNvSpPr/>
+          <p:nvPr/>
+        </p:nvSpPr>
+        <p:spPr>
+          <a:xfrm>
+            <a:off x="2051720" y="4595131"/>
+            <a:ext cx="1447378" cy="1266456"/>
+          </a:xfrm>
+          <a:prstGeom prst="foldedCorner">
+            <a:avLst/>
+          </a:prstGeom>
+        </p:spPr>
+        <p:style>
+          <a:lnRef idx="2">
+            <a:schemeClr val="accent1">
+              <a:shade val="50000"/>
+            </a:schemeClr>
+          </a:lnRef>
+          <a:fillRef idx="1">
+            <a:schemeClr val="accent1"/>
+          </a:fillRef>
+          <a:effectRef idx="0">
+            <a:schemeClr val="accent1"/>
+          </a:effectRef>
+          <a:fontRef idx="minor">
+            <a:schemeClr val="lt1"/>
+          </a:fontRef>
+        </p:style>
+        <p:txBody>
+          <a:bodyPr rtlCol="0" anchor="ctr"/>
+          <a:lstStyle/>
+          <a:p>
+            <a:pPr algn="ctr"/>
+            <a:r>
+              <a:rPr lang="ja-JP" altLang="en-US" dirty="0"/>
+              <a:t>ウインドウ</a:t>
+            </a:r>
+            <a:endParaRPr kumimoji="1" lang="ja-JP" altLang="en-US" dirty="0"/>
+          </a:p>
+        </p:txBody>
+      </p:sp>
+      <p:pic>
+        <p:nvPicPr>
+          <p:cNvPr id="16" name="Picture 2" descr="C:\Program Files\Microsoft Office\MEDIA\CAGCAT10\j0285750.wmf"/>
+          <p:cNvPicPr>
+            <a:picLocks noChangeAspect="1" noChangeArrowheads="1"/>
+          </p:cNvPicPr>
+          <p:nvPr/>
+        </p:nvPicPr>
+        <p:blipFill>
+          <a:blip r:embed="rId2" cstate="print">
+            <a:extLst>
+              <a:ext uri="{28A0092B-C50C-407E-A947-70E740481C1C}">
+                <a14:useLocalDpi xmlns:a14="http://schemas.microsoft.com/office/drawing/2010/main" val="0"/>
+              </a:ext>
+            </a:extLst>
+          </a:blip>
+          <a:srcRect/>
+          <a:stretch>
+            <a:fillRect/>
+          </a:stretch>
+        </p:blipFill>
+        <p:spPr bwMode="auto">
+          <a:xfrm>
+            <a:off x="5220072" y="4491184"/>
+            <a:ext cx="1824038" cy="1120775"/>
+          </a:xfrm>
+          <a:prstGeom prst="rect">
+            <a:avLst/>
+          </a:prstGeom>
+          <a:noFill/>
+          <a:extLst>
+            <a:ext uri="{909E8E84-426E-40DD-AFC4-6F175D3DCCD1}">
+              <a14:hiddenFill xmlns:a14="http://schemas.microsoft.com/office/drawing/2010/main">
+                <a:solidFill>
+                  <a:srgbClr val="FFFFFF"/>
+                </a:solidFill>
+              </a14:hiddenFill>
+            </a:ext>
+          </a:extLst>
+        </p:spPr>
+      </p:pic>
+      <p:sp>
+        <p:nvSpPr>
+          <p:cNvPr id="17" name="右矢印 16"/>
+          <p:cNvSpPr/>
+          <p:nvPr/>
+        </p:nvSpPr>
+        <p:spPr>
+          <a:xfrm>
+            <a:off x="3779912" y="4826841"/>
+            <a:ext cx="1296144" cy="185494"/>
+          </a:xfrm>
+          <a:prstGeom prst="rightArrow">
+            <a:avLst/>
+          </a:prstGeom>
+        </p:spPr>
+        <p:style>
+          <a:lnRef idx="2">
+            <a:schemeClr val="accent1">
+              <a:shade val="50000"/>
+            </a:schemeClr>
+          </a:lnRef>
+          <a:fillRef idx="1">
+            <a:schemeClr val="accent1"/>
+          </a:fillRef>
+          <a:effectRef idx="0">
+            <a:schemeClr val="accent1"/>
+          </a:effectRef>
+          <a:fontRef idx="minor">
+            <a:schemeClr val="lt1"/>
+          </a:fontRef>
+        </p:style>
+        <p:txBody>
+          <a:bodyPr rtlCol="0" anchor="ctr"/>
+          <a:lstStyle/>
+          <a:p>
+            <a:pPr algn="ctr"/>
+            <a:endParaRPr kumimoji="1" lang="ja-JP" altLang="en-US"/>
+          </a:p>
+        </p:txBody>
+      </p:sp>
+      <p:sp>
+        <p:nvSpPr>
+          <p:cNvPr id="18" name="テキスト ボックス 17"/>
+          <p:cNvSpPr txBox="1"/>
+          <p:nvPr/>
+        </p:nvSpPr>
+        <p:spPr>
+          <a:xfrm>
+            <a:off x="4175956" y="4365176"/>
+            <a:ext cx="2088232" cy="461665"/>
+          </a:xfrm>
+          <a:prstGeom prst="rect">
+            <a:avLst/>
+          </a:prstGeom>
+          <a:noFill/>
+        </p:spPr>
+        <p:txBody>
+          <a:bodyPr wrap="square" rtlCol="0">
+            <a:spAutoFit/>
+          </a:bodyPr>
+          <a:lstStyle/>
+          <a:p>
+            <a:r>
+              <a:rPr kumimoji="1" lang="ja-JP" altLang="en-US" sz="2400" dirty="0" smtClean="0"/>
+              <a:t>５</a:t>
+            </a:r>
+            <a:endParaRPr kumimoji="1" lang="ja-JP" altLang="en-US" sz="2400" dirty="0"/>
+          </a:p>
+        </p:txBody>
+      </p:sp>
+      <p:sp>
+        <p:nvSpPr>
+          <p:cNvPr id="20" name="右矢印 19"/>
+          <p:cNvSpPr/>
+          <p:nvPr/>
+        </p:nvSpPr>
+        <p:spPr>
+          <a:xfrm rot="10800000">
+            <a:off x="3779912" y="5398196"/>
+            <a:ext cx="1296144" cy="185494"/>
+          </a:xfrm>
+          <a:prstGeom prst="rightArrow">
+            <a:avLst/>
+          </a:prstGeom>
+          <a:solidFill>
+            <a:schemeClr val="accent4">
+              <a:lumMod val="75000"/>
+            </a:schemeClr>
+          </a:solidFill>
+        </p:spPr>
+        <p:style>
+          <a:lnRef idx="2">
+            <a:schemeClr val="accent1">
+              <a:shade val="50000"/>
+            </a:schemeClr>
+          </a:lnRef>
+          <a:fillRef idx="1">
+            <a:schemeClr val="accent1"/>
+          </a:fillRef>
+          <a:effectRef idx="0">
+            <a:schemeClr val="accent1"/>
+          </a:effectRef>
+          <a:fontRef idx="minor">
+            <a:schemeClr val="lt1"/>
+          </a:fontRef>
+        </p:style>
+        <p:txBody>
+          <a:bodyPr rtlCol="0" anchor="ctr"/>
+          <a:lstStyle/>
+          <a:p>
+            <a:pPr algn="ctr"/>
+            <a:endParaRPr kumimoji="1" lang="ja-JP" altLang="en-US"/>
+          </a:p>
+        </p:txBody>
+      </p:sp>
+      <p:sp>
+        <p:nvSpPr>
+          <p:cNvPr id="21" name="テキスト ボックス 20"/>
+          <p:cNvSpPr txBox="1"/>
+          <p:nvPr/>
+        </p:nvSpPr>
+        <p:spPr>
+          <a:xfrm>
+            <a:off x="3743908" y="5583691"/>
+            <a:ext cx="1152128" cy="461665"/>
+          </a:xfrm>
+          <a:prstGeom prst="rect">
+            <a:avLst/>
+          </a:prstGeom>
+          <a:noFill/>
+        </p:spPr>
+        <p:txBody>
+          <a:bodyPr wrap="square" rtlCol="0">
+            <a:spAutoFit/>
+          </a:bodyPr>
+          <a:lstStyle/>
+          <a:p>
+            <a:pPr algn="ctr"/>
+            <a:r>
+              <a:rPr lang="ja-JP" altLang="en-US" sz="2400" dirty="0"/>
+              <a:t>５</a:t>
+            </a:r>
+            <a:r>
+              <a:rPr lang="en-US" altLang="ja-JP" sz="2400" dirty="0"/>
+              <a:t>=0.5</a:t>
+            </a:r>
+            <a:endParaRPr lang="ja-JP" altLang="en-US" sz="2400" dirty="0"/>
+          </a:p>
+        </p:txBody>
+      </p:sp>
+      <p:sp>
+        <p:nvSpPr>
+          <p:cNvPr id="23" name="右矢印 22"/>
+          <p:cNvSpPr/>
+          <p:nvPr/>
+        </p:nvSpPr>
+        <p:spPr>
+          <a:xfrm>
+            <a:off x="683568" y="1875354"/>
+            <a:ext cx="1296144" cy="185494"/>
+          </a:xfrm>
+          <a:prstGeom prst="rightArrow">
+            <a:avLst/>
+          </a:prstGeom>
+          <a:solidFill>
+            <a:schemeClr val="accent3"/>
+          </a:solidFill>
+        </p:spPr>
+        <p:style>
+          <a:lnRef idx="2">
+            <a:schemeClr val="accent1">
+              <a:shade val="50000"/>
+            </a:schemeClr>
+          </a:lnRef>
+          <a:fillRef idx="1">
+            <a:schemeClr val="accent1"/>
+          </a:fillRef>
+          <a:effectRef idx="0">
+            <a:schemeClr val="accent1"/>
+          </a:effectRef>
+          <a:fontRef idx="minor">
+            <a:schemeClr val="lt1"/>
+          </a:fontRef>
+        </p:style>
+        <p:txBody>
+          <a:bodyPr rtlCol="0" anchor="ctr"/>
+          <a:lstStyle/>
+          <a:p>
+            <a:pPr algn="ctr"/>
+            <a:endParaRPr kumimoji="1" lang="ja-JP" altLang="en-US"/>
+          </a:p>
+        </p:txBody>
+      </p:sp>
+      <p:sp>
+        <p:nvSpPr>
+          <p:cNvPr id="24" name="テキスト ボックス 23"/>
+          <p:cNvSpPr txBox="1"/>
+          <p:nvPr/>
+        </p:nvSpPr>
+        <p:spPr>
+          <a:xfrm>
+            <a:off x="1079612" y="1413689"/>
+            <a:ext cx="2088232" cy="461665"/>
+          </a:xfrm>
+          <a:prstGeom prst="rect">
+            <a:avLst/>
+          </a:prstGeom>
+          <a:noFill/>
+        </p:spPr>
+        <p:txBody>
+          <a:bodyPr wrap="square" rtlCol="0">
+            <a:spAutoFit/>
+          </a:bodyPr>
+          <a:lstStyle/>
+          <a:p>
+            <a:r>
+              <a:rPr kumimoji="1" lang="ja-JP" altLang="en-US" sz="2400" dirty="0" smtClean="0"/>
+              <a:t>５</a:t>
+            </a:r>
+            <a:endParaRPr kumimoji="1" lang="ja-JP" altLang="en-US" sz="2400" dirty="0"/>
+          </a:p>
+        </p:txBody>
+      </p:sp>
+      <p:sp>
+        <p:nvSpPr>
+          <p:cNvPr id="10" name="角丸四角形 9"/>
+          <p:cNvSpPr/>
+          <p:nvPr/>
+        </p:nvSpPr>
+        <p:spPr>
+          <a:xfrm>
+            <a:off x="7704348" y="2592899"/>
+            <a:ext cx="648072" cy="634402"/>
+          </a:xfrm>
+          <a:prstGeom prst="roundRect">
+            <a:avLst/>
+          </a:prstGeom>
+          <a:solidFill>
+            <a:schemeClr val="accent4">
+              <a:lumMod val="75000"/>
+            </a:schemeClr>
+          </a:solidFill>
+          <a:ln>
+            <a:solidFill>
+              <a:schemeClr val="accent4">
+                <a:lumMod val="50000"/>
+              </a:schemeClr>
+            </a:solidFill>
+          </a:ln>
+        </p:spPr>
+        <p:style>
+          <a:lnRef idx="2">
+            <a:schemeClr val="accent1">
+              <a:shade val="50000"/>
+            </a:schemeClr>
+          </a:lnRef>
+          <a:fillRef idx="1">
+            <a:schemeClr val="accent1"/>
+          </a:fillRef>
+          <a:effectRef idx="0">
+            <a:schemeClr val="accent1"/>
+          </a:effectRef>
+          <a:fontRef idx="minor">
+            <a:schemeClr val="lt1"/>
+          </a:fontRef>
+        </p:style>
+        <p:txBody>
+          <a:bodyPr rtlCol="0" anchor="ctr"/>
+          <a:lstStyle/>
+          <a:p>
+            <a:pPr algn="ctr"/>
+            <a:r>
+              <a:rPr kumimoji="1" lang="ja-JP" altLang="en-US" sz="2400" dirty="0" smtClean="0"/>
+              <a:t>Ｈ</a:t>
+            </a:r>
+            <a:endParaRPr kumimoji="1" lang="ja-JP" altLang="en-US" sz="2400" dirty="0"/>
+          </a:p>
+        </p:txBody>
+      </p:sp>
+      <p:cxnSp>
+        <p:nvCxnSpPr>
+          <p:cNvPr id="26" name="直線矢印コネクタ 25"/>
+          <p:cNvCxnSpPr>
+            <a:stCxn id="10" idx="0"/>
+          </p:cNvCxnSpPr>
+          <p:nvPr/>
+        </p:nvCxnSpPr>
+        <p:spPr>
+          <a:xfrm flipH="1" flipV="1">
+            <a:off x="7788275" y="1968101"/>
+            <a:ext cx="240109" cy="624798"/>
+          </a:xfrm>
+          <a:prstGeom prst="straightConnector1">
+            <a:avLst/>
+          </a:prstGeom>
+          <a:ln w="19050">
+            <a:tailEnd type="arrow"/>
+          </a:ln>
+        </p:spPr>
+        <p:style>
+          <a:lnRef idx="1">
+            <a:schemeClr val="accent1"/>
+          </a:lnRef>
+          <a:fillRef idx="0">
+            <a:schemeClr val="accent1"/>
+          </a:fillRef>
+          <a:effectRef idx="0">
+            <a:schemeClr val="accent1"/>
+          </a:effectRef>
+          <a:fontRef idx="minor">
+            <a:schemeClr val="tx1"/>
+          </a:fontRef>
+        </p:style>
+      </p:cxnSp>
+      <p:sp>
+        <p:nvSpPr>
+          <p:cNvPr id="31" name="右矢印 30"/>
+          <p:cNvSpPr/>
+          <p:nvPr/>
+        </p:nvSpPr>
+        <p:spPr>
+          <a:xfrm>
+            <a:off x="683568" y="4826841"/>
+            <a:ext cx="1296144" cy="185494"/>
+          </a:xfrm>
+          <a:prstGeom prst="rightArrow">
+            <a:avLst/>
+          </a:prstGeom>
+          <a:solidFill>
+            <a:schemeClr val="accent3"/>
+          </a:solidFill>
+        </p:spPr>
+        <p:style>
+          <a:lnRef idx="2">
+            <a:schemeClr val="accent1">
+              <a:shade val="50000"/>
+            </a:schemeClr>
+          </a:lnRef>
+          <a:fillRef idx="1">
+            <a:schemeClr val="accent1"/>
+          </a:fillRef>
+          <a:effectRef idx="0">
+            <a:schemeClr val="accent1"/>
+          </a:effectRef>
+          <a:fontRef idx="minor">
+            <a:schemeClr val="lt1"/>
+          </a:fontRef>
+        </p:style>
+        <p:txBody>
+          <a:bodyPr rtlCol="0" anchor="ctr"/>
+          <a:lstStyle/>
+          <a:p>
+            <a:pPr algn="ctr"/>
+            <a:endParaRPr kumimoji="1" lang="ja-JP" altLang="en-US"/>
+          </a:p>
+        </p:txBody>
+      </p:sp>
+      <p:sp>
+        <p:nvSpPr>
+          <p:cNvPr id="32" name="テキスト ボックス 31"/>
+          <p:cNvSpPr txBox="1"/>
+          <p:nvPr/>
+        </p:nvSpPr>
+        <p:spPr>
+          <a:xfrm>
+            <a:off x="1079612" y="4365176"/>
+            <a:ext cx="2088232" cy="461665"/>
+          </a:xfrm>
+          <a:prstGeom prst="rect">
+            <a:avLst/>
+          </a:prstGeom>
+          <a:noFill/>
+        </p:spPr>
+        <p:txBody>
+          <a:bodyPr wrap="square" rtlCol="0">
+            <a:spAutoFit/>
+          </a:bodyPr>
+          <a:lstStyle/>
+          <a:p>
+            <a:r>
+              <a:rPr kumimoji="1" lang="ja-JP" altLang="en-US" sz="2400" dirty="0" smtClean="0"/>
+              <a:t>５</a:t>
+            </a:r>
+            <a:endParaRPr kumimoji="1" lang="ja-JP" altLang="en-US" sz="2400" dirty="0"/>
+          </a:p>
+        </p:txBody>
+      </p:sp>
+      <p:sp>
+        <p:nvSpPr>
+          <p:cNvPr id="33" name="角丸四角形 32"/>
+          <p:cNvSpPr/>
+          <p:nvPr/>
+        </p:nvSpPr>
+        <p:spPr>
+          <a:xfrm>
+            <a:off x="4891615" y="5847337"/>
+            <a:ext cx="648072" cy="634402"/>
+          </a:xfrm>
+          <a:prstGeom prst="roundRect">
+            <a:avLst/>
+          </a:prstGeom>
+          <a:solidFill>
+            <a:schemeClr val="accent4">
+              <a:lumMod val="75000"/>
+            </a:schemeClr>
+          </a:solidFill>
+          <a:ln>
+            <a:solidFill>
+              <a:schemeClr val="accent4">
+                <a:lumMod val="50000"/>
+              </a:schemeClr>
+            </a:solidFill>
+          </a:ln>
+        </p:spPr>
+        <p:style>
+          <a:lnRef idx="2">
+            <a:schemeClr val="accent1">
+              <a:shade val="50000"/>
+            </a:schemeClr>
+          </a:lnRef>
+          <a:fillRef idx="1">
+            <a:schemeClr val="accent1"/>
+          </a:fillRef>
+          <a:effectRef idx="0">
+            <a:schemeClr val="accent1"/>
+          </a:effectRef>
+          <a:fontRef idx="minor">
+            <a:schemeClr val="lt1"/>
+          </a:fontRef>
+        </p:style>
+        <p:txBody>
+          <a:bodyPr rtlCol="0" anchor="ctr"/>
+          <a:lstStyle/>
+          <a:p>
+            <a:pPr algn="ctr"/>
+            <a:r>
+              <a:rPr kumimoji="1" lang="ja-JP" altLang="en-US" sz="2400" dirty="0" smtClean="0"/>
+              <a:t>Ｈ</a:t>
+            </a:r>
+            <a:endParaRPr kumimoji="1" lang="ja-JP" altLang="en-US" sz="2400" dirty="0"/>
+          </a:p>
+        </p:txBody>
+      </p:sp>
+      <p:cxnSp>
+        <p:nvCxnSpPr>
+          <p:cNvPr id="34" name="直線矢印コネクタ 33"/>
+          <p:cNvCxnSpPr>
+            <a:stCxn id="33" idx="1"/>
+          </p:cNvCxnSpPr>
+          <p:nvPr/>
+        </p:nvCxnSpPr>
+        <p:spPr>
+          <a:xfrm flipH="1" flipV="1">
+            <a:off x="4427983" y="5924359"/>
+            <a:ext cx="463632" cy="240179"/>
+          </a:xfrm>
+          <a:prstGeom prst="straightConnector1">
+            <a:avLst/>
+          </a:prstGeom>
+          <a:ln w="19050">
+            <a:tailEnd type="arrow"/>
+          </a:ln>
+        </p:spPr>
+        <p:style>
+          <a:lnRef idx="1">
+            <a:schemeClr val="accent1"/>
+          </a:lnRef>
+          <a:fillRef idx="0">
+            <a:schemeClr val="accent1"/>
+          </a:fillRef>
+          <a:effectRef idx="0">
+            <a:schemeClr val="accent1"/>
+          </a:effectRef>
+          <a:fontRef idx="minor">
+            <a:schemeClr val="tx1"/>
+          </a:fontRef>
+        </p:style>
+      </p:cxnSp>
+      <p:sp>
+        <p:nvSpPr>
+          <p:cNvPr id="37" name="テキスト ボックス 36"/>
+          <p:cNvSpPr txBox="1"/>
+          <p:nvPr/>
+        </p:nvSpPr>
+        <p:spPr>
+          <a:xfrm>
+            <a:off x="7208834" y="6502548"/>
+            <a:ext cx="1993257" cy="338554"/>
+          </a:xfrm>
+          <a:prstGeom prst="rect">
+            <a:avLst/>
+          </a:prstGeom>
+          <a:noFill/>
+        </p:spPr>
+        <p:txBody>
+          <a:bodyPr wrap="square" rtlCol="0">
+            <a:spAutoFit/>
+          </a:bodyPr>
+          <a:lstStyle/>
+          <a:p>
+            <a:r>
+              <a:rPr kumimoji="1" lang="ja-JP" altLang="en-US" sz="1600" dirty="0" smtClean="0"/>
+              <a:t>よくわからん。</a:t>
+            </a:r>
+            <a:endParaRPr kumimoji="1" lang="ja-JP" altLang="en-US" sz="1600" dirty="0"/>
+          </a:p>
+        </p:txBody>
+      </p:sp>
+    </p:spTree>
+    <p:extLst>
+      <p:ext uri="{BB962C8B-B14F-4D97-AF65-F5344CB8AC3E}">
+        <p14:creationId xmlns:p14="http://schemas.microsoft.com/office/powerpoint/2010/main" val="403288441"/>
+      </p:ext>
+    </p:extLst>
+  </p:cSld>
+  <p:clrMapOvr>
+    <a:masterClrMapping/>
+  </p:clrMapOvr>
+  <p:timing>
+    <p:tnLst>
+      <p:par>
+        <p:cTn id="1" dur="indefinite" restart="never" nodeType="tmRoot"/>
+      </p:par>
+    </p:tnLst>
+  </p:timing>
+</p:sld>
+</file>
+
+<file path=ppt/slides/slide24.xml><?xml version="1.0" encoding="utf-8"?>
+<p:sld xmlns:a="http://schemas.openxmlformats.org/drawingml/2006/main" xmlns:r="http://schemas.openxmlformats.org/officeDocument/2006/relationships" xmlns:p="http://schemas.openxmlformats.org/presentationml/2006/main">
+  <p:cSld>
+    <p:spTree>
+      <p:nvGrpSpPr>
+        <p:cNvPr id="1" name=""/>
+        <p:cNvGrpSpPr/>
+        <p:nvPr/>
+      </p:nvGrpSpPr>
+      <p:grpSpPr>
+        <a:xfrm>
+          <a:off x="0" y="0"/>
+          <a:ext cx="0" cy="0"/>
+          <a:chOff x="0" y="0"/>
+          <a:chExt cx="0" cy="0"/>
+        </a:xfrm>
+      </p:grpSpPr>
+      <p:sp>
+        <p:nvSpPr>
+          <p:cNvPr id="2" name="タイトル 1"/>
+          <p:cNvSpPr>
+            <a:spLocks noGrp="1"/>
+          </p:cNvSpPr>
+          <p:nvPr>
+            <p:ph type="title"/>
+          </p:nvPr>
+        </p:nvSpPr>
+        <p:spPr/>
+        <p:txBody>
+          <a:bodyPr>
+            <a:normAutofit/>
+          </a:bodyPr>
+          <a:lstStyle/>
+          <a:p>
+            <a:r>
+              <a:rPr kumimoji="1" lang="ja-JP" altLang="en-US" dirty="0" smtClean="0"/>
+              <a:t>少し困ったこと２</a:t>
+            </a:r>
+            <a:endParaRPr kumimoji="1" lang="ja-JP" altLang="en-US" dirty="0"/>
+          </a:p>
+        </p:txBody>
+      </p:sp>
+      <p:sp>
+        <p:nvSpPr>
+          <p:cNvPr id="3" name="コンテンツ プレースホルダー 2"/>
+          <p:cNvSpPr>
+            <a:spLocks noGrp="1"/>
+          </p:cNvSpPr>
+          <p:nvPr>
+            <p:ph idx="1"/>
+          </p:nvPr>
+        </p:nvSpPr>
+        <p:spPr>
+          <a:xfrm>
+            <a:off x="899592" y="1447800"/>
+            <a:ext cx="8136904" cy="4800600"/>
+          </a:xfrm>
+        </p:spPr>
+        <p:txBody>
+          <a:bodyPr>
+            <a:normAutofit/>
+          </a:bodyPr>
+          <a:lstStyle/>
+          <a:p>
+            <a:pPr marL="82296" indent="0">
+              <a:buNone/>
+            </a:pPr>
+            <a:r>
+              <a:rPr lang="ja-JP" altLang="en-US" dirty="0"/>
+              <a:t>・</a:t>
+            </a:r>
+            <a:r>
+              <a:rPr kumimoji="1" lang="ja-JP" altLang="en-US" dirty="0" smtClean="0"/>
+              <a:t>ホットキーのコンビネーションを設定すると、一つ目のキーが無効化される</a:t>
+            </a:r>
+            <a:endParaRPr kumimoji="1" lang="en-US" altLang="ja-JP" dirty="0" smtClean="0"/>
+          </a:p>
+          <a:p>
+            <a:pPr marL="82296" indent="0">
+              <a:buNone/>
+            </a:pPr>
+            <a:endParaRPr lang="en-US" altLang="ja-JP" dirty="0"/>
+          </a:p>
+          <a:p>
+            <a:pPr marL="82296" indent="0">
+              <a:buNone/>
+            </a:pPr>
+            <a:r>
+              <a:rPr kumimoji="1" lang="ja-JP" altLang="en-US" dirty="0" smtClean="0"/>
+              <a:t>例）</a:t>
+            </a:r>
+            <a:endParaRPr kumimoji="1" lang="en-US" altLang="ja-JP" dirty="0" smtClean="0"/>
+          </a:p>
+          <a:p>
+            <a:pPr marL="82296" indent="0">
+              <a:buNone/>
+            </a:pPr>
+            <a:r>
+              <a:rPr lang="en-US" altLang="ja-JP" dirty="0" err="1"/>
+              <a:t>RButton</a:t>
+            </a:r>
+            <a:r>
+              <a:rPr lang="en-US" altLang="ja-JP" dirty="0"/>
+              <a:t> &amp; </a:t>
+            </a:r>
+            <a:r>
+              <a:rPr lang="en-US" altLang="ja-JP" dirty="0" err="1"/>
+              <a:t>WheelUp</a:t>
+            </a:r>
+            <a:r>
+              <a:rPr lang="en-US" altLang="ja-JP" dirty="0"/>
+              <a:t>::</a:t>
+            </a:r>
+          </a:p>
+          <a:p>
+            <a:pPr marL="82296" indent="0">
+              <a:buNone/>
+            </a:pPr>
+            <a:r>
+              <a:rPr lang="en-US" altLang="ja-JP" dirty="0"/>
+              <a:t>  send,^+{Tab}</a:t>
+            </a:r>
+          </a:p>
+          <a:p>
+            <a:pPr marL="82296" indent="0">
+              <a:buNone/>
+            </a:pPr>
+            <a:r>
+              <a:rPr lang="en-US" altLang="ja-JP" dirty="0"/>
+              <a:t>  return</a:t>
+            </a:r>
+            <a:endParaRPr kumimoji="1" lang="en-US" altLang="ja-JP" dirty="0" smtClean="0"/>
+          </a:p>
+        </p:txBody>
+      </p:sp>
+    </p:spTree>
+    <p:extLst>
+      <p:ext uri="{BB962C8B-B14F-4D97-AF65-F5344CB8AC3E}">
+        <p14:creationId xmlns:p14="http://schemas.microsoft.com/office/powerpoint/2010/main" val="2878649217"/>
+      </p:ext>
+    </p:extLst>
+  </p:cSld>
+  <p:clrMapOvr>
+    <a:masterClrMapping/>
+  </p:clrMapOvr>
+  <p:timing>
+    <p:tnLst>
+      <p:par>
+        <p:cTn id="1" dur="indefinite" restart="never" nodeType="tmRoot"/>
+      </p:par>
+    </p:tnLst>
+  </p:timing>
+</p:sld>
+</file>
+
+<file path=ppt/slides/slide25.xml><?xml version="1.0" encoding="utf-8"?>
+<p:sld xmlns:a="http://schemas.openxmlformats.org/drawingml/2006/main" xmlns:r="http://schemas.openxmlformats.org/officeDocument/2006/relationships" xmlns:p="http://schemas.openxmlformats.org/presentationml/2006/main">
+  <p:cSld>
+    <p:spTree>
+      <p:nvGrpSpPr>
+        <p:cNvPr id="1" name=""/>
+        <p:cNvGrpSpPr/>
+        <p:nvPr/>
+      </p:nvGrpSpPr>
+      <p:grpSpPr>
+        <a:xfrm>
+          <a:off x="0" y="0"/>
+          <a:ext cx="0" cy="0"/>
+          <a:chOff x="0" y="0"/>
+          <a:chExt cx="0" cy="0"/>
+        </a:xfrm>
+      </p:grpSpPr>
+      <p:sp>
+        <p:nvSpPr>
+          <p:cNvPr id="2" name="タイトル 1"/>
+          <p:cNvSpPr>
+            <a:spLocks noGrp="1"/>
+          </p:cNvSpPr>
+          <p:nvPr>
+            <p:ph type="title"/>
+          </p:nvPr>
+        </p:nvSpPr>
+        <p:spPr/>
+        <p:txBody>
+          <a:bodyPr>
+            <a:normAutofit/>
+          </a:bodyPr>
+          <a:lstStyle/>
+          <a:p>
+            <a:r>
+              <a:rPr kumimoji="1" lang="ja-JP" altLang="en-US" dirty="0" smtClean="0"/>
+              <a:t>少し困った</a:t>
+            </a:r>
+            <a:r>
+              <a:rPr kumimoji="1" lang="ja-JP" altLang="en-US" dirty="0" smtClean="0"/>
+              <a:t>こと２</a:t>
+            </a:r>
+            <a:endParaRPr kumimoji="1" lang="ja-JP" altLang="en-US" dirty="0"/>
+          </a:p>
+        </p:txBody>
+      </p:sp>
+      <p:sp>
+        <p:nvSpPr>
+          <p:cNvPr id="3" name="コンテンツ プレースホルダー 2"/>
+          <p:cNvSpPr>
+            <a:spLocks noGrp="1"/>
+          </p:cNvSpPr>
+          <p:nvPr>
+            <p:ph idx="1"/>
+          </p:nvPr>
+        </p:nvSpPr>
+        <p:spPr>
+          <a:xfrm>
+            <a:off x="899592" y="1447800"/>
+            <a:ext cx="8136904" cy="5581600"/>
+          </a:xfrm>
+        </p:spPr>
+        <p:txBody>
+          <a:bodyPr>
+            <a:normAutofit/>
+          </a:bodyPr>
+          <a:lstStyle/>
+          <a:p>
+            <a:pPr marL="82296" indent="0">
+              <a:buNone/>
+            </a:pPr>
+            <a:r>
+              <a:rPr lang="ja-JP" altLang="en-US" dirty="0"/>
+              <a:t>・</a:t>
+            </a:r>
+            <a:r>
+              <a:rPr kumimoji="1" lang="ja-JP" altLang="en-US" dirty="0" smtClean="0"/>
+              <a:t>ホットキーのコンビネーションを設定すると、一つ目のキーが無効化される</a:t>
+            </a:r>
+            <a:endParaRPr kumimoji="1" lang="en-US" altLang="ja-JP" dirty="0" smtClean="0"/>
+          </a:p>
+          <a:p>
+            <a:pPr marL="82296" indent="0">
+              <a:buNone/>
+            </a:pPr>
+            <a:endParaRPr kumimoji="1" lang="en-US" altLang="ja-JP" dirty="0" smtClean="0"/>
+          </a:p>
+          <a:p>
+            <a:pPr marL="82296" indent="0">
+              <a:buNone/>
+            </a:pPr>
+            <a:r>
+              <a:rPr lang="ja-JP" altLang="en-US" dirty="0" smtClean="0"/>
+              <a:t>無効化</a:t>
+            </a:r>
+            <a:r>
+              <a:rPr lang="ja-JP" altLang="en-US" dirty="0"/>
+              <a:t>したく</a:t>
+            </a:r>
+            <a:r>
+              <a:rPr lang="ja-JP" altLang="en-US" dirty="0" smtClean="0"/>
+              <a:t>ないキーの頭に</a:t>
+            </a:r>
+            <a:r>
+              <a:rPr lang="en-US" altLang="ja-JP" dirty="0" smtClean="0"/>
+              <a:t>~(</a:t>
+            </a:r>
+            <a:r>
+              <a:rPr lang="ja-JP" altLang="en-US" dirty="0" smtClean="0"/>
+              <a:t>チルダ</a:t>
+            </a:r>
+            <a:r>
+              <a:rPr lang="en-US" altLang="ja-JP" dirty="0" smtClean="0"/>
+              <a:t>)</a:t>
+            </a:r>
+            <a:r>
+              <a:rPr lang="ja-JP" altLang="en-US" dirty="0" smtClean="0"/>
+              <a:t>つけるだけでよかった。</a:t>
+            </a:r>
+            <a:endParaRPr kumimoji="1" lang="en-US" altLang="ja-JP" dirty="0" smtClean="0"/>
+          </a:p>
+          <a:p>
+            <a:pPr marL="82296" indent="0">
+              <a:buNone/>
+            </a:pPr>
+            <a:endParaRPr kumimoji="1" lang="en-US" altLang="ja-JP" dirty="0" smtClean="0"/>
+          </a:p>
+          <a:p>
+            <a:pPr marL="82296" indent="0">
+              <a:buNone/>
+            </a:pPr>
+            <a:r>
+              <a:rPr kumimoji="1" lang="ja-JP" altLang="en-US" dirty="0" smtClean="0"/>
+              <a:t>例）</a:t>
+            </a:r>
+            <a:endParaRPr lang="en-US" altLang="ja-JP" dirty="0" smtClean="0"/>
+          </a:p>
+          <a:p>
+            <a:pPr marL="82296" indent="0">
+              <a:buNone/>
+            </a:pPr>
+            <a:r>
+              <a:rPr lang="en-US" altLang="ja-JP" dirty="0" smtClean="0"/>
+              <a:t>~</a:t>
+            </a:r>
+            <a:r>
+              <a:rPr lang="en-US" altLang="ja-JP" dirty="0" err="1" smtClean="0"/>
+              <a:t>RButton</a:t>
+            </a:r>
+            <a:r>
+              <a:rPr lang="en-US" altLang="ja-JP" dirty="0" smtClean="0"/>
+              <a:t> </a:t>
+            </a:r>
+            <a:r>
+              <a:rPr lang="en-US" altLang="ja-JP" dirty="0"/>
+              <a:t>&amp; </a:t>
+            </a:r>
+            <a:r>
+              <a:rPr lang="en-US" altLang="ja-JP" dirty="0" err="1"/>
+              <a:t>WheelUp</a:t>
+            </a:r>
+            <a:r>
+              <a:rPr lang="en-US" altLang="ja-JP" dirty="0"/>
+              <a:t>::</a:t>
+            </a:r>
+          </a:p>
+          <a:p>
+            <a:pPr marL="82296" indent="0">
+              <a:buNone/>
+            </a:pPr>
+            <a:r>
+              <a:rPr lang="en-US" altLang="ja-JP" dirty="0"/>
+              <a:t>  send,^+{Tab}</a:t>
+            </a:r>
+          </a:p>
+          <a:p>
+            <a:pPr marL="82296" indent="0">
+              <a:buNone/>
+            </a:pPr>
+            <a:r>
+              <a:rPr lang="en-US" altLang="ja-JP" dirty="0"/>
+              <a:t>  return</a:t>
+            </a:r>
+            <a:endParaRPr kumimoji="1" lang="en-US" altLang="ja-JP" dirty="0" smtClean="0"/>
+          </a:p>
+        </p:txBody>
+      </p:sp>
+      <p:sp>
+        <p:nvSpPr>
+          <p:cNvPr id="4" name="下矢印 3"/>
+          <p:cNvSpPr/>
+          <p:nvPr/>
+        </p:nvSpPr>
+        <p:spPr>
+          <a:xfrm>
+            <a:off x="4283968" y="2636912"/>
+            <a:ext cx="1008112" cy="576064"/>
+          </a:xfrm>
+          <a:prstGeom prst="downArrow">
+            <a:avLst/>
+          </a:prstGeom>
+        </p:spPr>
+        <p:style>
+          <a:lnRef idx="2">
+            <a:schemeClr val="accent1">
+              <a:shade val="50000"/>
+            </a:schemeClr>
+          </a:lnRef>
+          <a:fillRef idx="1">
+            <a:schemeClr val="accent1"/>
+          </a:fillRef>
+          <a:effectRef idx="0">
+            <a:schemeClr val="accent1"/>
+          </a:effectRef>
+          <a:fontRef idx="minor">
+            <a:schemeClr val="lt1"/>
+          </a:fontRef>
+        </p:style>
+        <p:txBody>
+          <a:bodyPr rtlCol="0" anchor="ctr"/>
+          <a:lstStyle/>
+          <a:p>
+            <a:pPr algn="ctr"/>
+            <a:endParaRPr kumimoji="1" lang="ja-JP" altLang="en-US"/>
+          </a:p>
+        </p:txBody>
+      </p:sp>
+    </p:spTree>
+    <p:extLst>
+      <p:ext uri="{BB962C8B-B14F-4D97-AF65-F5344CB8AC3E}">
+        <p14:creationId xmlns:p14="http://schemas.microsoft.com/office/powerpoint/2010/main" val="510961413"/>
+      </p:ext>
+    </p:extLst>
+  </p:cSld>
+  <p:clrMapOvr>
+    <a:masterClrMapping/>
+  </p:clrMapOvr>
+  <p:timing>
+    <p:tnLst>
+      <p:par>
+        <p:cTn id="1" dur="indefinite" restart="never" nodeType="tmRoot"/>
+      </p:par>
+    </p:tnLst>
+  </p:timing>
+</p:sld>
+</file>
+
+<file path=ppt/slides/slide26.xml><?xml version="1.0" encoding="utf-8"?>
+<p:sld xmlns:a="http://schemas.openxmlformats.org/drawingml/2006/main" xmlns:r="http://schemas.openxmlformats.org/officeDocument/2006/relationships" xmlns:p="http://schemas.openxmlformats.org/presentationml/2006/main">
+  <p:cSld>
+    <p:spTree>
+      <p:nvGrpSpPr>
+        <p:cNvPr id="1" name=""/>
+        <p:cNvGrpSpPr/>
+        <p:nvPr/>
+      </p:nvGrpSpPr>
+      <p:grpSpPr>
+        <a:xfrm>
+          <a:off x="0" y="0"/>
+          <a:ext cx="0" cy="0"/>
+          <a:chOff x="0" y="0"/>
+          <a:chExt cx="0" cy="0"/>
+        </a:xfrm>
+      </p:grpSpPr>
+      <p:sp>
+        <p:nvSpPr>
+          <p:cNvPr id="2" name="タイトル 1"/>
+          <p:cNvSpPr>
+            <a:spLocks noGrp="1"/>
+          </p:cNvSpPr>
+          <p:nvPr>
+            <p:ph type="title"/>
+          </p:nvPr>
+        </p:nvSpPr>
+        <p:spPr/>
+        <p:txBody>
+          <a:bodyPr/>
+          <a:lstStyle/>
+          <a:p>
+            <a:r>
+              <a:rPr kumimoji="1" lang="ja-JP" altLang="en-US" dirty="0" smtClean="0"/>
+              <a:t>というかぶっちゃ</a:t>
+            </a:r>
+            <a:r>
+              <a:rPr kumimoji="1" lang="ja-JP" altLang="en-US" dirty="0" err="1" smtClean="0"/>
+              <a:t>け</a:t>
+            </a:r>
+            <a:endParaRPr kumimoji="1" lang="ja-JP" altLang="en-US" dirty="0"/>
+          </a:p>
+        </p:txBody>
+      </p:sp>
+      <p:sp>
+        <p:nvSpPr>
+          <p:cNvPr id="3" name="コンテンツ プレースホルダー 2"/>
+          <p:cNvSpPr>
+            <a:spLocks noGrp="1"/>
+          </p:cNvSpPr>
+          <p:nvPr>
+            <p:ph idx="1"/>
+          </p:nvPr>
+        </p:nvSpPr>
+        <p:spPr>
+          <a:xfrm>
+            <a:off x="1435608" y="1447800"/>
+            <a:ext cx="7498080" cy="5077544"/>
+          </a:xfrm>
+        </p:spPr>
+        <p:txBody>
+          <a:bodyPr>
+            <a:normAutofit/>
+          </a:bodyPr>
+          <a:lstStyle/>
+          <a:p>
+            <a:pPr marL="82296" indent="0">
+              <a:buNone/>
+            </a:pPr>
+            <a:r>
+              <a:rPr lang="en-US" altLang="ja-JP" dirty="0" smtClean="0"/>
+              <a:t>Wiki</a:t>
+            </a:r>
+            <a:r>
+              <a:rPr lang="ja-JP" altLang="en-US" dirty="0" smtClean="0"/>
+              <a:t>に大体何でも書いてあります。</a:t>
+            </a:r>
+            <a:endParaRPr lang="en-US" altLang="ja-JP" dirty="0" smtClean="0"/>
+          </a:p>
+          <a:p>
+            <a:pPr marL="82296" indent="0">
+              <a:buNone/>
+            </a:pPr>
+            <a:endParaRPr lang="en-US" altLang="ja-JP" dirty="0"/>
+          </a:p>
+          <a:p>
+            <a:pPr marL="82296" indent="0">
+              <a:buNone/>
+            </a:pPr>
+            <a:r>
+              <a:rPr lang="ja-JP" altLang="en-US" dirty="0" smtClean="0"/>
+              <a:t>サンプルもあります</a:t>
+            </a:r>
+            <a:endParaRPr lang="en-US" altLang="ja-JP" dirty="0"/>
+          </a:p>
+        </p:txBody>
+      </p:sp>
+    </p:spTree>
+    <p:extLst>
+      <p:ext uri="{BB962C8B-B14F-4D97-AF65-F5344CB8AC3E}">
+        <p14:creationId xmlns:p14="http://schemas.microsoft.com/office/powerpoint/2010/main" val="1686085276"/>
+      </p:ext>
+    </p:extLst>
+  </p:cSld>
+  <p:clrMapOvr>
+    <a:masterClrMapping/>
+  </p:clrMapOvr>
+</p:sld>
+</file>
+
+<file path=ppt/slides/slide27.xml><?xml version="1.0" encoding="utf-8"?>
+<p:sld xmlns:a="http://schemas.openxmlformats.org/drawingml/2006/main" xmlns:r="http://schemas.openxmlformats.org/officeDocument/2006/relationships" xmlns:p="http://schemas.openxmlformats.org/presentationml/2006/main">
+  <p:cSld>
+    <p:spTree>
+      <p:nvGrpSpPr>
+        <p:cNvPr id="1" name=""/>
+        <p:cNvGrpSpPr/>
+        <p:nvPr/>
+      </p:nvGrpSpPr>
+      <p:grpSpPr>
+        <a:xfrm>
+          <a:off x="0" y="0"/>
+          <a:ext cx="0" cy="0"/>
+          <a:chOff x="0" y="0"/>
+          <a:chExt cx="0" cy="0"/>
+        </a:xfrm>
+      </p:grpSpPr>
+      <p:sp>
+        <p:nvSpPr>
+          <p:cNvPr id="2" name="タイトル 1"/>
+          <p:cNvSpPr>
+            <a:spLocks noGrp="1"/>
+          </p:cNvSpPr>
+          <p:nvPr>
+            <p:ph type="title"/>
+          </p:nvPr>
+        </p:nvSpPr>
+        <p:spPr/>
+        <p:txBody>
+          <a:bodyPr/>
+          <a:lstStyle/>
+          <a:p>
+            <a:r>
+              <a:rPr kumimoji="1" lang="ja-JP" altLang="en-US" dirty="0" smtClean="0"/>
+              <a:t>ＵＷＳＣと比べて</a:t>
+            </a:r>
+            <a:endParaRPr kumimoji="1" lang="ja-JP" altLang="en-US" dirty="0"/>
+          </a:p>
+        </p:txBody>
+      </p:sp>
+      <p:sp>
+        <p:nvSpPr>
+          <p:cNvPr id="4" name="コンテンツ プレースホルダー 2"/>
+          <p:cNvSpPr>
+            <a:spLocks noGrp="1"/>
+          </p:cNvSpPr>
+          <p:nvPr>
+            <p:ph idx="1"/>
+          </p:nvPr>
+        </p:nvSpPr>
+        <p:spPr>
+          <a:xfrm>
+            <a:off x="1435608" y="1447800"/>
+            <a:ext cx="7498080" cy="5077544"/>
+          </a:xfrm>
+        </p:spPr>
+        <p:txBody>
+          <a:bodyPr>
+            <a:normAutofit/>
+          </a:bodyPr>
+          <a:lstStyle/>
+          <a:p>
+            <a:r>
+              <a:rPr lang="en-US" altLang="ja-JP" dirty="0" smtClean="0"/>
+              <a:t>UWSC</a:t>
+            </a:r>
+            <a:r>
+              <a:rPr lang="ja-JP" altLang="en-US" dirty="0" smtClean="0"/>
+              <a:t>よりも原始的な命令がメインな雰囲気？</a:t>
+            </a:r>
+            <a:endParaRPr lang="en-US" altLang="ja-JP" dirty="0" smtClean="0"/>
+          </a:p>
+          <a:p>
+            <a:endParaRPr lang="en-US" altLang="ja-JP" dirty="0" smtClean="0"/>
+          </a:p>
+          <a:p>
+            <a:r>
+              <a:rPr lang="ja-JP" altLang="en-US" dirty="0" smtClean="0"/>
+              <a:t>「特定の文字列入力」を処理のトリガーにするのは</a:t>
+            </a:r>
+            <a:r>
+              <a:rPr lang="en-US" altLang="ja-JP" dirty="0" smtClean="0"/>
+              <a:t>UWSC</a:t>
+            </a:r>
+            <a:r>
+              <a:rPr lang="ja-JP" altLang="en-US" dirty="0" smtClean="0"/>
+              <a:t>では難しそう</a:t>
+            </a:r>
+            <a:endParaRPr lang="en-US" altLang="ja-JP" dirty="0" smtClean="0"/>
+          </a:p>
+          <a:p>
+            <a:endParaRPr lang="en-US" altLang="ja-JP" dirty="0"/>
+          </a:p>
+          <a:p>
+            <a:r>
+              <a:rPr lang="ja-JP" altLang="en-US" dirty="0" smtClean="0"/>
+              <a:t>マウス移動</a:t>
+            </a:r>
+            <a:r>
+              <a:rPr lang="ja-JP" altLang="en-US" dirty="0"/>
+              <a:t>など</a:t>
+            </a:r>
+            <a:r>
+              <a:rPr lang="ja-JP" altLang="en-US" dirty="0" smtClean="0"/>
+              <a:t>もできるようだが、</a:t>
+            </a:r>
+            <a:r>
+              <a:rPr lang="en-US" altLang="ja-JP" dirty="0" smtClean="0"/>
+              <a:t>UWSC</a:t>
+            </a:r>
+            <a:r>
+              <a:rPr lang="ja-JP" altLang="en-US" smtClean="0"/>
+              <a:t>の方が楽に作れそう</a:t>
+            </a:r>
+            <a:endParaRPr lang="en-US" altLang="ja-JP" dirty="0"/>
+          </a:p>
+        </p:txBody>
+      </p:sp>
+    </p:spTree>
+    <p:extLst>
+      <p:ext uri="{BB962C8B-B14F-4D97-AF65-F5344CB8AC3E}">
+        <p14:creationId xmlns:p14="http://schemas.microsoft.com/office/powerpoint/2010/main" val="117290726"/>
+      </p:ext>
+    </p:extLst>
+  </p:cSld>
+  <p:clrMapOvr>
+    <a:masterClrMapping/>
+  </p:clrMapOvr>
+</p:sld>
+</file>
+
+<file path=ppt/slides/slide28.xml><?xml version="1.0" encoding="utf-8"?>
+<p:sld xmlns:a="http://schemas.openxmlformats.org/drawingml/2006/main" xmlns:r="http://schemas.openxmlformats.org/officeDocument/2006/relationships" xmlns:p="http://schemas.openxmlformats.org/presentationml/2006/main">
+  <p:cSld>
+    <p:spTree>
+      <p:nvGrpSpPr>
+        <p:cNvPr id="1" name=""/>
+        <p:cNvGrpSpPr/>
+        <p:nvPr/>
+      </p:nvGrpSpPr>
+      <p:grpSpPr>
+        <a:xfrm>
+          <a:off x="0" y="0"/>
+          <a:ext cx="0" cy="0"/>
+          <a:chOff x="0" y="0"/>
+          <a:chExt cx="0" cy="0"/>
+        </a:xfrm>
+      </p:grpSpPr>
+      <p:sp>
+        <p:nvSpPr>
+          <p:cNvPr id="2" name="タイトル 1"/>
+          <p:cNvSpPr>
+            <a:spLocks noGrp="1"/>
+          </p:cNvSpPr>
+          <p:nvPr>
+            <p:ph type="title"/>
+          </p:nvPr>
+        </p:nvSpPr>
+        <p:spPr/>
+        <p:txBody>
+          <a:bodyPr/>
+          <a:lstStyle/>
+          <a:p>
+            <a:r>
+              <a:rPr kumimoji="1" lang="ja-JP" altLang="en-US" dirty="0" smtClean="0"/>
               <a:t>感想</a:t>
             </a:r>
             <a:endParaRPr kumimoji="1" lang="ja-JP" altLang="en-US" dirty="0"/>
@@ -11367,18 +16020,26 @@
           <a:lstStyle/>
           <a:p>
             <a:r>
-              <a:rPr lang="ja-JP" altLang="en-US" smtClean="0"/>
-              <a:t>ホットストリングは簡単に色々できそう</a:t>
-            </a:r>
-            <a:endParaRPr kumimoji="1" lang="en-US" altLang="ja-JP" dirty="0" smtClean="0"/>
-          </a:p>
-          <a:p>
+              <a:rPr lang="en-US" altLang="ja-JP" dirty="0" smtClean="0"/>
+              <a:t>UWSC</a:t>
+            </a:r>
+            <a:r>
+              <a:rPr lang="ja-JP" altLang="en-US" dirty="0" smtClean="0"/>
+              <a:t>とは適材適所で使い分けするといい感じ</a:t>
+            </a:r>
             <a:endParaRPr lang="en-US" altLang="ja-JP" dirty="0" smtClean="0"/>
           </a:p>
           <a:p>
+            <a:endParaRPr lang="en-US" altLang="ja-JP" dirty="0" smtClean="0"/>
+          </a:p>
+          <a:p>
+            <a:r>
+              <a:rPr lang="en-US" altLang="ja-JP" dirty="0" smtClean="0"/>
+              <a:t>Wiki</a:t>
+            </a:r>
             <a:r>
               <a:rPr lang="ja-JP" altLang="en-US" dirty="0" smtClean="0"/>
-              <a:t>すごい</a:t>
+              <a:t>があるっていい</a:t>
             </a:r>
             <a:endParaRPr lang="en-US" altLang="ja-JP" dirty="0" smtClean="0"/>
           </a:p>
@@ -11388,15 +16049,7 @@
           <a:p>
             <a:r>
               <a:rPr lang="ja-JP" altLang="en-US" dirty="0" smtClean="0"/>
-              <a:t>ぶっちゃ</a:t>
-            </a:r>
-            <a:r>
-              <a:rPr lang="ja-JP" altLang="en-US" dirty="0" err="1" smtClean="0"/>
-              <a:t>け</a:t>
-            </a:r>
-            <a:r>
-              <a:rPr lang="ja-JP" altLang="en-US" dirty="0" smtClean="0"/>
-              <a:t>なんでもできそう</a:t>
+              <a:t>コマンドが煩雑すぎる気もする</a:t>
             </a:r>
             <a:endParaRPr lang="en-US" altLang="ja-JP" dirty="0"/>
           </a:p>
@@ -11415,7 +16068,7 @@
 </p:sld>
 </file>
 
-<file path=ppt/slides/slide17.xml><?xml version="1.0" encoding="utf-8"?>
+<file path=ppt/slides/slide29.xml><?xml version="1.0" encoding="utf-8"?>
 <p:sld xmlns:a="http://schemas.openxmlformats.org/drawingml/2006/main" xmlns:r="http://schemas.openxmlformats.org/officeDocument/2006/relationships" xmlns:p="http://schemas.openxmlformats.org/presentationml/2006/main">
   <p:cSld>
     <p:spTree>
@@ -11492,204 +16145,6 @@
   <p:clrMapOvr>
     <a:masterClrMapping/>
   </p:clrMapOvr>
-</p:sld>
-</file>
-
-<file path=ppt/slides/slide2.xml><?xml version="1.0" encoding="utf-8"?>
-<p:sld xmlns:a="http://schemas.openxmlformats.org/drawingml/2006/main" xmlns:r="http://schemas.openxmlformats.org/officeDocument/2006/relationships" xmlns:p="http://schemas.openxmlformats.org/presentationml/2006/main">
-  <p:cSld>
-    <p:spTree>
-      <p:nvGrpSpPr>
-        <p:cNvPr id="1" name=""/>
-        <p:cNvGrpSpPr/>
-        <p:nvPr/>
-      </p:nvGrpSpPr>
-      <p:grpSpPr>
-        <a:xfrm>
-          <a:off x="0" y="0"/>
-          <a:ext cx="0" cy="0"/>
-          <a:chOff x="0" y="0"/>
-          <a:chExt cx="0" cy="0"/>
-        </a:xfrm>
-      </p:grpSpPr>
-      <p:sp>
-        <p:nvSpPr>
-          <p:cNvPr id="2" name="タイトル 1"/>
-          <p:cNvSpPr>
-            <a:spLocks noGrp="1"/>
-          </p:cNvSpPr>
-          <p:nvPr>
-            <p:ph type="title"/>
-          </p:nvPr>
-        </p:nvSpPr>
-        <p:spPr/>
-        <p:txBody>
-          <a:bodyPr/>
-          <a:lstStyle/>
-          <a:p>
-            <a:r>
-              <a:rPr kumimoji="1" lang="en-US" altLang="ja-JP" dirty="0" err="1" smtClean="0"/>
-              <a:t>AutoHotkey</a:t>
-            </a:r>
-            <a:r>
-              <a:rPr kumimoji="1" lang="ja-JP" altLang="en-US" dirty="0" smtClean="0"/>
-              <a:t>とは？</a:t>
-            </a:r>
-            <a:endParaRPr kumimoji="1" lang="ja-JP" altLang="en-US" dirty="0"/>
-          </a:p>
-        </p:txBody>
-      </p:sp>
-      <p:sp>
-        <p:nvSpPr>
-          <p:cNvPr id="3" name="コンテンツ プレースホルダー 2"/>
-          <p:cNvSpPr>
-            <a:spLocks noGrp="1"/>
-          </p:cNvSpPr>
-          <p:nvPr>
-            <p:ph idx="1"/>
-          </p:nvPr>
-        </p:nvSpPr>
-        <p:spPr>
-          <a:xfrm>
-            <a:off x="1115616" y="1124744"/>
-            <a:ext cx="7818072" cy="5544616"/>
-          </a:xfrm>
-        </p:spPr>
-        <p:txBody>
-          <a:bodyPr>
-            <a:normAutofit/>
-          </a:bodyPr>
-          <a:lstStyle/>
-          <a:p>
-            <a:pPr marL="82296" indent="0">
-              <a:buNone/>
-            </a:pPr>
-            <a:r>
-              <a:rPr lang="ja-JP" altLang="en-US" dirty="0"/>
-              <a:t>ホットキーへの機能の割り当て</a:t>
-            </a:r>
-            <a:r>
-              <a:rPr lang="ja-JP" altLang="en-US" dirty="0" smtClean="0"/>
-              <a:t>など、</a:t>
-            </a:r>
-            <a:endParaRPr lang="en-US" altLang="ja-JP" dirty="0" smtClean="0"/>
-          </a:p>
-          <a:p>
-            <a:pPr marL="82296" indent="0">
-              <a:buNone/>
-            </a:pPr>
-            <a:r>
-              <a:rPr lang="ja-JP" altLang="en-US" dirty="0" smtClean="0"/>
-              <a:t>常駐</a:t>
-            </a:r>
-            <a:r>
-              <a:rPr lang="ja-JP" altLang="en-US" dirty="0"/>
-              <a:t>ソフトの作成に特化した</a:t>
-            </a:r>
-            <a:r>
-              <a:rPr lang="ja-JP" altLang="en-US" dirty="0" smtClean="0"/>
-              <a:t>スクリプトエンジン（</a:t>
-            </a:r>
-            <a:r>
-              <a:rPr lang="en-US" altLang="ja-JP" dirty="0" smtClean="0"/>
-              <a:t>wiki</a:t>
-            </a:r>
-            <a:r>
-              <a:rPr lang="ja-JP" altLang="en-US" dirty="0" smtClean="0"/>
-              <a:t>より</a:t>
-            </a:r>
-            <a:r>
-              <a:rPr lang="ja-JP" altLang="en-US" dirty="0"/>
-              <a:t>）</a:t>
-            </a:r>
-            <a:endParaRPr lang="en-US" altLang="ja-JP" dirty="0" smtClean="0"/>
-          </a:p>
-          <a:p>
-            <a:pPr marL="82296" indent="0">
-              <a:buNone/>
-            </a:pPr>
-            <a:endParaRPr lang="en-US" altLang="ja-JP" dirty="0" smtClean="0"/>
-          </a:p>
-          <a:p>
-            <a:pPr marL="82296" indent="0">
-              <a:buNone/>
-            </a:pPr>
-            <a:r>
-              <a:rPr lang="ja-JP" altLang="en-US" dirty="0" smtClean="0"/>
-              <a:t>公式ページ（英語）</a:t>
-            </a:r>
-            <a:endParaRPr lang="en-US" altLang="ja-JP" dirty="0"/>
-          </a:p>
-          <a:p>
-            <a:pPr marL="82296" indent="0">
-              <a:buNone/>
-            </a:pPr>
-            <a:r>
-              <a:rPr lang="en-US" altLang="ja-JP" dirty="0">
-                <a:hlinkClick r:id="rId2"/>
-              </a:rPr>
-              <a:t>http://</a:t>
-            </a:r>
-            <a:r>
-              <a:rPr lang="en-US" altLang="ja-JP" dirty="0" smtClean="0">
-                <a:hlinkClick r:id="rId2"/>
-              </a:rPr>
-              <a:t>ahkscript.org/</a:t>
-            </a:r>
-            <a:endParaRPr lang="en-US" altLang="ja-JP" dirty="0" smtClean="0"/>
-          </a:p>
-          <a:p>
-            <a:pPr marL="82296" indent="0">
-              <a:buNone/>
-            </a:pPr>
-            <a:endParaRPr lang="en-US" altLang="ja-JP" dirty="0"/>
-          </a:p>
-          <a:p>
-            <a:pPr marL="82296" indent="0">
-              <a:buNone/>
-            </a:pPr>
-            <a:r>
-              <a:rPr lang="en-US" altLang="ja-JP" dirty="0" smtClean="0"/>
-              <a:t>Wiki</a:t>
-            </a:r>
-          </a:p>
-          <a:p>
-            <a:pPr marL="82296" indent="0">
-              <a:buNone/>
-            </a:pPr>
-            <a:r>
-              <a:rPr lang="en-US" altLang="ja-JP" dirty="0">
-                <a:hlinkClick r:id="rId3"/>
-              </a:rPr>
-              <a:t>http://</a:t>
-            </a:r>
-            <a:r>
-              <a:rPr lang="en-US" altLang="ja-JP" dirty="0" smtClean="0">
-                <a:hlinkClick r:id="rId3"/>
-              </a:rPr>
-              <a:t>ahkwiki.net/Top</a:t>
-            </a:r>
-            <a:endParaRPr lang="en-US" altLang="ja-JP" dirty="0"/>
-          </a:p>
-        </p:txBody>
-      </p:sp>
-    </p:spTree>
-    <p:extLst>
-      <p:ext uri="{BB962C8B-B14F-4D97-AF65-F5344CB8AC3E}">
-        <p14:creationId xmlns:p14="http://schemas.microsoft.com/office/powerpoint/2010/main" val="2486749052"/>
-      </p:ext>
-    </p:extLst>
-  </p:cSld>
-  <p:clrMapOvr>
-    <a:masterClrMapping/>
-  </p:clrMapOvr>
-  <p:timing>
-    <p:tnLst>
-      <p:par>
-        <p:cTn id="1" dur="indefinite" restart="never" nodeType="tmRoot"/>
-      </p:par>
-    </p:tnLst>
-  </p:timing>
 </p:sld>
 </file>
 
